--- a/專題.pptx
+++ b/專題.pptx
@@ -332,7 +332,7 @@
           <a:p>
             <a:fld id="{78A182CC-6B72-4682-8393-025A7EBE3821}" type="datetimeFigureOut">
               <a:rPr lang="zh-TW" altLang="en-US" smtClean="0"/>
-              <a:t>2019/10/29</a:t>
+              <a:t>2019/12/24</a:t>
             </a:fld>
             <a:endParaRPr lang="zh-TW" altLang="en-US"/>
           </a:p>
@@ -519,7 +519,7 @@
           <a:p>
             <a:fld id="{78A182CC-6B72-4682-8393-025A7EBE3821}" type="datetimeFigureOut">
               <a:rPr lang="zh-TW" altLang="en-US" smtClean="0"/>
-              <a:t>2019/10/29</a:t>
+              <a:t>2019/12/24</a:t>
             </a:fld>
             <a:endParaRPr lang="zh-TW" altLang="en-US"/>
           </a:p>
@@ -694,7 +694,7 @@
           <a:p>
             <a:fld id="{78A182CC-6B72-4682-8393-025A7EBE3821}" type="datetimeFigureOut">
               <a:rPr lang="zh-TW" altLang="en-US" smtClean="0"/>
-              <a:t>2019/10/29</a:t>
+              <a:t>2019/12/24</a:t>
             </a:fld>
             <a:endParaRPr lang="zh-TW" altLang="en-US"/>
           </a:p>
@@ -874,7 +874,7 @@
           <a:p>
             <a:fld id="{78A182CC-6B72-4682-8393-025A7EBE3821}" type="datetimeFigureOut">
               <a:rPr lang="zh-TW" altLang="en-US" smtClean="0"/>
-              <a:t>2019/10/29</a:t>
+              <a:t>2019/12/24</a:t>
             </a:fld>
             <a:endParaRPr lang="zh-TW" altLang="en-US"/>
           </a:p>
@@ -1121,7 +1121,7 @@
           <a:p>
             <a:fld id="{78A182CC-6B72-4682-8393-025A7EBE3821}" type="datetimeFigureOut">
               <a:rPr lang="zh-TW" altLang="en-US" smtClean="0"/>
-              <a:t>2019/10/29</a:t>
+              <a:t>2019/12/24</a:t>
             </a:fld>
             <a:endParaRPr lang="zh-TW" altLang="en-US"/>
           </a:p>
@@ -1595,7 +1595,7 @@
           <a:p>
             <a:fld id="{78A182CC-6B72-4682-8393-025A7EBE3821}" type="datetimeFigureOut">
               <a:rPr lang="zh-TW" altLang="en-US" smtClean="0"/>
-              <a:t>2019/10/29</a:t>
+              <a:t>2019/12/24</a:t>
             </a:fld>
             <a:endParaRPr lang="zh-TW" altLang="en-US"/>
           </a:p>
@@ -2010,7 +2010,7 @@
           <a:p>
             <a:fld id="{78A182CC-6B72-4682-8393-025A7EBE3821}" type="datetimeFigureOut">
               <a:rPr lang="zh-TW" altLang="en-US" smtClean="0"/>
-              <a:t>2019/10/29</a:t>
+              <a:t>2019/12/24</a:t>
             </a:fld>
             <a:endParaRPr lang="zh-TW" altLang="en-US"/>
           </a:p>
@@ -2141,7 +2141,7 @@
           <a:p>
             <a:fld id="{78A182CC-6B72-4682-8393-025A7EBE3821}" type="datetimeFigureOut">
               <a:rPr lang="zh-TW" altLang="en-US" smtClean="0"/>
-              <a:t>2019/10/29</a:t>
+              <a:t>2019/12/24</a:t>
             </a:fld>
             <a:endParaRPr lang="zh-TW" altLang="en-US"/>
           </a:p>
@@ -2236,7 +2236,7 @@
           <a:p>
             <a:fld id="{78A182CC-6B72-4682-8393-025A7EBE3821}" type="datetimeFigureOut">
               <a:rPr lang="zh-TW" altLang="en-US" smtClean="0"/>
-              <a:t>2019/10/29</a:t>
+              <a:t>2019/12/24</a:t>
             </a:fld>
             <a:endParaRPr lang="zh-TW" altLang="en-US"/>
           </a:p>
@@ -2514,7 +2514,7 @@
           <a:p>
             <a:fld id="{78A182CC-6B72-4682-8393-025A7EBE3821}" type="datetimeFigureOut">
               <a:rPr lang="zh-TW" altLang="en-US" smtClean="0"/>
-              <a:t>2019/10/29</a:t>
+              <a:t>2019/12/24</a:t>
             </a:fld>
             <a:endParaRPr lang="zh-TW" altLang="en-US"/>
           </a:p>
@@ -2766,7 +2766,7 @@
           <a:p>
             <a:fld id="{78A182CC-6B72-4682-8393-025A7EBE3821}" type="datetimeFigureOut">
               <a:rPr lang="zh-TW" altLang="en-US" smtClean="0"/>
-              <a:t>2019/10/29</a:t>
+              <a:t>2019/12/24</a:t>
             </a:fld>
             <a:endParaRPr lang="zh-TW" altLang="en-US"/>
           </a:p>
@@ -3138,7 +3138,7 @@
           <a:p>
             <a:fld id="{78A182CC-6B72-4682-8393-025A7EBE3821}" type="datetimeFigureOut">
               <a:rPr lang="zh-TW" altLang="en-US" smtClean="0"/>
-              <a:t>2019/10/29</a:t>
+              <a:t>2019/12/24</a:t>
             </a:fld>
             <a:endParaRPr lang="zh-TW" altLang="en-US"/>
           </a:p>
@@ -4420,7 +4420,7 @@
       </p:sp>
       <p:pic>
         <p:nvPicPr>
-          <p:cNvPr id="3" name="Picture 2"/>
+          <p:cNvPr id="1026" name="Picture 2"/>
           <p:cNvPicPr>
             <a:picLocks noChangeAspect="1" noChangeArrowheads="1"/>
           </p:cNvPicPr>
@@ -4441,8 +4441,8 @@
         </p:blipFill>
         <p:spPr bwMode="auto">
           <a:xfrm>
-            <a:off x="611560" y="1340768"/>
-            <a:ext cx="8253487" cy="4901189"/>
+            <a:off x="34115" y="1340768"/>
+            <a:ext cx="9017000" cy="5357813"/>
           </a:xfrm>
           <a:prstGeom prst="rect">
             <a:avLst/>
@@ -4529,7 +4529,12 @@
             <p:ph type="title"/>
           </p:nvPr>
         </p:nvSpPr>
-        <p:spPr/>
+        <p:spPr>
+          <a:xfrm>
+            <a:off x="-396552" y="281212"/>
+            <a:ext cx="8229600" cy="1399032"/>
+          </a:xfrm>
+        </p:spPr>
         <p:txBody>
           <a:bodyPr>
             <a:normAutofit/>
@@ -4560,7 +4565,7 @@
         </p:nvSpPr>
         <p:spPr>
           <a:xfrm>
-            <a:off x="971600" y="1412776"/>
+            <a:off x="105879" y="1438255"/>
             <a:ext cx="5080608" cy="4800600"/>
           </a:xfrm>
         </p:spPr>
@@ -4570,38 +4575,18 @@
           <a:p>
             <a:r>
               <a:rPr lang="zh-TW" altLang="en-US" dirty="0" smtClean="0"/>
-              <a:t>針對特定字元回應</a:t>
+              <a:t>想做的都做好了</a:t>
             </a:r>
             <a:endParaRPr lang="en-US" altLang="zh-TW" dirty="0" smtClean="0"/>
           </a:p>
           <a:p>
             <a:r>
               <a:rPr lang="zh-TW" altLang="en-US" dirty="0"/>
-              <a:t>姑且可</a:t>
+              <a:t>原本要</a:t>
             </a:r>
             <a:r>
               <a:rPr lang="zh-TW" altLang="en-US" dirty="0" smtClean="0"/>
-              <a:t>用的播</a:t>
-            </a:r>
-            <a:r>
-              <a:rPr lang="zh-TW" altLang="en-US" dirty="0"/>
-              <a:t>音樂</a:t>
-            </a:r>
-            <a:r>
-              <a:rPr lang="zh-TW" altLang="en-US" dirty="0" smtClean="0"/>
-              <a:t>系統</a:t>
-            </a:r>
-            <a:r>
-              <a:rPr lang="en-US" altLang="zh-TW" dirty="0" smtClean="0"/>
-              <a:t>(</a:t>
-            </a:r>
-            <a:r>
-              <a:rPr lang="zh-TW" altLang="en-US" dirty="0" smtClean="0"/>
-              <a:t>歌單 暫停</a:t>
-            </a:r>
-            <a:r>
-              <a:rPr lang="en-US" altLang="zh-TW" dirty="0" smtClean="0"/>
-              <a:t>)</a:t>
+              <a:t>架到樹莓派 可是沒時間做ㄌ 嗚嗚嗚</a:t>
             </a:r>
             <a:endParaRPr lang="zh-TW" altLang="en-US" dirty="0"/>
           </a:p>
@@ -4609,14 +4594,14 @@
       </p:sp>
       <p:pic>
         <p:nvPicPr>
-          <p:cNvPr id="1027" name="Picture 3"/>
+          <p:cNvPr id="2050" name="Picture 2" descr="「我就爛」的圖片搜尋結果"/>
           <p:cNvPicPr>
             <a:picLocks noChangeAspect="1" noChangeArrowheads="1"/>
           </p:cNvPicPr>
           <p:nvPr/>
         </p:nvPicPr>
         <p:blipFill>
-          <a:blip r:embed="rId2">
+          <a:blip r:embed="rId2" cstate="print">
             <a:extLst>
               <a:ext uri="{28A0092B-C50C-407E-A947-70E740481C1C}">
                 <a14:useLocalDpi xmlns:a14="http://schemas.microsoft.com/office/drawing/2010/main" val="0"/>
@@ -4630,50 +4615,27 @@
         </p:blipFill>
         <p:spPr bwMode="auto">
           <a:xfrm>
-            <a:off x="5030576" y="3345897"/>
-            <a:ext cx="3970337" cy="1392237"/>
+            <a:off x="4283968" y="980728"/>
+            <a:ext cx="902519" cy="915054"/>
           </a:xfrm>
           <a:prstGeom prst="rect">
             <a:avLst/>
           </a:prstGeom>
           <a:noFill/>
-          <a:ln>
-            <a:noFill/>
-          </a:ln>
-          <a:effectLst/>
           <a:extLst>
             <a:ext uri="{909E8E84-426E-40DD-AFC4-6F175D3DCCD1}">
               <a14:hiddenFill xmlns:a14="http://schemas.microsoft.com/office/drawing/2010/main">
                 <a:solidFill>
-                  <a:schemeClr val="accent1"/>
+                  <a:srgbClr val="FFFFFF"/>
                 </a:solidFill>
               </a14:hiddenFill>
             </a:ext>
-            <a:ext uri="{91240B29-F687-4F45-9708-019B960494DF}">
-              <a14:hiddenLine xmlns:a14="http://schemas.microsoft.com/office/drawing/2010/main" w="9525">
-                <a:solidFill>
-                  <a:schemeClr val="tx1"/>
-                </a:solidFill>
-                <a:miter lim="800000"/>
-                <a:headEnd/>
-                <a:tailEnd/>
-              </a14:hiddenLine>
-            </a:ext>
-            <a:ext uri="{AF507438-7753-43E0-B8FC-AC1667EBCBE1}">
-              <a14:hiddenEffects xmlns:a14="http://schemas.microsoft.com/office/drawing/2010/main">
-                <a:effectLst>
-                  <a:outerShdw dist="35921" dir="2700000" algn="ctr" rotWithShape="0">
-                    <a:schemeClr val="bg2"/>
-                  </a:outerShdw>
-                </a:effectLst>
-              </a14:hiddenEffects>
-            </a:ext>
           </a:extLst>
         </p:spPr>
       </p:pic>
       <p:pic>
         <p:nvPicPr>
-          <p:cNvPr id="1028" name="Picture 4"/>
+          <p:cNvPr id="1027" name="Picture 3"/>
           <p:cNvPicPr>
             <a:picLocks noChangeAspect="1" noChangeArrowheads="1"/>
           </p:cNvPicPr>
@@ -4694,264 +4656,8 @@
         </p:blipFill>
         <p:spPr bwMode="auto">
           <a:xfrm>
-            <a:off x="7260455" y="4738134"/>
-            <a:ext cx="1740458" cy="2014488"/>
-          </a:xfrm>
-          <a:prstGeom prst="rect">
-            <a:avLst/>
-          </a:prstGeom>
-          <a:noFill/>
-          <a:ln>
-            <a:noFill/>
-          </a:ln>
-          <a:effectLst/>
-          <a:extLst>
-            <a:ext uri="{909E8E84-426E-40DD-AFC4-6F175D3DCCD1}">
-              <a14:hiddenFill xmlns:a14="http://schemas.microsoft.com/office/drawing/2010/main">
-                <a:solidFill>
-                  <a:schemeClr val="accent1"/>
-                </a:solidFill>
-              </a14:hiddenFill>
-            </a:ext>
-            <a:ext uri="{91240B29-F687-4F45-9708-019B960494DF}">
-              <a14:hiddenLine xmlns:a14="http://schemas.microsoft.com/office/drawing/2010/main" w="9525">
-                <a:solidFill>
-                  <a:schemeClr val="tx1"/>
-                </a:solidFill>
-                <a:miter lim="800000"/>
-                <a:headEnd/>
-                <a:tailEnd/>
-              </a14:hiddenLine>
-            </a:ext>
-            <a:ext uri="{AF507438-7753-43E0-B8FC-AC1667EBCBE1}">
-              <a14:hiddenEffects xmlns:a14="http://schemas.microsoft.com/office/drawing/2010/main">
-                <a:effectLst>
-                  <a:outerShdw dist="35921" dir="2700000" algn="ctr" rotWithShape="0">
-                    <a:schemeClr val="bg2"/>
-                  </a:outerShdw>
-                </a:effectLst>
-              </a14:hiddenEffects>
-            </a:ext>
-          </a:extLst>
-        </p:spPr>
-      </p:pic>
-      <p:pic>
-        <p:nvPicPr>
-          <p:cNvPr id="1030" name="Picture 6"/>
-          <p:cNvPicPr>
-            <a:picLocks noChangeAspect="1" noChangeArrowheads="1"/>
-          </p:cNvPicPr>
-          <p:nvPr/>
-        </p:nvPicPr>
-        <p:blipFill>
-          <a:blip r:embed="rId4">
-            <a:extLst>
-              <a:ext uri="{28A0092B-C50C-407E-A947-70E740481C1C}">
-                <a14:useLocalDpi xmlns:a14="http://schemas.microsoft.com/office/drawing/2010/main" val="0"/>
-              </a:ext>
-            </a:extLst>
-          </a:blip>
-          <a:srcRect/>
-          <a:stretch>
-            <a:fillRect/>
-          </a:stretch>
-        </p:blipFill>
-        <p:spPr bwMode="auto">
-          <a:xfrm>
-            <a:off x="5940152" y="188640"/>
-            <a:ext cx="2902281" cy="3157257"/>
-          </a:xfrm>
-          <a:prstGeom prst="rect">
-            <a:avLst/>
-          </a:prstGeom>
-          <a:noFill/>
-          <a:ln>
-            <a:noFill/>
-          </a:ln>
-          <a:effectLst/>
-          <a:extLst>
-            <a:ext uri="{909E8E84-426E-40DD-AFC4-6F175D3DCCD1}">
-              <a14:hiddenFill xmlns:a14="http://schemas.microsoft.com/office/drawing/2010/main">
-                <a:solidFill>
-                  <a:schemeClr val="accent1"/>
-                </a:solidFill>
-              </a14:hiddenFill>
-            </a:ext>
-            <a:ext uri="{91240B29-F687-4F45-9708-019B960494DF}">
-              <a14:hiddenLine xmlns:a14="http://schemas.microsoft.com/office/drawing/2010/main" w="9525">
-                <a:solidFill>
-                  <a:schemeClr val="tx1"/>
-                </a:solidFill>
-                <a:miter lim="800000"/>
-                <a:headEnd/>
-                <a:tailEnd/>
-              </a14:hiddenLine>
-            </a:ext>
-            <a:ext uri="{AF507438-7753-43E0-B8FC-AC1667EBCBE1}">
-              <a14:hiddenEffects xmlns:a14="http://schemas.microsoft.com/office/drawing/2010/main">
-                <a:effectLst>
-                  <a:outerShdw dist="35921" dir="2700000" algn="ctr" rotWithShape="0">
-                    <a:schemeClr val="bg2"/>
-                  </a:outerShdw>
-                </a:effectLst>
-              </a14:hiddenEffects>
-            </a:ext>
-          </a:extLst>
-        </p:spPr>
-      </p:pic>
-      <p:pic>
-        <p:nvPicPr>
-          <p:cNvPr id="1031" name="Picture 7"/>
-          <p:cNvPicPr>
-            <a:picLocks noChangeAspect="1" noChangeArrowheads="1"/>
-          </p:cNvPicPr>
-          <p:nvPr/>
-        </p:nvPicPr>
-        <p:blipFill>
-          <a:blip r:embed="rId5">
-            <a:extLst>
-              <a:ext uri="{28A0092B-C50C-407E-A947-70E740481C1C}">
-                <a14:useLocalDpi xmlns:a14="http://schemas.microsoft.com/office/drawing/2010/main" val="0"/>
-              </a:ext>
-            </a:extLst>
-          </a:blip>
-          <a:srcRect/>
-          <a:stretch>
-            <a:fillRect/>
-          </a:stretch>
-        </p:blipFill>
-        <p:spPr bwMode="auto">
-          <a:xfrm>
-            <a:off x="3524943" y="4850344"/>
-            <a:ext cx="3624263" cy="1763713"/>
-          </a:xfrm>
-          <a:prstGeom prst="rect">
-            <a:avLst/>
-          </a:prstGeom>
-          <a:noFill/>
-          <a:ln>
-            <a:noFill/>
-          </a:ln>
-          <a:effectLst/>
-          <a:extLst>
-            <a:ext uri="{909E8E84-426E-40DD-AFC4-6F175D3DCCD1}">
-              <a14:hiddenFill xmlns:a14="http://schemas.microsoft.com/office/drawing/2010/main">
-                <a:solidFill>
-                  <a:schemeClr val="accent1"/>
-                </a:solidFill>
-              </a14:hiddenFill>
-            </a:ext>
-            <a:ext uri="{91240B29-F687-4F45-9708-019B960494DF}">
-              <a14:hiddenLine xmlns:a14="http://schemas.microsoft.com/office/drawing/2010/main" w="9525">
-                <a:solidFill>
-                  <a:schemeClr val="tx1"/>
-                </a:solidFill>
-                <a:miter lim="800000"/>
-                <a:headEnd/>
-                <a:tailEnd/>
-              </a14:hiddenLine>
-            </a:ext>
-            <a:ext uri="{AF507438-7753-43E0-B8FC-AC1667EBCBE1}">
-              <a14:hiddenEffects xmlns:a14="http://schemas.microsoft.com/office/drawing/2010/main">
-                <a:effectLst>
-                  <a:outerShdw dist="35921" dir="2700000" algn="ctr" rotWithShape="0">
-                    <a:schemeClr val="bg2"/>
-                  </a:outerShdw>
-                </a:effectLst>
-              </a14:hiddenEffects>
-            </a:ext>
-          </a:extLst>
-        </p:spPr>
-      </p:pic>
-      <p:pic>
-        <p:nvPicPr>
-          <p:cNvPr id="1032" name="Picture 8"/>
-          <p:cNvPicPr>
-            <a:picLocks noChangeAspect="1" noChangeArrowheads="1"/>
-          </p:cNvPicPr>
-          <p:nvPr/>
-        </p:nvPicPr>
-        <p:blipFill>
-          <a:blip r:embed="rId6">
-            <a:extLst>
-              <a:ext uri="{28A0092B-C50C-407E-A947-70E740481C1C}">
-                <a14:useLocalDpi xmlns:a14="http://schemas.microsoft.com/office/drawing/2010/main" val="0"/>
-              </a:ext>
-            </a:extLst>
-          </a:blip>
-          <a:srcRect/>
-          <a:stretch>
-            <a:fillRect/>
-          </a:stretch>
-        </p:blipFill>
-        <p:spPr bwMode="auto">
-          <a:xfrm>
-            <a:off x="2843807" y="4061859"/>
-            <a:ext cx="1985963" cy="676275"/>
-          </a:xfrm>
-          <a:prstGeom prst="rect">
-            <a:avLst/>
-          </a:prstGeom>
-          <a:noFill/>
-          <a:ln>
-            <a:noFill/>
-          </a:ln>
-          <a:effectLst/>
-          <a:extLst>
-            <a:ext uri="{909E8E84-426E-40DD-AFC4-6F175D3DCCD1}">
-              <a14:hiddenFill xmlns:a14="http://schemas.microsoft.com/office/drawing/2010/main">
-                <a:solidFill>
-                  <a:schemeClr val="accent1"/>
-                </a:solidFill>
-              </a14:hiddenFill>
-            </a:ext>
-            <a:ext uri="{91240B29-F687-4F45-9708-019B960494DF}">
-              <a14:hiddenLine xmlns:a14="http://schemas.microsoft.com/office/drawing/2010/main" w="9525">
-                <a:solidFill>
-                  <a:schemeClr val="tx1"/>
-                </a:solidFill>
-                <a:miter lim="800000"/>
-                <a:headEnd/>
-                <a:tailEnd/>
-              </a14:hiddenLine>
-            </a:ext>
-            <a:ext uri="{AF507438-7753-43E0-B8FC-AC1667EBCBE1}">
-              <a14:hiddenEffects xmlns:a14="http://schemas.microsoft.com/office/drawing/2010/main">
-                <a:effectLst>
-                  <a:outerShdw dist="35921" dir="2700000" algn="ctr" rotWithShape="0">
-                    <a:schemeClr val="bg2"/>
-                  </a:outerShdw>
-                </a:effectLst>
-              </a14:hiddenEffects>
-            </a:ext>
-          </a:extLst>
-        </p:spPr>
-      </p:pic>
-      <p:pic>
-        <p:nvPicPr>
-          <p:cNvPr id="1033" name="Picture 9"/>
-          <p:cNvPicPr>
-            <a:picLocks noChangeAspect="1" noChangeArrowheads="1"/>
-          </p:cNvPicPr>
-          <p:nvPr/>
-        </p:nvPicPr>
-        <p:blipFill>
-          <a:blip r:embed="rId7">
-            <a:extLst>
-              <a:ext uri="{28A0092B-C50C-407E-A947-70E740481C1C}">
-                <a14:useLocalDpi xmlns:a14="http://schemas.microsoft.com/office/drawing/2010/main" val="0"/>
-              </a:ext>
-            </a:extLst>
-          </a:blip>
-          <a:srcRect/>
-          <a:stretch>
-            <a:fillRect/>
-          </a:stretch>
-        </p:blipFill>
-        <p:spPr bwMode="auto">
-          <a:xfrm>
-            <a:off x="107504" y="6021288"/>
-            <a:ext cx="3327400" cy="534987"/>
+            <a:off x="5508104" y="197524"/>
+            <a:ext cx="3436633" cy="3456384"/>
           </a:xfrm>
           <a:prstGeom prst="rect">
             <a:avLst/>

--- a/專題.pptx
+++ b/專題.pptx
@@ -11,7 +11,19 @@
     <p:sldId id="259" r:id="rId5"/>
     <p:sldId id="260" r:id="rId6"/>
     <p:sldId id="262" r:id="rId7"/>
-    <p:sldId id="263" r:id="rId8"/>
+    <p:sldId id="273" r:id="rId8"/>
+    <p:sldId id="274" r:id="rId9"/>
+    <p:sldId id="264" r:id="rId10"/>
+    <p:sldId id="265" r:id="rId11"/>
+    <p:sldId id="266" r:id="rId12"/>
+    <p:sldId id="267" r:id="rId13"/>
+    <p:sldId id="268" r:id="rId14"/>
+    <p:sldId id="269" r:id="rId15"/>
+    <p:sldId id="270" r:id="rId16"/>
+    <p:sldId id="272" r:id="rId17"/>
+    <p:sldId id="271" r:id="rId18"/>
+    <p:sldId id="263" r:id="rId19"/>
+    <p:sldId id="275" r:id="rId20"/>
   </p:sldIdLst>
   <p:sldSz cx="9144000" cy="6858000" type="screen4x3"/>
   <p:notesSz cx="6858000" cy="9144000"/>
@@ -138,7 +150,7 @@
         </p:nvSpPr>
         <p:spPr>
           <a:xfrm rot="16200000">
-            <a:off x="7554353" y="5254283"/>
+            <a:off x="7554354" y="5254284"/>
             <a:ext cx="1892949" cy="1294228"/>
           </a:xfrm>
           <a:prstGeom prst="triangle">
@@ -213,7 +225,7 @@
         </p:nvSpPr>
         <p:spPr>
           <a:xfrm>
-            <a:off x="540544" y="776288"/>
+            <a:off x="540544" y="776289"/>
             <a:ext cx="8062912" cy="1470025"/>
           </a:xfrm>
         </p:spPr>
@@ -318,7 +330,7 @@
         </p:nvSpPr>
         <p:spPr>
           <a:xfrm>
-            <a:off x="1371600" y="6012656"/>
+            <a:off x="1371600" y="6012657"/>
             <a:ext cx="5791200" cy="365125"/>
           </a:xfrm>
         </p:spPr>
@@ -350,7 +362,7 @@
         </p:nvSpPr>
         <p:spPr>
           <a:xfrm>
-            <a:off x="1371600" y="5650704"/>
+            <a:off x="1371600" y="5650705"/>
             <a:ext cx="5791200" cy="365125"/>
           </a:xfrm>
         </p:spPr>
@@ -378,7 +390,7 @@
         </p:nvSpPr>
         <p:spPr>
           <a:xfrm>
-            <a:off x="8392247" y="5752307"/>
+            <a:off x="8392247" y="5752308"/>
             <a:ext cx="502920" cy="365125"/>
           </a:xfrm>
         </p:spPr>
@@ -402,11 +414,48 @@
           </a:p>
         </p:txBody>
       </p:sp>
+      <p:pic>
+        <p:nvPicPr>
+          <p:cNvPr id="10" name="圖片 9"/>
+          <p:cNvPicPr>
+            <a:picLocks noChangeAspect="1"/>
+          </p:cNvPicPr>
+          <p:nvPr userDrawn="1"/>
+        </p:nvPicPr>
+        <p:blipFill>
+          <a:blip r:embed="rId2" cstate="print">
+            <a:extLst>
+              <a:ext uri="{28A0092B-C50C-407E-A947-70E740481C1C}">
+                <a14:useLocalDpi xmlns:a14="http://schemas.microsoft.com/office/drawing/2010/main" val="0"/>
+              </a:ext>
+            </a:extLst>
+          </a:blip>
+          <a:stretch>
+            <a:fillRect/>
+          </a:stretch>
+        </p:blipFill>
+        <p:spPr>
+          <a:xfrm>
+            <a:off x="7051519" y="5294610"/>
+            <a:ext cx="2201001" cy="1650751"/>
+          </a:xfrm>
+          <a:prstGeom prst="rect">
+            <a:avLst/>
+          </a:prstGeom>
+        </p:spPr>
+      </p:pic>
     </p:spTree>
   </p:cSld>
   <p:clrMapOvr>
     <a:masterClrMapping/>
   </p:clrMapOvr>
+  <p:timing>
+    <p:tnLst>
+      <p:par>
+        <p:cTn id="1" dur="indefinite" restart="never" nodeType="tmRoot"/>
+      </p:par>
+    </p:tnLst>
+  </p:timing>
 </p:sldLayout>
 </file>
 
@@ -572,6 +621,13 @@
   <p:clrMapOvr>
     <a:masterClrMapping/>
   </p:clrMapOvr>
+  <p:timing>
+    <p:tnLst>
+      <p:par>
+        <p:cTn id="1" dur="indefinite" restart="never" nodeType="tmRoot"/>
+      </p:par>
+    </p:tnLst>
+  </p:timing>
 </p:sldLayout>
 </file>
 
@@ -747,6 +803,13 @@
   <p:clrMapOvr>
     <a:masterClrMapping/>
   </p:clrMapOvr>
+  <p:timing>
+    <p:tnLst>
+      <p:par>
+        <p:cTn id="1" dur="indefinite" restart="never" nodeType="tmRoot"/>
+      </p:par>
+    </p:tnLst>
+  </p:timing>
 </p:sldLayout>
 </file>
 
@@ -892,7 +955,7 @@
         </p:nvSpPr>
         <p:spPr>
           <a:xfrm>
-            <a:off x="457200" y="6480969"/>
+            <a:off x="457200" y="6480970"/>
             <a:ext cx="4260056" cy="300831"/>
           </a:xfrm>
         </p:spPr>
@@ -932,6 +995,13 @@
   <p:clrMapOvr>
     <a:masterClrMapping/>
   </p:clrMapOvr>
+  <p:timing>
+    <p:tnLst>
+      <p:par>
+        <p:cTn id="1" dur="indefinite" restart="never" nodeType="tmRoot"/>
+      </p:par>
+    </p:tnLst>
+  </p:timing>
 </p:sldLayout>
 </file>
 
@@ -965,7 +1035,7 @@
         </p:nvSpPr>
         <p:spPr>
           <a:xfrm flipV="1">
-            <a:off x="7034" y="7034"/>
+            <a:off x="7035" y="7035"/>
             <a:ext cx="9129932" cy="6836899"/>
           </a:xfrm>
           <a:prstGeom prst="rtTriangle">
@@ -1036,7 +1106,7 @@
         </p:nvSpPr>
         <p:spPr>
           <a:xfrm rot="5400000" flipV="1">
-            <a:off x="7554353" y="309490"/>
+            <a:off x="7554354" y="309491"/>
             <a:ext cx="1892949" cy="1294228"/>
           </a:xfrm>
           <a:prstGeom prst="triangle">
@@ -1139,7 +1209,7 @@
         </p:nvSpPr>
         <p:spPr>
           <a:xfrm>
-            <a:off x="2619376" y="6480969"/>
+            <a:off x="2619376" y="6480970"/>
             <a:ext cx="4260056" cy="300831"/>
           </a:xfrm>
         </p:spPr>
@@ -1187,7 +1257,7 @@
         </p:nvCxnSpPr>
         <p:spPr>
           <a:xfrm rot="10800000">
-            <a:off x="6468794" y="9381"/>
+            <a:off x="6468795" y="9381"/>
             <a:ext cx="2672861" cy="1900210"/>
           </a:xfrm>
           <a:prstGeom prst="line">
@@ -1229,8 +1299,8 @@
         </p:nvCxnSpPr>
         <p:spPr>
           <a:xfrm flipV="1">
-            <a:off x="0" y="7034"/>
-            <a:ext cx="9136966" cy="6843933"/>
+            <a:off x="1" y="7034"/>
+            <a:ext cx="9136967" cy="6843933"/>
           </a:xfrm>
           <a:prstGeom prst="line">
             <a:avLst/>
@@ -1275,7 +1345,7 @@
         </p:nvSpPr>
         <p:spPr>
           <a:xfrm>
-            <a:off x="381000" y="271464"/>
+            <a:off x="381000" y="271465"/>
             <a:ext cx="7239000" cy="1362075"/>
           </a:xfrm>
         </p:spPr>
@@ -1439,7 +1509,7 @@
         </p:nvSpPr>
         <p:spPr>
           <a:xfrm>
-            <a:off x="457200" y="1722437"/>
+            <a:off x="457200" y="1722438"/>
             <a:ext cx="4038600" cy="4525963"/>
           </a:xfrm>
         </p:spPr>
@@ -1512,7 +1582,7 @@
         </p:nvSpPr>
         <p:spPr>
           <a:xfrm>
-            <a:off x="4648200" y="1722437"/>
+            <a:off x="4648200" y="1722438"/>
             <a:ext cx="4038600" cy="4525963"/>
           </a:xfrm>
         </p:spPr>
@@ -1658,6 +1728,13 @@
   <p:clrMapOvr>
     <a:masterClrMapping/>
   </p:clrMapOvr>
+  <p:timing>
+    <p:tnLst>
+      <p:par>
+        <p:cTn id="1" dur="indefinite" restart="never" nodeType="tmRoot"/>
+      </p:par>
+    </p:tnLst>
+  </p:timing>
 </p:sldLayout>
 </file>
 
@@ -1695,7 +1772,7 @@
         </p:nvSpPr>
         <p:spPr>
           <a:xfrm>
-            <a:off x="248198" y="290732"/>
+            <a:off x="248199" y="290732"/>
             <a:ext cx="1066800" cy="6153912"/>
           </a:xfrm>
         </p:spPr>
@@ -1736,7 +1813,7 @@
         </p:nvSpPr>
         <p:spPr>
           <a:xfrm>
-            <a:off x="1365006" y="290732"/>
+            <a:off x="1365007" y="290732"/>
             <a:ext cx="581024" cy="3017520"/>
           </a:xfrm>
           <a:solidFill>
@@ -1795,7 +1872,7 @@
         </p:nvSpPr>
         <p:spPr>
           <a:xfrm>
-            <a:off x="1365006" y="3427124"/>
+            <a:off x="1365007" y="3427124"/>
             <a:ext cx="581024" cy="3017520"/>
           </a:xfrm>
           <a:solidFill>
@@ -1854,7 +1931,7 @@
         </p:nvSpPr>
         <p:spPr>
           <a:xfrm>
-            <a:off x="2022230" y="290732"/>
+            <a:off x="2022229" y="290732"/>
             <a:ext cx="6858000" cy="3017520"/>
           </a:xfrm>
         </p:spPr>
@@ -1927,7 +2004,7 @@
         </p:nvSpPr>
         <p:spPr>
           <a:xfrm>
-            <a:off x="2022230" y="3427124"/>
+            <a:off x="2022229" y="3427124"/>
             <a:ext cx="6858000" cy="3017520"/>
           </a:xfrm>
         </p:spPr>
@@ -2077,6 +2154,13 @@
   <p:clrMapOvr>
     <a:overrideClrMapping bg1="dk1" tx1="lt1" bg2="dk2" tx2="lt2" accent1="accent1" accent2="accent2" accent3="accent3" accent4="accent4" accent5="accent5" accent6="accent6" hlink="hlink" folHlink="folHlink"/>
   </p:clrMapOvr>
+  <p:timing>
+    <p:tnLst>
+      <p:par>
+        <p:cTn id="1" dur="indefinite" restart="never" nodeType="tmRoot"/>
+      </p:par>
+    </p:tnLst>
+  </p:timing>
 </p:sldLayout>
 </file>
 
@@ -2194,6 +2278,13 @@
   <p:clrMapOvr>
     <a:masterClrMapping/>
   </p:clrMapOvr>
+  <p:timing>
+    <p:tnLst>
+      <p:par>
+        <p:cTn id="1" dur="indefinite" restart="never" nodeType="tmRoot"/>
+      </p:par>
+    </p:tnLst>
+  </p:timing>
 </p:sldLayout>
 </file>
 
@@ -2254,7 +2345,7 @@
         </p:nvSpPr>
         <p:spPr>
           <a:xfrm>
-            <a:off x="457200" y="6481890"/>
+            <a:off x="457200" y="6481891"/>
             <a:ext cx="4260056" cy="300831"/>
           </a:xfrm>
         </p:spPr>
@@ -2424,7 +2515,7 @@
         </p:nvSpPr>
         <p:spPr>
           <a:xfrm>
-            <a:off x="3651250" y="320040"/>
+            <a:off x="3651251" y="320040"/>
             <a:ext cx="5276088" cy="5989320"/>
           </a:xfrm>
         </p:spPr>
@@ -2870,7 +2961,7 @@
         </p:nvSpPr>
         <p:spPr>
           <a:xfrm>
-            <a:off x="7034" y="14068"/>
+            <a:off x="7035" y="14069"/>
             <a:ext cx="9129932" cy="6836899"/>
           </a:xfrm>
           <a:prstGeom prst="rtTriangle">
@@ -2934,8 +3025,8 @@
         </p:nvCxnSpPr>
         <p:spPr>
           <a:xfrm>
-            <a:off x="0" y="7034"/>
-            <a:ext cx="9136966" cy="6843933"/>
+            <a:off x="1" y="7034"/>
+            <a:ext cx="9136967" cy="6843933"/>
           </a:xfrm>
           <a:prstGeom prst="line">
             <a:avLst/>
@@ -2976,7 +3067,7 @@
         </p:nvCxnSpPr>
         <p:spPr>
           <a:xfrm rot="10800000" flipV="1">
-            <a:off x="6468794" y="4948410"/>
+            <a:off x="6468795" y="4948410"/>
             <a:ext cx="2672861" cy="1900210"/>
           </a:xfrm>
           <a:prstGeom prst="line">
@@ -3036,10 +3127,10 @@
           <a:lstStyle/>
           <a:p>
             <a:r>
-              <a:rPr kumimoji="0" lang="zh-TW" altLang="en-US" smtClean="0"/>
+              <a:rPr kumimoji="0" lang="zh-TW" altLang="en-US" dirty="0" smtClean="0"/>
               <a:t>按一下以編輯母片標題樣式</a:t>
             </a:r>
-            <a:endParaRPr kumimoji="0" lang="en-US"/>
+            <a:endParaRPr kumimoji="0" lang="en-US" dirty="0"/>
           </a:p>
         </p:txBody>
       </p:sp>
@@ -3156,7 +3247,7 @@
         </p:nvSpPr>
         <p:spPr>
           <a:xfrm>
-            <a:off x="457200" y="6481890"/>
+            <a:off x="457200" y="6481891"/>
             <a:ext cx="4260056" cy="300831"/>
           </a:xfrm>
           <a:prstGeom prst="rect">
@@ -3218,6 +3309,66 @@
           </a:p>
         </p:txBody>
       </p:sp>
+      <p:pic>
+        <p:nvPicPr>
+          <p:cNvPr id="10" name="圖片 9"/>
+          <p:cNvPicPr>
+            <a:picLocks noChangeAspect="1"/>
+          </p:cNvPicPr>
+          <p:nvPr userDrawn="1"/>
+        </p:nvPicPr>
+        <p:blipFill>
+          <a:blip r:embed="rId13" cstate="print">
+            <a:extLst>
+              <a:ext uri="{28A0092B-C50C-407E-A947-70E740481C1C}">
+                <a14:useLocalDpi xmlns:a14="http://schemas.microsoft.com/office/drawing/2010/main" val="0"/>
+              </a:ext>
+            </a:extLst>
+          </a:blip>
+          <a:stretch>
+            <a:fillRect/>
+          </a:stretch>
+        </p:blipFill>
+        <p:spPr>
+          <a:xfrm>
+            <a:off x="0" y="5377758"/>
+            <a:ext cx="1763688" cy="1446566"/>
+          </a:xfrm>
+          <a:prstGeom prst="rect">
+            <a:avLst/>
+          </a:prstGeom>
+        </p:spPr>
+      </p:pic>
+      <p:pic>
+        <p:nvPicPr>
+          <p:cNvPr id="12" name="圖片 11"/>
+          <p:cNvPicPr>
+            <a:picLocks noChangeAspect="1"/>
+          </p:cNvPicPr>
+          <p:nvPr userDrawn="1"/>
+        </p:nvPicPr>
+        <p:blipFill>
+          <a:blip r:embed="rId14" cstate="print">
+            <a:extLst>
+              <a:ext uri="{28A0092B-C50C-407E-A947-70E740481C1C}">
+                <a14:useLocalDpi xmlns:a14="http://schemas.microsoft.com/office/drawing/2010/main" val="0"/>
+              </a:ext>
+            </a:extLst>
+          </a:blip>
+          <a:stretch>
+            <a:fillRect/>
+          </a:stretch>
+        </p:blipFill>
+        <p:spPr>
+          <a:xfrm>
+            <a:off x="7051519" y="5294610"/>
+            <a:ext cx="2201001" cy="1650751"/>
+          </a:xfrm>
+          <a:prstGeom prst="rect">
+            <a:avLst/>
+          </a:prstGeom>
+        </p:spPr>
+      </p:pic>
     </p:spTree>
   </p:cSld>
   <p:clrMap bg1="dk1" tx1="lt1" bg2="dk2" tx2="lt2" accent1="accent1" accent2="accent2" accent3="accent3" accent4="accent4" accent5="accent5" accent6="accent6" hlink="hlink" folHlink="folHlink"/>
@@ -3234,6 +3385,13 @@
     <p:sldLayoutId id="2147483682" r:id="rId10"/>
     <p:sldLayoutId id="2147483683" r:id="rId11"/>
   </p:sldLayoutIdLst>
+  <p:timing>
+    <p:tnLst>
+      <p:par>
+        <p:cTn id="1" dur="indefinite" restart="never" nodeType="tmRoot"/>
+      </p:par>
+    </p:tnLst>
+  </p:timing>
   <p:txStyles>
     <p:titleStyle>
       <a:lvl1pPr marL="484632" algn="l" rtl="0" eaLnBrk="1" latinLnBrk="0" hangingPunct="1">
@@ -3241,7 +3399,7 @@
           <a:spcPct val="0"/>
         </a:spcBef>
         <a:buNone/>
-        <a:defRPr kumimoji="0" sz="4200" kern="1200">
+        <a:defRPr kumimoji="0" sz="4200" b="1" kern="1200">
           <a:ln w="6350">
             <a:solidFill>
               <a:schemeClr val="accent1">
@@ -3613,6 +3771,18 @@
   <p:clrMapOvr>
     <a:masterClrMapping/>
   </p:clrMapOvr>
+  <mc:AlternateContent xmlns:mc="http://schemas.openxmlformats.org/markup-compatibility/2006">
+    <mc:Choice xmlns:p14="http://schemas.microsoft.com/office/powerpoint/2010/main" Requires="p14">
+      <p:transition spd="slow">
+        <p14:honeycomb/>
+      </p:transition>
+    </mc:Choice>
+    <mc:Fallback>
+      <p:transition spd="slow">
+        <p:fade/>
+      </p:transition>
+    </mc:Fallback>
+  </mc:AlternateContent>
   <p:timing>
     <p:tnLst>
       <p:par>
@@ -3623,7 +3793,7 @@
 </p:sld>
 </file>
 
-<file path=ppt/slides/slide2.xml><?xml version="1.0" encoding="utf-8"?>
+<file path=ppt/slides/slide10.xml><?xml version="1.0" encoding="utf-8"?>
 <p:sld xmlns:a="http://schemas.openxmlformats.org/drawingml/2006/main" xmlns:r="http://schemas.openxmlformats.org/officeDocument/2006/relationships" xmlns:p="http://schemas.openxmlformats.org/presentationml/2006/main">
   <p:cSld>
     <p:spTree>
@@ -3657,762 +3827,7 @@
           <a:p>
             <a:r>
               <a:rPr lang="zh-TW" altLang="en-US" dirty="0" smtClean="0"/>
-              <a:t>目錄</a:t>
-            </a:r>
-            <a:endParaRPr lang="zh-TW" altLang="en-US" dirty="0"/>
-          </a:p>
-        </p:txBody>
-      </p:sp>
-      <p:sp>
-        <p:nvSpPr>
-          <p:cNvPr id="3" name="內容版面配置區 2"/>
-          <p:cNvSpPr>
-            <a:spLocks noGrp="1"/>
-          </p:cNvSpPr>
-          <p:nvPr>
-            <p:ph idx="1"/>
-          </p:nvPr>
-        </p:nvSpPr>
-        <p:spPr/>
-        <p:txBody>
-          <a:bodyPr/>
-          <a:lstStyle/>
-          <a:p>
-            <a:r>
-              <a:rPr lang="zh-TW" altLang="en-US" dirty="0" smtClean="0"/>
-              <a:t>研究動機</a:t>
-            </a:r>
-            <a:endParaRPr lang="en-US" altLang="zh-TW" dirty="0" smtClean="0"/>
-          </a:p>
-          <a:p>
-            <a:r>
-              <a:rPr lang="zh-TW" altLang="en-US" dirty="0"/>
-              <a:t>研究方法</a:t>
-            </a:r>
-            <a:endParaRPr lang="en-US" altLang="zh-TW" dirty="0" smtClean="0"/>
-          </a:p>
-          <a:p>
-            <a:r>
-              <a:rPr lang="zh-TW" altLang="en-US" dirty="0" smtClean="0"/>
-              <a:t>材料與設備</a:t>
-            </a:r>
-            <a:endParaRPr lang="en-US" altLang="zh-TW" dirty="0" smtClean="0"/>
-          </a:p>
-          <a:p>
-            <a:r>
-              <a:rPr lang="zh-TW" altLang="en-US" dirty="0" smtClean="0"/>
-              <a:t>甘特圖</a:t>
-            </a:r>
-            <a:endParaRPr lang="en-US" altLang="zh-TW" dirty="0" smtClean="0"/>
-          </a:p>
-          <a:p>
-            <a:r>
-              <a:rPr lang="zh-TW" altLang="en-US" dirty="0" smtClean="0"/>
-              <a:t>目前進度</a:t>
-            </a:r>
-            <a:endParaRPr lang="en-US" altLang="zh-TW" dirty="0" smtClean="0"/>
-          </a:p>
-          <a:p>
-            <a:endParaRPr lang="zh-TW" altLang="en-US" dirty="0"/>
-          </a:p>
-        </p:txBody>
-      </p:sp>
-    </p:spTree>
-    <p:extLst>
-      <p:ext uri="{BB962C8B-B14F-4D97-AF65-F5344CB8AC3E}">
-        <p14:creationId xmlns:p14="http://schemas.microsoft.com/office/powerpoint/2010/main" val="3200622321"/>
-      </p:ext>
-    </p:extLst>
-  </p:cSld>
-  <p:clrMapOvr>
-    <a:masterClrMapping/>
-  </p:clrMapOvr>
-  <p:timing>
-    <p:tnLst>
-      <p:par>
-        <p:cTn id="1" dur="indefinite" restart="never" nodeType="tmRoot"/>
-      </p:par>
-    </p:tnLst>
-  </p:timing>
-</p:sld>
-</file>
-
-<file path=ppt/slides/slide3.xml><?xml version="1.0" encoding="utf-8"?>
-<p:sld xmlns:a="http://schemas.openxmlformats.org/drawingml/2006/main" xmlns:r="http://schemas.openxmlformats.org/officeDocument/2006/relationships" xmlns:p="http://schemas.openxmlformats.org/presentationml/2006/main">
-  <p:cSld>
-    <p:spTree>
-      <p:nvGrpSpPr>
-        <p:cNvPr id="1" name=""/>
-        <p:cNvGrpSpPr/>
-        <p:nvPr/>
-      </p:nvGrpSpPr>
-      <p:grpSpPr>
-        <a:xfrm>
-          <a:off x="0" y="0"/>
-          <a:ext cx="0" cy="0"/>
-          <a:chOff x="0" y="0"/>
-          <a:chExt cx="0" cy="0"/>
-        </a:xfrm>
-      </p:grpSpPr>
-      <p:sp>
-        <p:nvSpPr>
-          <p:cNvPr id="2" name="標題 1"/>
-          <p:cNvSpPr>
-            <a:spLocks noGrp="1"/>
-          </p:cNvSpPr>
-          <p:nvPr>
-            <p:ph type="title"/>
-          </p:nvPr>
-        </p:nvSpPr>
-        <p:spPr/>
-        <p:txBody>
-          <a:bodyPr>
-            <a:normAutofit/>
-          </a:bodyPr>
-          <a:lstStyle/>
-          <a:p>
-            <a:r>
-              <a:rPr lang="zh-TW" altLang="en-US" dirty="0"/>
-              <a:t>研究</a:t>
-            </a:r>
-            <a:r>
-              <a:rPr lang="zh-TW" altLang="en-US" dirty="0" smtClean="0"/>
-              <a:t>動機</a:t>
-            </a:r>
-            <a:endParaRPr lang="zh-TW" altLang="en-US" dirty="0"/>
-          </a:p>
-        </p:txBody>
-      </p:sp>
-      <p:sp>
-        <p:nvSpPr>
-          <p:cNvPr id="3" name="內容版面配置區 2"/>
-          <p:cNvSpPr>
-            <a:spLocks noGrp="1"/>
-          </p:cNvSpPr>
-          <p:nvPr>
-            <p:ph idx="1"/>
-          </p:nvPr>
-        </p:nvSpPr>
-        <p:spPr/>
-        <p:txBody>
-          <a:bodyPr/>
-          <a:lstStyle/>
-          <a:p>
-            <a:r>
-              <a:rPr lang="zh-TW" altLang="en-US" dirty="0"/>
-              <a:t>因為跟朋友玩遊戲的</a:t>
-            </a:r>
-            <a:r>
-              <a:rPr lang="zh-TW" altLang="en-US" dirty="0" smtClean="0"/>
-              <a:t>時候</a:t>
-            </a:r>
-            <a:r>
-              <a:rPr lang="zh-TW" altLang="en-US" dirty="0"/>
-              <a:t>常常</a:t>
-            </a:r>
-            <a:r>
-              <a:rPr lang="zh-TW" altLang="en-US" dirty="0" smtClean="0"/>
-              <a:t>用通訊</a:t>
-            </a:r>
-            <a:r>
-              <a:rPr lang="zh-TW" altLang="en-US" dirty="0"/>
-              <a:t>軟體</a:t>
-            </a:r>
-            <a:r>
-              <a:rPr lang="zh-TW" altLang="en-US" dirty="0" smtClean="0"/>
-              <a:t>溝通但有時也會</a:t>
-            </a:r>
-            <a:r>
-              <a:rPr lang="zh-TW" altLang="en-US" dirty="0"/>
-              <a:t>想聽音樂  </a:t>
-            </a:r>
-          </a:p>
-          <a:p>
-            <a:r>
-              <a:rPr lang="zh-TW" altLang="en-US" dirty="0"/>
-              <a:t>雖然開著瀏覽器</a:t>
-            </a:r>
-            <a:r>
-              <a:rPr lang="zh-TW" altLang="en-US" dirty="0" smtClean="0"/>
-              <a:t>用</a:t>
-            </a:r>
-            <a:r>
-              <a:rPr lang="en-US" altLang="zh-TW" dirty="0" err="1" smtClean="0"/>
-              <a:t>yt</a:t>
-            </a:r>
-            <a:r>
-              <a:rPr lang="zh-TW" altLang="en-US" dirty="0" smtClean="0"/>
-              <a:t>或</a:t>
-            </a:r>
-            <a:r>
-              <a:rPr lang="en-US" altLang="zh-TW" dirty="0" err="1" smtClean="0"/>
-              <a:t>spotify</a:t>
-            </a:r>
-            <a:r>
-              <a:rPr lang="zh-TW" altLang="en-US" dirty="0" smtClean="0"/>
-              <a:t>播</a:t>
-            </a:r>
-            <a:r>
-              <a:rPr lang="zh-TW" altLang="en-US" dirty="0"/>
-              <a:t>是最常見的方法 但是又要開啟額外的程式 消耗額外的</a:t>
-            </a:r>
-            <a:r>
-              <a:rPr lang="zh-TW" altLang="en-US" dirty="0" smtClean="0"/>
-              <a:t>記憶體 就算</a:t>
-            </a:r>
-            <a:r>
-              <a:rPr lang="zh-TW" altLang="en-US" dirty="0"/>
-              <a:t>不是太大的負擔 但也稍嫌麻煩</a:t>
-            </a:r>
-          </a:p>
-          <a:p>
-            <a:r>
-              <a:rPr lang="zh-TW" altLang="en-US" dirty="0"/>
-              <a:t>因此要是有個能夠自動播放音樂清單的機器人 就不需要做任何事情 也可以在任何時候聽音樂了</a:t>
-            </a:r>
-          </a:p>
-        </p:txBody>
-      </p:sp>
-    </p:spTree>
-    <p:extLst>
-      <p:ext uri="{BB962C8B-B14F-4D97-AF65-F5344CB8AC3E}">
-        <p14:creationId xmlns:p14="http://schemas.microsoft.com/office/powerpoint/2010/main" val="2833592683"/>
-      </p:ext>
-    </p:extLst>
-  </p:cSld>
-  <p:clrMapOvr>
-    <a:masterClrMapping/>
-  </p:clrMapOvr>
-  <p:timing>
-    <p:tnLst>
-      <p:par>
-        <p:cTn id="1" dur="indefinite" restart="never" nodeType="tmRoot"/>
-      </p:par>
-    </p:tnLst>
-  </p:timing>
-</p:sld>
-</file>
-
-<file path=ppt/slides/slide4.xml><?xml version="1.0" encoding="utf-8"?>
-<p:sld xmlns:a="http://schemas.openxmlformats.org/drawingml/2006/main" xmlns:r="http://schemas.openxmlformats.org/officeDocument/2006/relationships" xmlns:p="http://schemas.openxmlformats.org/presentationml/2006/main">
-  <p:cSld>
-    <p:spTree>
-      <p:nvGrpSpPr>
-        <p:cNvPr id="1" name=""/>
-        <p:cNvGrpSpPr/>
-        <p:nvPr/>
-      </p:nvGrpSpPr>
-      <p:grpSpPr>
-        <a:xfrm>
-          <a:off x="0" y="0"/>
-          <a:ext cx="0" cy="0"/>
-          <a:chOff x="0" y="0"/>
-          <a:chExt cx="0" cy="0"/>
-        </a:xfrm>
-      </p:grpSpPr>
-      <p:sp>
-        <p:nvSpPr>
-          <p:cNvPr id="2" name="標題 1"/>
-          <p:cNvSpPr>
-            <a:spLocks noGrp="1"/>
-          </p:cNvSpPr>
-          <p:nvPr>
-            <p:ph type="title"/>
-          </p:nvPr>
-        </p:nvSpPr>
-        <p:spPr/>
-        <p:txBody>
-          <a:bodyPr>
-            <a:normAutofit/>
-          </a:bodyPr>
-          <a:lstStyle/>
-          <a:p>
-            <a:r>
-              <a:rPr lang="zh-TW" altLang="en-US" dirty="0"/>
-              <a:t>研究</a:t>
-            </a:r>
-            <a:r>
-              <a:rPr lang="zh-TW" altLang="en-US" dirty="0" smtClean="0"/>
-              <a:t>方法</a:t>
-            </a:r>
-            <a:endParaRPr lang="zh-TW" altLang="en-US" dirty="0"/>
-          </a:p>
-        </p:txBody>
-      </p:sp>
-      <p:sp>
-        <p:nvSpPr>
-          <p:cNvPr id="3" name="內容版面配置區 2"/>
-          <p:cNvSpPr>
-            <a:spLocks noGrp="1"/>
-          </p:cNvSpPr>
-          <p:nvPr>
-            <p:ph idx="1"/>
-          </p:nvPr>
-        </p:nvSpPr>
-        <p:spPr/>
-        <p:txBody>
-          <a:bodyPr/>
-          <a:lstStyle/>
-          <a:p>
-            <a:r>
-              <a:rPr lang="zh-TW" altLang="en-US" dirty="0"/>
-              <a:t>文獻探討法</a:t>
-            </a:r>
-            <a:endParaRPr lang="en-US" altLang="zh-TW" dirty="0"/>
-          </a:p>
-          <a:p>
-            <a:r>
-              <a:rPr lang="zh-TW" altLang="en-US" dirty="0" smtClean="0"/>
-              <a:t>實作法</a:t>
-            </a:r>
-            <a:endParaRPr lang="en-US" altLang="zh-TW" dirty="0" smtClean="0"/>
-          </a:p>
-          <a:p>
-            <a:endParaRPr lang="zh-TW" altLang="en-US" dirty="0"/>
-          </a:p>
-        </p:txBody>
-      </p:sp>
-    </p:spTree>
-    <p:extLst>
-      <p:ext uri="{BB962C8B-B14F-4D97-AF65-F5344CB8AC3E}">
-        <p14:creationId xmlns:p14="http://schemas.microsoft.com/office/powerpoint/2010/main" val="1673461335"/>
-      </p:ext>
-    </p:extLst>
-  </p:cSld>
-  <p:clrMapOvr>
-    <a:masterClrMapping/>
-  </p:clrMapOvr>
-  <p:timing>
-    <p:tnLst>
-      <p:par>
-        <p:cTn id="1" dur="indefinite" restart="never" nodeType="tmRoot"/>
-      </p:par>
-    </p:tnLst>
-  </p:timing>
-</p:sld>
-</file>
-
-<file path=ppt/slides/slide5.xml><?xml version="1.0" encoding="utf-8"?>
-<p:sld xmlns:a="http://schemas.openxmlformats.org/drawingml/2006/main" xmlns:r="http://schemas.openxmlformats.org/officeDocument/2006/relationships" xmlns:p="http://schemas.openxmlformats.org/presentationml/2006/main">
-  <p:cSld>
-    <p:spTree>
-      <p:nvGrpSpPr>
-        <p:cNvPr id="1" name=""/>
-        <p:cNvGrpSpPr/>
-        <p:nvPr/>
-      </p:nvGrpSpPr>
-      <p:grpSpPr>
-        <a:xfrm>
-          <a:off x="0" y="0"/>
-          <a:ext cx="0" cy="0"/>
-          <a:chOff x="0" y="0"/>
-          <a:chExt cx="0" cy="0"/>
-        </a:xfrm>
-      </p:grpSpPr>
-      <p:sp>
-        <p:nvSpPr>
-          <p:cNvPr id="2" name="標題 1"/>
-          <p:cNvSpPr>
-            <a:spLocks noGrp="1"/>
-          </p:cNvSpPr>
-          <p:nvPr>
-            <p:ph type="title"/>
-          </p:nvPr>
-        </p:nvSpPr>
-        <p:spPr/>
-        <p:txBody>
-          <a:bodyPr>
-            <a:normAutofit/>
-          </a:bodyPr>
-          <a:lstStyle/>
-          <a:p>
-            <a:r>
-              <a:rPr lang="zh-TW" altLang="en-US" dirty="0"/>
-              <a:t>材料與設備</a:t>
-            </a:r>
-            <a:endParaRPr lang="en-US" altLang="zh-TW" dirty="0"/>
-          </a:p>
-        </p:txBody>
-      </p:sp>
-      <p:graphicFrame>
-        <p:nvGraphicFramePr>
-          <p:cNvPr id="5" name="表格 4"/>
-          <p:cNvGraphicFramePr>
-            <a:graphicFrameLocks noGrp="1"/>
-          </p:cNvGraphicFramePr>
-          <p:nvPr>
-            <p:extLst>
-              <p:ext uri="{D42A27DB-BD31-4B8C-83A1-F6EECF244321}">
-                <p14:modId xmlns:p14="http://schemas.microsoft.com/office/powerpoint/2010/main" val="449675689"/>
-              </p:ext>
-            </p:extLst>
-          </p:nvPr>
-        </p:nvGraphicFramePr>
-        <p:xfrm>
-          <a:off x="1043608" y="1412776"/>
-          <a:ext cx="7416825" cy="1112520"/>
-        </p:xfrm>
-        <a:graphic>
-          <a:graphicData uri="http://schemas.openxmlformats.org/drawingml/2006/table">
-            <a:tbl>
-              <a:tblPr firstRow="1" bandRow="1">
-                <a:tableStyleId>{5C22544A-7EE6-4342-B048-85BDC9FD1C3A}</a:tableStyleId>
-              </a:tblPr>
-              <a:tblGrid>
-                <a:gridCol w="2472275"/>
-                <a:gridCol w="2472275"/>
-                <a:gridCol w="2472275"/>
-              </a:tblGrid>
-              <a:tr h="370840">
-                <a:tc>
-                  <a:txBody>
-                    <a:bodyPr/>
-                    <a:lstStyle/>
-                    <a:p>
-                      <a:r>
-                        <a:rPr lang="zh-TW" altLang="en-US" dirty="0" smtClean="0"/>
-                        <a:t>軟體</a:t>
-                      </a:r>
-                      <a:endParaRPr lang="zh-TW" altLang="en-US" dirty="0"/>
-                    </a:p>
-                  </a:txBody>
-                  <a:tcPr/>
-                </a:tc>
-                <a:tc>
-                  <a:txBody>
-                    <a:bodyPr/>
-                    <a:lstStyle/>
-                    <a:p>
-                      <a:r>
-                        <a:rPr lang="zh-TW" altLang="en-US" dirty="0" smtClean="0"/>
-                        <a:t>數量</a:t>
-                      </a:r>
-                      <a:endParaRPr lang="zh-TW" altLang="en-US" dirty="0"/>
-                    </a:p>
-                  </a:txBody>
-                  <a:tcPr/>
-                </a:tc>
-                <a:tc>
-                  <a:txBody>
-                    <a:bodyPr/>
-                    <a:lstStyle/>
-                    <a:p>
-                      <a:r>
-                        <a:rPr lang="zh-TW" altLang="en-US" dirty="0" smtClean="0"/>
-                        <a:t>備註</a:t>
-                      </a:r>
-                      <a:endParaRPr lang="zh-TW" altLang="en-US" dirty="0"/>
-                    </a:p>
-                  </a:txBody>
-                  <a:tcPr/>
-                </a:tc>
-              </a:tr>
-              <a:tr h="370840">
-                <a:tc>
-                  <a:txBody>
-                    <a:bodyPr/>
-                    <a:lstStyle/>
-                    <a:p>
-                      <a:r>
-                        <a:rPr lang="en-US" altLang="zh-TW" dirty="0" smtClean="0"/>
-                        <a:t>Discord</a:t>
-                      </a:r>
-                      <a:endParaRPr lang="zh-TW" altLang="en-US" dirty="0"/>
-                    </a:p>
-                  </a:txBody>
-                  <a:tcPr/>
-                </a:tc>
-                <a:tc>
-                  <a:txBody>
-                    <a:bodyPr/>
-                    <a:lstStyle/>
-                    <a:p>
-                      <a:endParaRPr lang="zh-TW" altLang="en-US" dirty="0"/>
-                    </a:p>
-                  </a:txBody>
-                  <a:tcPr/>
-                </a:tc>
-                <a:tc>
-                  <a:txBody>
-                    <a:bodyPr/>
-                    <a:lstStyle/>
-                    <a:p>
-                      <a:endParaRPr lang="zh-TW" altLang="en-US" dirty="0"/>
-                    </a:p>
-                  </a:txBody>
-                  <a:tcPr/>
-                </a:tc>
-              </a:tr>
-              <a:tr h="370840">
-                <a:tc>
-                  <a:txBody>
-                    <a:bodyPr/>
-                    <a:lstStyle/>
-                    <a:p>
-                      <a:r>
-                        <a:rPr lang="en-US" altLang="zh-TW" dirty="0" smtClean="0"/>
-                        <a:t>Visual Studio Code</a:t>
-                      </a:r>
-                      <a:endParaRPr lang="zh-TW" altLang="en-US" dirty="0"/>
-                    </a:p>
-                  </a:txBody>
-                  <a:tcPr/>
-                </a:tc>
-                <a:tc>
-                  <a:txBody>
-                    <a:bodyPr/>
-                    <a:lstStyle/>
-                    <a:p>
-                      <a:endParaRPr lang="zh-TW" altLang="en-US" dirty="0"/>
-                    </a:p>
-                  </a:txBody>
-                  <a:tcPr/>
-                </a:tc>
-                <a:tc>
-                  <a:txBody>
-                    <a:bodyPr/>
-                    <a:lstStyle/>
-                    <a:p>
-                      <a:r>
-                        <a:rPr kumimoji="0" lang="en-US" altLang="zh-TW" b="0" i="0" kern="1200" dirty="0" smtClean="0">
-                          <a:solidFill>
-                            <a:schemeClr val="dk1"/>
-                          </a:solidFill>
-                          <a:effectLst/>
-                          <a:latin typeface="+mn-lt"/>
-                          <a:ea typeface="+mn-ea"/>
-                          <a:cs typeface="+mn-cs"/>
-                        </a:rPr>
-                        <a:t>version 1.39</a:t>
-                      </a:r>
-                      <a:endParaRPr kumimoji="0" lang="en-US" altLang="zh-TW" b="0" i="0" kern="1200" dirty="0">
-                        <a:solidFill>
-                          <a:schemeClr val="dk1"/>
-                        </a:solidFill>
-                        <a:effectLst/>
-                        <a:latin typeface="+mn-lt"/>
-                        <a:ea typeface="+mn-ea"/>
-                        <a:cs typeface="+mn-cs"/>
-                      </a:endParaRPr>
-                    </a:p>
-                  </a:txBody>
-                  <a:tcPr/>
-                </a:tc>
-              </a:tr>
-            </a:tbl>
-          </a:graphicData>
-        </a:graphic>
-      </p:graphicFrame>
-      <p:graphicFrame>
-        <p:nvGraphicFramePr>
-          <p:cNvPr id="6" name="表格 5"/>
-          <p:cNvGraphicFramePr>
-            <a:graphicFrameLocks noGrp="1"/>
-          </p:cNvGraphicFramePr>
-          <p:nvPr>
-            <p:extLst>
-              <p:ext uri="{D42A27DB-BD31-4B8C-83A1-F6EECF244321}">
-                <p14:modId xmlns:p14="http://schemas.microsoft.com/office/powerpoint/2010/main" val="3558143917"/>
-              </p:ext>
-            </p:extLst>
-          </p:nvPr>
-        </p:nvGraphicFramePr>
-        <p:xfrm>
-          <a:off x="1043608" y="2780928"/>
-          <a:ext cx="7416825" cy="1112520"/>
-        </p:xfrm>
-        <a:graphic>
-          <a:graphicData uri="http://schemas.openxmlformats.org/drawingml/2006/table">
-            <a:tbl>
-              <a:tblPr firstRow="1" bandRow="1">
-                <a:tableStyleId>{5C22544A-7EE6-4342-B048-85BDC9FD1C3A}</a:tableStyleId>
-              </a:tblPr>
-              <a:tblGrid>
-                <a:gridCol w="2472275"/>
-                <a:gridCol w="2472275"/>
-                <a:gridCol w="2472275"/>
-              </a:tblGrid>
-              <a:tr h="370840">
-                <a:tc>
-                  <a:txBody>
-                    <a:bodyPr/>
-                    <a:lstStyle/>
-                    <a:p>
-                      <a:r>
-                        <a:rPr lang="zh-TW" altLang="en-US" dirty="0" smtClean="0"/>
-                        <a:t>設備</a:t>
-                      </a:r>
-                      <a:endParaRPr lang="zh-TW" altLang="en-US" dirty="0"/>
-                    </a:p>
-                  </a:txBody>
-                  <a:tcPr/>
-                </a:tc>
-                <a:tc>
-                  <a:txBody>
-                    <a:bodyPr/>
-                    <a:lstStyle/>
-                    <a:p>
-                      <a:r>
-                        <a:rPr lang="zh-TW" altLang="en-US" dirty="0" smtClean="0"/>
-                        <a:t>數量</a:t>
-                      </a:r>
-                      <a:endParaRPr lang="zh-TW" altLang="en-US" dirty="0"/>
-                    </a:p>
-                  </a:txBody>
-                  <a:tcPr/>
-                </a:tc>
-                <a:tc>
-                  <a:txBody>
-                    <a:bodyPr/>
-                    <a:lstStyle/>
-                    <a:p>
-                      <a:r>
-                        <a:rPr lang="zh-TW" altLang="en-US" dirty="0" smtClean="0"/>
-                        <a:t>備註</a:t>
-                      </a:r>
-                      <a:endParaRPr lang="zh-TW" altLang="en-US" dirty="0"/>
-                    </a:p>
-                  </a:txBody>
-                  <a:tcPr/>
-                </a:tc>
-              </a:tr>
-              <a:tr h="370840">
-                <a:tc>
-                  <a:txBody>
-                    <a:bodyPr/>
-                    <a:lstStyle/>
-                    <a:p>
-                      <a:r>
-                        <a:rPr lang="zh-TW" altLang="en-US" dirty="0" smtClean="0"/>
-                        <a:t>電腦</a:t>
-                      </a:r>
-                      <a:endParaRPr lang="zh-TW" altLang="en-US" dirty="0"/>
-                    </a:p>
-                  </a:txBody>
-                  <a:tcPr/>
-                </a:tc>
-                <a:tc>
-                  <a:txBody>
-                    <a:bodyPr/>
-                    <a:lstStyle/>
-                    <a:p>
-                      <a:r>
-                        <a:rPr lang="en-US" altLang="zh-TW" dirty="0" smtClean="0"/>
-                        <a:t>1</a:t>
-                      </a:r>
-                      <a:endParaRPr lang="zh-TW" altLang="en-US" dirty="0"/>
-                    </a:p>
-                  </a:txBody>
-                  <a:tcPr/>
-                </a:tc>
-                <a:tc>
-                  <a:txBody>
-                    <a:bodyPr/>
-                    <a:lstStyle/>
-                    <a:p>
-                      <a:endParaRPr lang="zh-TW" altLang="en-US"/>
-                    </a:p>
-                  </a:txBody>
-                  <a:tcPr/>
-                </a:tc>
-              </a:tr>
-              <a:tr h="370840">
-                <a:tc>
-                  <a:txBody>
-                    <a:bodyPr/>
-                    <a:lstStyle/>
-                    <a:p>
-                      <a:endParaRPr lang="zh-TW" altLang="en-US" dirty="0"/>
-                    </a:p>
-                  </a:txBody>
-                  <a:tcPr/>
-                </a:tc>
-                <a:tc>
-                  <a:txBody>
-                    <a:bodyPr/>
-                    <a:lstStyle/>
-                    <a:p>
-                      <a:endParaRPr lang="zh-TW" altLang="en-US"/>
-                    </a:p>
-                  </a:txBody>
-                  <a:tcPr/>
-                </a:tc>
-                <a:tc>
-                  <a:txBody>
-                    <a:bodyPr/>
-                    <a:lstStyle/>
-                    <a:p>
-                      <a:endParaRPr lang="zh-TW" altLang="en-US" dirty="0"/>
-                    </a:p>
-                  </a:txBody>
-                  <a:tcPr/>
-                </a:tc>
-              </a:tr>
-            </a:tbl>
-          </a:graphicData>
-        </a:graphic>
-      </p:graphicFrame>
-    </p:spTree>
-    <p:extLst>
-      <p:ext uri="{BB962C8B-B14F-4D97-AF65-F5344CB8AC3E}">
-        <p14:creationId xmlns:p14="http://schemas.microsoft.com/office/powerpoint/2010/main" val="1341538469"/>
-      </p:ext>
-    </p:extLst>
-  </p:cSld>
-  <p:clrMapOvr>
-    <a:masterClrMapping/>
-  </p:clrMapOvr>
-  <p:timing>
-    <p:tnLst>
-      <p:par>
-        <p:cTn id="1" dur="indefinite" restart="never" nodeType="tmRoot"/>
-      </p:par>
-    </p:tnLst>
-  </p:timing>
-</p:sld>
-</file>
-
-<file path=ppt/slides/slide6.xml><?xml version="1.0" encoding="utf-8"?>
-<p:sld xmlns:a="http://schemas.openxmlformats.org/drawingml/2006/main" xmlns:r="http://schemas.openxmlformats.org/officeDocument/2006/relationships" xmlns:p="http://schemas.openxmlformats.org/presentationml/2006/main">
-  <p:cSld>
-    <p:spTree>
-      <p:nvGrpSpPr>
-        <p:cNvPr id="1" name=""/>
-        <p:cNvGrpSpPr/>
-        <p:nvPr/>
-      </p:nvGrpSpPr>
-      <p:grpSpPr>
-        <a:xfrm>
-          <a:off x="0" y="0"/>
-          <a:ext cx="0" cy="0"/>
-          <a:chOff x="0" y="0"/>
-          <a:chExt cx="0" cy="0"/>
-        </a:xfrm>
-      </p:grpSpPr>
-      <p:sp>
-        <p:nvSpPr>
-          <p:cNvPr id="2" name="標題 1"/>
-          <p:cNvSpPr>
-            <a:spLocks noGrp="1"/>
-          </p:cNvSpPr>
-          <p:nvPr>
-            <p:ph type="title"/>
-          </p:nvPr>
-        </p:nvSpPr>
-        <p:spPr/>
-        <p:txBody>
-          <a:bodyPr>
-            <a:normAutofit/>
-          </a:bodyPr>
-          <a:lstStyle/>
-          <a:p>
-            <a:r>
-              <a:rPr lang="zh-TW" altLang="en-US" dirty="0"/>
-              <a:t>甘特</a:t>
-            </a:r>
-            <a:r>
-              <a:rPr lang="zh-TW" altLang="en-US" dirty="0" smtClean="0"/>
-              <a:t>圖</a:t>
+              <a:t>功能詳介：</a:t>
             </a:r>
             <a:endParaRPr lang="zh-TW" altLang="en-US" dirty="0"/>
           </a:p>
@@ -4420,7 +3835,7 @@
       </p:sp>
       <p:pic>
         <p:nvPicPr>
-          <p:cNvPr id="1026" name="Picture 2"/>
+          <p:cNvPr id="5122" name="Picture 2"/>
           <p:cNvPicPr>
             <a:picLocks noChangeAspect="1" noChangeArrowheads="1"/>
           </p:cNvPicPr>
@@ -4441,8 +3856,8 @@
         </p:blipFill>
         <p:spPr bwMode="auto">
           <a:xfrm>
-            <a:off x="34115" y="1340768"/>
-            <a:ext cx="9017000" cy="5357813"/>
+            <a:off x="4525269" y="8890"/>
+            <a:ext cx="4613275" cy="3897313"/>
           </a:xfrm>
           <a:prstGeom prst="rect">
             <a:avLst/>
@@ -4482,160 +3897,9 @@
           </a:extLst>
         </p:spPr>
       </p:pic>
-    </p:spTree>
-    <p:extLst>
-      <p:ext uri="{BB962C8B-B14F-4D97-AF65-F5344CB8AC3E}">
-        <p14:creationId xmlns:p14="http://schemas.microsoft.com/office/powerpoint/2010/main" val="197208643"/>
-      </p:ext>
-    </p:extLst>
-  </p:cSld>
-  <p:clrMapOvr>
-    <a:masterClrMapping/>
-  </p:clrMapOvr>
-  <p:timing>
-    <p:tnLst>
-      <p:par>
-        <p:cTn id="1" dur="indefinite" restart="never" nodeType="tmRoot"/>
-      </p:par>
-    </p:tnLst>
-  </p:timing>
-</p:sld>
-</file>
-
-<file path=ppt/slides/slide7.xml><?xml version="1.0" encoding="utf-8"?>
-<p:sld xmlns:a="http://schemas.openxmlformats.org/drawingml/2006/main" xmlns:r="http://schemas.openxmlformats.org/officeDocument/2006/relationships" xmlns:p="http://schemas.openxmlformats.org/presentationml/2006/main">
-  <p:cSld>
-    <p:spTree>
-      <p:nvGrpSpPr>
-        <p:cNvPr id="1" name=""/>
-        <p:cNvGrpSpPr/>
-        <p:nvPr/>
-      </p:nvGrpSpPr>
-      <p:grpSpPr>
-        <a:xfrm>
-          <a:off x="0" y="0"/>
-          <a:ext cx="0" cy="0"/>
-          <a:chOff x="0" y="0"/>
-          <a:chExt cx="0" cy="0"/>
-        </a:xfrm>
-      </p:grpSpPr>
-      <p:sp>
-        <p:nvSpPr>
-          <p:cNvPr id="2" name="標題 1"/>
-          <p:cNvSpPr>
-            <a:spLocks noGrp="1"/>
-          </p:cNvSpPr>
-          <p:nvPr>
-            <p:ph type="title"/>
-          </p:nvPr>
-        </p:nvSpPr>
-        <p:spPr>
-          <a:xfrm>
-            <a:off x="-396552" y="281212"/>
-            <a:ext cx="8229600" cy="1399032"/>
-          </a:xfrm>
-        </p:spPr>
-        <p:txBody>
-          <a:bodyPr>
-            <a:normAutofit/>
-          </a:bodyPr>
-          <a:lstStyle/>
-          <a:p>
-            <a:r>
-              <a:rPr lang="zh-TW" altLang="en-US" dirty="0"/>
-              <a:t>目前</a:t>
-            </a:r>
-            <a:r>
-              <a:rPr lang="zh-TW" altLang="en-US" dirty="0" smtClean="0"/>
-              <a:t>進度</a:t>
-            </a:r>
-            <a:endParaRPr lang="zh-TW" altLang="en-US" dirty="0"/>
-          </a:p>
-        </p:txBody>
-      </p:sp>
-      <p:sp>
-        <p:nvSpPr>
-          <p:cNvPr id="3" name="內容版面配置區 2"/>
-          <p:cNvSpPr>
-            <a:spLocks noGrp="1"/>
-          </p:cNvSpPr>
-          <p:nvPr>
-            <p:ph idx="1"/>
-          </p:nvPr>
-        </p:nvSpPr>
-        <p:spPr>
-          <a:xfrm>
-            <a:off x="105879" y="1438255"/>
-            <a:ext cx="5080608" cy="4800600"/>
-          </a:xfrm>
-        </p:spPr>
-        <p:txBody>
-          <a:bodyPr/>
-          <a:lstStyle/>
-          <a:p>
-            <a:r>
-              <a:rPr lang="zh-TW" altLang="en-US" dirty="0" smtClean="0"/>
-              <a:t>想做的都做好了</a:t>
-            </a:r>
-            <a:endParaRPr lang="en-US" altLang="zh-TW" dirty="0" smtClean="0"/>
-          </a:p>
-          <a:p>
-            <a:r>
-              <a:rPr lang="zh-TW" altLang="en-US" dirty="0"/>
-              <a:t>原本要</a:t>
-            </a:r>
-            <a:r>
-              <a:rPr lang="zh-TW" altLang="en-US" dirty="0" smtClean="0"/>
-              <a:t>架到樹莓派 可是沒時間做ㄌ 嗚嗚嗚</a:t>
-            </a:r>
-            <a:endParaRPr lang="zh-TW" altLang="en-US" dirty="0"/>
-          </a:p>
-        </p:txBody>
-      </p:sp>
       <p:pic>
         <p:nvPicPr>
-          <p:cNvPr id="2050" name="Picture 2" descr="「我就爛」的圖片搜尋結果"/>
-          <p:cNvPicPr>
-            <a:picLocks noChangeAspect="1" noChangeArrowheads="1"/>
-          </p:cNvPicPr>
-          <p:nvPr/>
-        </p:nvPicPr>
-        <p:blipFill>
-          <a:blip r:embed="rId2" cstate="print">
-            <a:extLst>
-              <a:ext uri="{28A0092B-C50C-407E-A947-70E740481C1C}">
-                <a14:useLocalDpi xmlns:a14="http://schemas.microsoft.com/office/drawing/2010/main" val="0"/>
-              </a:ext>
-            </a:extLst>
-          </a:blip>
-          <a:srcRect/>
-          <a:stretch>
-            <a:fillRect/>
-          </a:stretch>
-        </p:blipFill>
-        <p:spPr bwMode="auto">
-          <a:xfrm>
-            <a:off x="4283968" y="980728"/>
-            <a:ext cx="902519" cy="915054"/>
-          </a:xfrm>
-          <a:prstGeom prst="rect">
-            <a:avLst/>
-          </a:prstGeom>
-          <a:noFill/>
-          <a:extLst>
-            <a:ext uri="{909E8E84-426E-40DD-AFC4-6F175D3DCCD1}">
-              <a14:hiddenFill xmlns:a14="http://schemas.microsoft.com/office/drawing/2010/main">
-                <a:solidFill>
-                  <a:srgbClr val="FFFFFF"/>
-                </a:solidFill>
-              </a14:hiddenFill>
-            </a:ext>
-          </a:extLst>
-        </p:spPr>
-      </p:pic>
-      <p:pic>
-        <p:nvPicPr>
-          <p:cNvPr id="1027" name="Picture 3"/>
+          <p:cNvPr id="5123" name="Picture 3"/>
           <p:cNvPicPr>
             <a:picLocks noChangeAspect="1" noChangeArrowheads="1"/>
           </p:cNvPicPr>
@@ -4656,8 +3920,8 @@
         </p:blipFill>
         <p:spPr bwMode="auto">
           <a:xfrm>
-            <a:off x="5508104" y="197524"/>
-            <a:ext cx="3436633" cy="3456384"/>
+            <a:off x="5874644" y="3906203"/>
+            <a:ext cx="3263900" cy="2120900"/>
           </a:xfrm>
           <a:prstGeom prst="rect">
             <a:avLst/>
@@ -4697,6 +3961,2316 @@
           </a:extLst>
         </p:spPr>
       </p:pic>
+      <p:pic>
+        <p:nvPicPr>
+          <p:cNvPr id="5124" name="Picture 4"/>
+          <p:cNvPicPr>
+            <a:picLocks noChangeAspect="1" noChangeArrowheads="1"/>
+          </p:cNvPicPr>
+          <p:nvPr/>
+        </p:nvPicPr>
+        <p:blipFill>
+          <a:blip r:embed="rId4">
+            <a:extLst>
+              <a:ext uri="{28A0092B-C50C-407E-A947-70E740481C1C}">
+                <a14:useLocalDpi xmlns:a14="http://schemas.microsoft.com/office/drawing/2010/main" val="0"/>
+              </a:ext>
+            </a:extLst>
+          </a:blip>
+          <a:srcRect/>
+          <a:stretch>
+            <a:fillRect/>
+          </a:stretch>
+        </p:blipFill>
+        <p:spPr bwMode="auto">
+          <a:xfrm>
+            <a:off x="3460" y="4063433"/>
+            <a:ext cx="5876640" cy="1317625"/>
+          </a:xfrm>
+          <a:prstGeom prst="rect">
+            <a:avLst/>
+          </a:prstGeom>
+          <a:noFill/>
+          <a:ln>
+            <a:noFill/>
+          </a:ln>
+          <a:effectLst/>
+          <a:extLst>
+            <a:ext uri="{909E8E84-426E-40DD-AFC4-6F175D3DCCD1}">
+              <a14:hiddenFill xmlns:a14="http://schemas.microsoft.com/office/drawing/2010/main">
+                <a:solidFill>
+                  <a:schemeClr val="accent1"/>
+                </a:solidFill>
+              </a14:hiddenFill>
+            </a:ext>
+            <a:ext uri="{91240B29-F687-4F45-9708-019B960494DF}">
+              <a14:hiddenLine xmlns:a14="http://schemas.microsoft.com/office/drawing/2010/main" w="9525">
+                <a:solidFill>
+                  <a:schemeClr val="tx1"/>
+                </a:solidFill>
+                <a:miter lim="800000"/>
+                <a:headEnd/>
+                <a:tailEnd/>
+              </a14:hiddenLine>
+            </a:ext>
+            <a:ext uri="{AF507438-7753-43E0-B8FC-AC1667EBCBE1}">
+              <a14:hiddenEffects xmlns:a14="http://schemas.microsoft.com/office/drawing/2010/main">
+                <a:effectLst>
+                  <a:outerShdw dist="35921" dir="2700000" algn="ctr" rotWithShape="0">
+                    <a:schemeClr val="bg2"/>
+                  </a:outerShdw>
+                </a:effectLst>
+              </a14:hiddenEffects>
+            </a:ext>
+          </a:extLst>
+        </p:spPr>
+      </p:pic>
+    </p:spTree>
+    <p:extLst>
+      <p:ext uri="{BB962C8B-B14F-4D97-AF65-F5344CB8AC3E}">
+        <p14:creationId xmlns:p14="http://schemas.microsoft.com/office/powerpoint/2010/main" val="4110751108"/>
+      </p:ext>
+    </p:extLst>
+  </p:cSld>
+  <p:clrMapOvr>
+    <a:masterClrMapping/>
+  </p:clrMapOvr>
+  <mc:AlternateContent xmlns:mc="http://schemas.openxmlformats.org/markup-compatibility/2006">
+    <mc:Choice xmlns:p14="http://schemas.microsoft.com/office/powerpoint/2010/main" Requires="p14">
+      <p:transition spd="slow">
+        <p14:honeycomb/>
+      </p:transition>
+    </mc:Choice>
+    <mc:Fallback>
+      <p:transition spd="slow">
+        <p:fade/>
+      </p:transition>
+    </mc:Fallback>
+  </mc:AlternateContent>
+  <p:timing>
+    <p:tnLst>
+      <p:par>
+        <p:cTn id="1" dur="indefinite" restart="never" nodeType="tmRoot"/>
+      </p:par>
+    </p:tnLst>
+  </p:timing>
+</p:sld>
+</file>
+
+<file path=ppt/slides/slide11.xml><?xml version="1.0" encoding="utf-8"?>
+<p:sld xmlns:a="http://schemas.openxmlformats.org/drawingml/2006/main" xmlns:r="http://schemas.openxmlformats.org/officeDocument/2006/relationships" xmlns:p="http://schemas.openxmlformats.org/presentationml/2006/main">
+  <p:cSld>
+    <p:spTree>
+      <p:nvGrpSpPr>
+        <p:cNvPr id="1" name=""/>
+        <p:cNvGrpSpPr/>
+        <p:nvPr/>
+      </p:nvGrpSpPr>
+      <p:grpSpPr>
+        <a:xfrm>
+          <a:off x="0" y="0"/>
+          <a:ext cx="0" cy="0"/>
+          <a:chOff x="0" y="0"/>
+          <a:chExt cx="0" cy="0"/>
+        </a:xfrm>
+      </p:grpSpPr>
+      <p:sp>
+        <p:nvSpPr>
+          <p:cNvPr id="2" name="標題 1"/>
+          <p:cNvSpPr>
+            <a:spLocks noGrp="1"/>
+          </p:cNvSpPr>
+          <p:nvPr>
+            <p:ph type="title"/>
+          </p:nvPr>
+        </p:nvSpPr>
+        <p:spPr/>
+        <p:txBody>
+          <a:bodyPr/>
+          <a:lstStyle/>
+          <a:p>
+            <a:r>
+              <a:rPr lang="zh-TW" altLang="en-US" dirty="0" smtClean="0"/>
+              <a:t>功能詳介：語音</a:t>
+            </a:r>
+            <a:endParaRPr lang="zh-TW" altLang="en-US" dirty="0"/>
+          </a:p>
+        </p:txBody>
+      </p:sp>
+      <p:sp>
+        <p:nvSpPr>
+          <p:cNvPr id="3" name="內容版面配置區 2"/>
+          <p:cNvSpPr>
+            <a:spLocks noGrp="1"/>
+          </p:cNvSpPr>
+          <p:nvPr>
+            <p:ph idx="1"/>
+          </p:nvPr>
+        </p:nvSpPr>
+        <p:spPr>
+          <a:xfrm>
+            <a:off x="107504" y="1337986"/>
+            <a:ext cx="4449055" cy="4572000"/>
+          </a:xfrm>
+        </p:spPr>
+        <p:txBody>
+          <a:bodyPr/>
+          <a:lstStyle/>
+          <a:p>
+            <a:r>
+              <a:rPr lang="zh-TW" altLang="en-US" dirty="0" smtClean="0"/>
+              <a:t>為了寫音樂功能的產物</a:t>
+            </a:r>
+            <a:r>
+              <a:rPr lang="en-US" altLang="zh-TW" dirty="0" smtClean="0"/>
+              <a:t/>
+            </a:r>
+            <a:br>
+              <a:rPr lang="en-US" altLang="zh-TW" dirty="0" smtClean="0"/>
+            </a:br>
+            <a:r>
+              <a:rPr lang="zh-TW" altLang="en-US" dirty="0" smtClean="0"/>
+              <a:t>但是後來發現好像沒什麼用，可是刪掉又覺得好可惜</a:t>
+            </a:r>
+            <a:endParaRPr lang="en-US" altLang="zh-TW" dirty="0" smtClean="0"/>
+          </a:p>
+          <a:p>
+            <a:r>
+              <a:rPr lang="zh-TW" altLang="en-US" dirty="0"/>
+              <a:t>於是</a:t>
+            </a:r>
+            <a:r>
+              <a:rPr lang="zh-TW" altLang="en-US" dirty="0" smtClean="0"/>
+              <a:t>就讓它變成吉祥物的概念 讓他進語音呆著</a:t>
+            </a:r>
+            <a:endParaRPr lang="en-US" altLang="zh-TW" dirty="0" smtClean="0"/>
+          </a:p>
+          <a:p>
+            <a:endParaRPr lang="zh-TW" altLang="en-US" dirty="0"/>
+          </a:p>
+        </p:txBody>
+      </p:sp>
+      <p:pic>
+        <p:nvPicPr>
+          <p:cNvPr id="8194" name="Picture 2"/>
+          <p:cNvPicPr>
+            <a:picLocks noChangeAspect="1" noChangeArrowheads="1"/>
+          </p:cNvPicPr>
+          <p:nvPr/>
+        </p:nvPicPr>
+        <p:blipFill>
+          <a:blip r:embed="rId2">
+            <a:extLst>
+              <a:ext uri="{28A0092B-C50C-407E-A947-70E740481C1C}">
+                <a14:useLocalDpi xmlns:a14="http://schemas.microsoft.com/office/drawing/2010/main" val="0"/>
+              </a:ext>
+            </a:extLst>
+          </a:blip>
+          <a:srcRect/>
+          <a:stretch>
+            <a:fillRect/>
+          </a:stretch>
+        </p:blipFill>
+        <p:spPr bwMode="auto">
+          <a:xfrm>
+            <a:off x="4906254" y="0"/>
+            <a:ext cx="4237745" cy="4077072"/>
+          </a:xfrm>
+          <a:prstGeom prst="rect">
+            <a:avLst/>
+          </a:prstGeom>
+          <a:noFill/>
+          <a:ln>
+            <a:noFill/>
+          </a:ln>
+          <a:effectLst/>
+          <a:extLst>
+            <a:ext uri="{909E8E84-426E-40DD-AFC4-6F175D3DCCD1}">
+              <a14:hiddenFill xmlns:a14="http://schemas.microsoft.com/office/drawing/2010/main">
+                <a:solidFill>
+                  <a:schemeClr val="accent1"/>
+                </a:solidFill>
+              </a14:hiddenFill>
+            </a:ext>
+            <a:ext uri="{91240B29-F687-4F45-9708-019B960494DF}">
+              <a14:hiddenLine xmlns:a14="http://schemas.microsoft.com/office/drawing/2010/main" w="9525">
+                <a:solidFill>
+                  <a:schemeClr val="tx1"/>
+                </a:solidFill>
+                <a:miter lim="800000"/>
+                <a:headEnd/>
+                <a:tailEnd/>
+              </a14:hiddenLine>
+            </a:ext>
+            <a:ext uri="{AF507438-7753-43E0-B8FC-AC1667EBCBE1}">
+              <a14:hiddenEffects xmlns:a14="http://schemas.microsoft.com/office/drawing/2010/main">
+                <a:effectLst>
+                  <a:outerShdw dist="35921" dir="2700000" algn="ctr" rotWithShape="0">
+                    <a:schemeClr val="bg2"/>
+                  </a:outerShdw>
+                </a:effectLst>
+              </a14:hiddenEffects>
+            </a:ext>
+          </a:extLst>
+        </p:spPr>
+      </p:pic>
+      <p:pic>
+        <p:nvPicPr>
+          <p:cNvPr id="8197" name="Picture 5"/>
+          <p:cNvPicPr>
+            <a:picLocks noChangeAspect="1" noChangeArrowheads="1"/>
+          </p:cNvPicPr>
+          <p:nvPr/>
+        </p:nvPicPr>
+        <p:blipFill>
+          <a:blip r:embed="rId3">
+            <a:extLst>
+              <a:ext uri="{28A0092B-C50C-407E-A947-70E740481C1C}">
+                <a14:useLocalDpi xmlns:a14="http://schemas.microsoft.com/office/drawing/2010/main" val="0"/>
+              </a:ext>
+            </a:extLst>
+          </a:blip>
+          <a:srcRect/>
+          <a:stretch>
+            <a:fillRect/>
+          </a:stretch>
+        </p:blipFill>
+        <p:spPr bwMode="auto">
+          <a:xfrm>
+            <a:off x="4298968" y="3759546"/>
+            <a:ext cx="2379540" cy="3128160"/>
+          </a:xfrm>
+          <a:prstGeom prst="rect">
+            <a:avLst/>
+          </a:prstGeom>
+          <a:noFill/>
+          <a:ln>
+            <a:noFill/>
+          </a:ln>
+          <a:effectLst/>
+          <a:extLst>
+            <a:ext uri="{909E8E84-426E-40DD-AFC4-6F175D3DCCD1}">
+              <a14:hiddenFill xmlns:a14="http://schemas.microsoft.com/office/drawing/2010/main">
+                <a:solidFill>
+                  <a:schemeClr val="accent1"/>
+                </a:solidFill>
+              </a14:hiddenFill>
+            </a:ext>
+            <a:ext uri="{91240B29-F687-4F45-9708-019B960494DF}">
+              <a14:hiddenLine xmlns:a14="http://schemas.microsoft.com/office/drawing/2010/main" w="9525">
+                <a:solidFill>
+                  <a:schemeClr val="tx1"/>
+                </a:solidFill>
+                <a:miter lim="800000"/>
+                <a:headEnd/>
+                <a:tailEnd/>
+              </a14:hiddenLine>
+            </a:ext>
+            <a:ext uri="{AF507438-7753-43E0-B8FC-AC1667EBCBE1}">
+              <a14:hiddenEffects xmlns:a14="http://schemas.microsoft.com/office/drawing/2010/main">
+                <a:effectLst>
+                  <a:outerShdw dist="35921" dir="2700000" algn="ctr" rotWithShape="0">
+                    <a:schemeClr val="bg2"/>
+                  </a:outerShdw>
+                </a:effectLst>
+              </a14:hiddenEffects>
+            </a:ext>
+          </a:extLst>
+        </p:spPr>
+      </p:pic>
+      <p:sp>
+        <p:nvSpPr>
+          <p:cNvPr id="6" name="向右箭號 5"/>
+          <p:cNvSpPr/>
+          <p:nvPr/>
+        </p:nvSpPr>
+        <p:spPr>
+          <a:xfrm>
+            <a:off x="2123728" y="5157192"/>
+            <a:ext cx="2520280" cy="1080120"/>
+          </a:xfrm>
+          <a:prstGeom prst="rightArrow">
+            <a:avLst/>
+          </a:prstGeom>
+          <a:solidFill>
+            <a:schemeClr val="accent2">
+              <a:lumMod val="40000"/>
+              <a:lumOff val="60000"/>
+            </a:schemeClr>
+          </a:solidFill>
+          <a:ln>
+            <a:solidFill>
+              <a:schemeClr val="bg1"/>
+            </a:solidFill>
+          </a:ln>
+        </p:spPr>
+        <p:style>
+          <a:lnRef idx="2">
+            <a:schemeClr val="accent1">
+              <a:shade val="50000"/>
+            </a:schemeClr>
+          </a:lnRef>
+          <a:fillRef idx="1">
+            <a:schemeClr val="accent1"/>
+          </a:fillRef>
+          <a:effectRef idx="0">
+            <a:schemeClr val="accent1"/>
+          </a:effectRef>
+          <a:fontRef idx="minor">
+            <a:schemeClr val="lt1"/>
+          </a:fontRef>
+        </p:style>
+        <p:txBody>
+          <a:bodyPr rtlCol="0" anchor="ctr"/>
+          <a:lstStyle/>
+          <a:p>
+            <a:pPr algn="ctr"/>
+            <a:endParaRPr lang="zh-TW" altLang="en-US"/>
+          </a:p>
+        </p:txBody>
+      </p:sp>
+    </p:spTree>
+    <p:extLst>
+      <p:ext uri="{BB962C8B-B14F-4D97-AF65-F5344CB8AC3E}">
+        <p14:creationId xmlns:p14="http://schemas.microsoft.com/office/powerpoint/2010/main" val="4110751108"/>
+      </p:ext>
+    </p:extLst>
+  </p:cSld>
+  <p:clrMapOvr>
+    <a:masterClrMapping/>
+  </p:clrMapOvr>
+  <mc:AlternateContent xmlns:mc="http://schemas.openxmlformats.org/markup-compatibility/2006">
+    <mc:Choice xmlns:p14="http://schemas.microsoft.com/office/powerpoint/2010/main" Requires="p14">
+      <p:transition spd="slow">
+        <p14:honeycomb/>
+      </p:transition>
+    </mc:Choice>
+    <mc:Fallback>
+      <p:transition spd="slow">
+        <p:fade/>
+      </p:transition>
+    </mc:Fallback>
+  </mc:AlternateContent>
+  <p:timing>
+    <p:tnLst>
+      <p:par>
+        <p:cTn id="1" dur="indefinite" restart="never" nodeType="tmRoot"/>
+      </p:par>
+    </p:tnLst>
+  </p:timing>
+</p:sld>
+</file>
+
+<file path=ppt/slides/slide12.xml><?xml version="1.0" encoding="utf-8"?>
+<p:sld xmlns:a="http://schemas.openxmlformats.org/drawingml/2006/main" xmlns:r="http://schemas.openxmlformats.org/officeDocument/2006/relationships" xmlns:p="http://schemas.openxmlformats.org/presentationml/2006/main">
+  <p:cSld>
+    <p:spTree>
+      <p:nvGrpSpPr>
+        <p:cNvPr id="1" name=""/>
+        <p:cNvGrpSpPr/>
+        <p:nvPr/>
+      </p:nvGrpSpPr>
+      <p:grpSpPr>
+        <a:xfrm>
+          <a:off x="0" y="0"/>
+          <a:ext cx="0" cy="0"/>
+          <a:chOff x="0" y="0"/>
+          <a:chExt cx="0" cy="0"/>
+        </a:xfrm>
+      </p:grpSpPr>
+      <p:sp>
+        <p:nvSpPr>
+          <p:cNvPr id="2" name="標題 1"/>
+          <p:cNvSpPr>
+            <a:spLocks noGrp="1"/>
+          </p:cNvSpPr>
+          <p:nvPr>
+            <p:ph type="title"/>
+          </p:nvPr>
+        </p:nvSpPr>
+        <p:spPr/>
+        <p:txBody>
+          <a:bodyPr/>
+          <a:lstStyle/>
+          <a:p>
+            <a:r>
+              <a:rPr lang="zh-TW" altLang="en-US" dirty="0" smtClean="0"/>
+              <a:t>功能詳介：數學</a:t>
+            </a:r>
+            <a:endParaRPr lang="zh-TW" altLang="en-US" dirty="0"/>
+          </a:p>
+        </p:txBody>
+      </p:sp>
+      <p:sp>
+        <p:nvSpPr>
+          <p:cNvPr id="3" name="內容版面配置區 2"/>
+          <p:cNvSpPr>
+            <a:spLocks noGrp="1"/>
+          </p:cNvSpPr>
+          <p:nvPr>
+            <p:ph idx="1"/>
+          </p:nvPr>
+        </p:nvSpPr>
+        <p:spPr>
+          <a:xfrm>
+            <a:off x="457201" y="1882808"/>
+            <a:ext cx="3238500" cy="4572000"/>
+          </a:xfrm>
+        </p:spPr>
+        <p:txBody>
+          <a:bodyPr/>
+          <a:lstStyle/>
+          <a:p>
+            <a:r>
+              <a:rPr lang="zh-TW" altLang="en-US" dirty="0" smtClean="0"/>
+              <a:t>過程中頻道還被刪掉</a:t>
+            </a:r>
+            <a:endParaRPr lang="en-US" altLang="zh-TW" dirty="0" smtClean="0"/>
+          </a:p>
+          <a:p>
+            <a:r>
+              <a:rPr lang="zh-TW" altLang="en-US" dirty="0" smtClean="0"/>
+              <a:t>因為</a:t>
+            </a:r>
+            <a:r>
+              <a:rPr lang="en-US" altLang="zh-TW" dirty="0" smtClean="0"/>
+              <a:t>^</a:t>
+            </a:r>
+            <a:r>
+              <a:rPr lang="zh-TW" altLang="en-US" dirty="0" smtClean="0"/>
+              <a:t>在</a:t>
+            </a:r>
+            <a:r>
+              <a:rPr lang="en-US" altLang="zh-TW" dirty="0" err="1" smtClean="0"/>
+              <a:t>js</a:t>
+            </a:r>
+            <a:r>
+              <a:rPr lang="zh-TW" altLang="en-US" dirty="0" smtClean="0"/>
+              <a:t>中視為</a:t>
+            </a:r>
+            <a:r>
+              <a:rPr lang="en-US" altLang="zh-TW" dirty="0" err="1" smtClean="0"/>
+              <a:t>xor</a:t>
+            </a:r>
+            <a:r>
+              <a:rPr lang="zh-TW" altLang="en-US" dirty="0" smtClean="0"/>
+              <a:t> 所以不能算次方 </a:t>
+            </a:r>
+            <a:r>
+              <a:rPr lang="en-US" altLang="zh-TW" dirty="0" smtClean="0"/>
+              <a:t>:/</a:t>
+            </a:r>
+            <a:endParaRPr lang="zh-TW" altLang="en-US" dirty="0"/>
+          </a:p>
+        </p:txBody>
+      </p:sp>
+      <p:pic>
+        <p:nvPicPr>
+          <p:cNvPr id="9219" name="Picture 3"/>
+          <p:cNvPicPr>
+            <a:picLocks noChangeAspect="1" noChangeArrowheads="1"/>
+          </p:cNvPicPr>
+          <p:nvPr/>
+        </p:nvPicPr>
+        <p:blipFill>
+          <a:blip r:embed="rId2">
+            <a:extLst>
+              <a:ext uri="{28A0092B-C50C-407E-A947-70E740481C1C}">
+                <a14:useLocalDpi xmlns:a14="http://schemas.microsoft.com/office/drawing/2010/main" val="0"/>
+              </a:ext>
+            </a:extLst>
+          </a:blip>
+          <a:srcRect/>
+          <a:stretch>
+            <a:fillRect/>
+          </a:stretch>
+        </p:blipFill>
+        <p:spPr bwMode="auto">
+          <a:xfrm>
+            <a:off x="3695701" y="4673601"/>
+            <a:ext cx="5448300" cy="2184400"/>
+          </a:xfrm>
+          <a:prstGeom prst="rect">
+            <a:avLst/>
+          </a:prstGeom>
+          <a:noFill/>
+          <a:ln>
+            <a:noFill/>
+          </a:ln>
+          <a:effectLst/>
+          <a:extLst>
+            <a:ext uri="{909E8E84-426E-40DD-AFC4-6F175D3DCCD1}">
+              <a14:hiddenFill xmlns:a14="http://schemas.microsoft.com/office/drawing/2010/main">
+                <a:solidFill>
+                  <a:schemeClr val="accent1"/>
+                </a:solidFill>
+              </a14:hiddenFill>
+            </a:ext>
+            <a:ext uri="{91240B29-F687-4F45-9708-019B960494DF}">
+              <a14:hiddenLine xmlns:a14="http://schemas.microsoft.com/office/drawing/2010/main" w="9525">
+                <a:solidFill>
+                  <a:schemeClr val="tx1"/>
+                </a:solidFill>
+                <a:miter lim="800000"/>
+                <a:headEnd/>
+                <a:tailEnd/>
+              </a14:hiddenLine>
+            </a:ext>
+            <a:ext uri="{AF507438-7753-43E0-B8FC-AC1667EBCBE1}">
+              <a14:hiddenEffects xmlns:a14="http://schemas.microsoft.com/office/drawing/2010/main">
+                <a:effectLst>
+                  <a:outerShdw dist="35921" dir="2700000" algn="ctr" rotWithShape="0">
+                    <a:schemeClr val="bg2"/>
+                  </a:outerShdw>
+                </a:effectLst>
+              </a14:hiddenEffects>
+            </a:ext>
+          </a:extLst>
+        </p:spPr>
+      </p:pic>
+      <p:pic>
+        <p:nvPicPr>
+          <p:cNvPr id="9220" name="Picture 4"/>
+          <p:cNvPicPr>
+            <a:picLocks noChangeAspect="1" noChangeArrowheads="1"/>
+          </p:cNvPicPr>
+          <p:nvPr/>
+        </p:nvPicPr>
+        <p:blipFill>
+          <a:blip r:embed="rId3">
+            <a:extLst>
+              <a:ext uri="{28A0092B-C50C-407E-A947-70E740481C1C}">
+                <a14:useLocalDpi xmlns:a14="http://schemas.microsoft.com/office/drawing/2010/main" val="0"/>
+              </a:ext>
+            </a:extLst>
+          </a:blip>
+          <a:srcRect/>
+          <a:stretch>
+            <a:fillRect/>
+          </a:stretch>
+        </p:blipFill>
+        <p:spPr bwMode="auto">
+          <a:xfrm>
+            <a:off x="3695701" y="2467703"/>
+            <a:ext cx="5448300" cy="2205897"/>
+          </a:xfrm>
+          <a:prstGeom prst="rect">
+            <a:avLst/>
+          </a:prstGeom>
+          <a:noFill/>
+          <a:ln>
+            <a:noFill/>
+          </a:ln>
+          <a:effectLst/>
+          <a:extLst>
+            <a:ext uri="{909E8E84-426E-40DD-AFC4-6F175D3DCCD1}">
+              <a14:hiddenFill xmlns:a14="http://schemas.microsoft.com/office/drawing/2010/main">
+                <a:solidFill>
+                  <a:schemeClr val="accent1"/>
+                </a:solidFill>
+              </a14:hiddenFill>
+            </a:ext>
+            <a:ext uri="{91240B29-F687-4F45-9708-019B960494DF}">
+              <a14:hiddenLine xmlns:a14="http://schemas.microsoft.com/office/drawing/2010/main" w="9525">
+                <a:solidFill>
+                  <a:schemeClr val="tx1"/>
+                </a:solidFill>
+                <a:miter lim="800000"/>
+                <a:headEnd/>
+                <a:tailEnd/>
+              </a14:hiddenLine>
+            </a:ext>
+            <a:ext uri="{AF507438-7753-43E0-B8FC-AC1667EBCBE1}">
+              <a14:hiddenEffects xmlns:a14="http://schemas.microsoft.com/office/drawing/2010/main">
+                <a:effectLst>
+                  <a:outerShdw dist="35921" dir="2700000" algn="ctr" rotWithShape="0">
+                    <a:schemeClr val="bg2"/>
+                  </a:outerShdw>
+                </a:effectLst>
+              </a14:hiddenEffects>
+            </a:ext>
+          </a:extLst>
+        </p:spPr>
+      </p:pic>
+      <p:pic>
+        <p:nvPicPr>
+          <p:cNvPr id="9221" name="Picture 5"/>
+          <p:cNvPicPr>
+            <a:picLocks noChangeAspect="1" noChangeArrowheads="1"/>
+          </p:cNvPicPr>
+          <p:nvPr/>
+        </p:nvPicPr>
+        <p:blipFill>
+          <a:blip r:embed="rId4">
+            <a:extLst>
+              <a:ext uri="{28A0092B-C50C-407E-A947-70E740481C1C}">
+                <a14:useLocalDpi xmlns:a14="http://schemas.microsoft.com/office/drawing/2010/main" val="0"/>
+              </a:ext>
+            </a:extLst>
+          </a:blip>
+          <a:srcRect/>
+          <a:stretch>
+            <a:fillRect/>
+          </a:stretch>
+        </p:blipFill>
+        <p:spPr bwMode="auto">
+          <a:xfrm>
+            <a:off x="5292081" y="7673"/>
+            <a:ext cx="3851920" cy="900199"/>
+          </a:xfrm>
+          <a:prstGeom prst="rect">
+            <a:avLst/>
+          </a:prstGeom>
+          <a:noFill/>
+          <a:ln>
+            <a:noFill/>
+          </a:ln>
+          <a:effectLst/>
+          <a:extLst>
+            <a:ext uri="{909E8E84-426E-40DD-AFC4-6F175D3DCCD1}">
+              <a14:hiddenFill xmlns:a14="http://schemas.microsoft.com/office/drawing/2010/main">
+                <a:solidFill>
+                  <a:schemeClr val="accent1"/>
+                </a:solidFill>
+              </a14:hiddenFill>
+            </a:ext>
+            <a:ext uri="{91240B29-F687-4F45-9708-019B960494DF}">
+              <a14:hiddenLine xmlns:a14="http://schemas.microsoft.com/office/drawing/2010/main" w="9525">
+                <a:solidFill>
+                  <a:schemeClr val="tx1"/>
+                </a:solidFill>
+                <a:miter lim="800000"/>
+                <a:headEnd/>
+                <a:tailEnd/>
+              </a14:hiddenLine>
+            </a:ext>
+            <a:ext uri="{AF507438-7753-43E0-B8FC-AC1667EBCBE1}">
+              <a14:hiddenEffects xmlns:a14="http://schemas.microsoft.com/office/drawing/2010/main">
+                <a:effectLst>
+                  <a:outerShdw dist="35921" dir="2700000" algn="ctr" rotWithShape="0">
+                    <a:schemeClr val="bg2"/>
+                  </a:outerShdw>
+                </a:effectLst>
+              </a14:hiddenEffects>
+            </a:ext>
+          </a:extLst>
+        </p:spPr>
+      </p:pic>
+      <p:pic>
+        <p:nvPicPr>
+          <p:cNvPr id="9222" name="Picture 6"/>
+          <p:cNvPicPr>
+            <a:picLocks noChangeAspect="1" noChangeArrowheads="1"/>
+          </p:cNvPicPr>
+          <p:nvPr/>
+        </p:nvPicPr>
+        <p:blipFill>
+          <a:blip r:embed="rId5">
+            <a:extLst>
+              <a:ext uri="{28A0092B-C50C-407E-A947-70E740481C1C}">
+                <a14:useLocalDpi xmlns:a14="http://schemas.microsoft.com/office/drawing/2010/main" val="0"/>
+              </a:ext>
+            </a:extLst>
+          </a:blip>
+          <a:srcRect/>
+          <a:stretch>
+            <a:fillRect/>
+          </a:stretch>
+        </p:blipFill>
+        <p:spPr bwMode="auto">
+          <a:xfrm>
+            <a:off x="5292080" y="907872"/>
+            <a:ext cx="3851920" cy="288881"/>
+          </a:xfrm>
+          <a:prstGeom prst="rect">
+            <a:avLst/>
+          </a:prstGeom>
+          <a:noFill/>
+          <a:ln>
+            <a:noFill/>
+          </a:ln>
+          <a:effectLst/>
+          <a:extLst>
+            <a:ext uri="{909E8E84-426E-40DD-AFC4-6F175D3DCCD1}">
+              <a14:hiddenFill xmlns:a14="http://schemas.microsoft.com/office/drawing/2010/main">
+                <a:solidFill>
+                  <a:schemeClr val="accent1"/>
+                </a:solidFill>
+              </a14:hiddenFill>
+            </a:ext>
+            <a:ext uri="{91240B29-F687-4F45-9708-019B960494DF}">
+              <a14:hiddenLine xmlns:a14="http://schemas.microsoft.com/office/drawing/2010/main" w="9525">
+                <a:solidFill>
+                  <a:schemeClr val="tx1"/>
+                </a:solidFill>
+                <a:miter lim="800000"/>
+                <a:headEnd/>
+                <a:tailEnd/>
+              </a14:hiddenLine>
+            </a:ext>
+            <a:ext uri="{AF507438-7753-43E0-B8FC-AC1667EBCBE1}">
+              <a14:hiddenEffects xmlns:a14="http://schemas.microsoft.com/office/drawing/2010/main">
+                <a:effectLst>
+                  <a:outerShdw dist="35921" dir="2700000" algn="ctr" rotWithShape="0">
+                    <a:schemeClr val="bg2"/>
+                  </a:outerShdw>
+                </a:effectLst>
+              </a14:hiddenEffects>
+            </a:ext>
+          </a:extLst>
+        </p:spPr>
+      </p:pic>
+      <p:cxnSp>
+        <p:nvCxnSpPr>
+          <p:cNvPr id="6" name="直線接點 5"/>
+          <p:cNvCxnSpPr/>
+          <p:nvPr/>
+        </p:nvCxnSpPr>
+        <p:spPr>
+          <a:xfrm>
+            <a:off x="3695701" y="4673601"/>
+            <a:ext cx="5448299" cy="0"/>
+          </a:xfrm>
+          <a:prstGeom prst="line">
+            <a:avLst/>
+          </a:prstGeom>
+        </p:spPr>
+        <p:style>
+          <a:lnRef idx="1">
+            <a:schemeClr val="accent1"/>
+          </a:lnRef>
+          <a:fillRef idx="0">
+            <a:schemeClr val="accent1"/>
+          </a:fillRef>
+          <a:effectRef idx="0">
+            <a:schemeClr val="accent1"/>
+          </a:effectRef>
+          <a:fontRef idx="minor">
+            <a:schemeClr val="tx1"/>
+          </a:fontRef>
+        </p:style>
+      </p:cxnSp>
+    </p:spTree>
+    <p:extLst>
+      <p:ext uri="{BB962C8B-B14F-4D97-AF65-F5344CB8AC3E}">
+        <p14:creationId xmlns:p14="http://schemas.microsoft.com/office/powerpoint/2010/main" val="4110751108"/>
+      </p:ext>
+    </p:extLst>
+  </p:cSld>
+  <p:clrMapOvr>
+    <a:masterClrMapping/>
+  </p:clrMapOvr>
+  <mc:AlternateContent xmlns:mc="http://schemas.openxmlformats.org/markup-compatibility/2006">
+    <mc:Choice xmlns:p14="http://schemas.microsoft.com/office/powerpoint/2010/main" Requires="p14">
+      <p:transition spd="slow">
+        <p14:honeycomb/>
+      </p:transition>
+    </mc:Choice>
+    <mc:Fallback>
+      <p:transition spd="slow">
+        <p:fade/>
+      </p:transition>
+    </mc:Fallback>
+  </mc:AlternateContent>
+  <p:timing>
+    <p:tnLst>
+      <p:par>
+        <p:cTn id="1" dur="indefinite" restart="never" nodeType="tmRoot"/>
+      </p:par>
+    </p:tnLst>
+  </p:timing>
+</p:sld>
+</file>
+
+<file path=ppt/slides/slide13.xml><?xml version="1.0" encoding="utf-8"?>
+<p:sld xmlns:a="http://schemas.openxmlformats.org/drawingml/2006/main" xmlns:r="http://schemas.openxmlformats.org/officeDocument/2006/relationships" xmlns:p="http://schemas.openxmlformats.org/presentationml/2006/main">
+  <p:cSld>
+    <p:spTree>
+      <p:nvGrpSpPr>
+        <p:cNvPr id="1" name=""/>
+        <p:cNvGrpSpPr/>
+        <p:nvPr/>
+      </p:nvGrpSpPr>
+      <p:grpSpPr>
+        <a:xfrm>
+          <a:off x="0" y="0"/>
+          <a:ext cx="0" cy="0"/>
+          <a:chOff x="0" y="0"/>
+          <a:chExt cx="0" cy="0"/>
+        </a:xfrm>
+      </p:grpSpPr>
+      <p:sp>
+        <p:nvSpPr>
+          <p:cNvPr id="2" name="標題 1"/>
+          <p:cNvSpPr>
+            <a:spLocks noGrp="1"/>
+          </p:cNvSpPr>
+          <p:nvPr>
+            <p:ph type="title"/>
+          </p:nvPr>
+        </p:nvSpPr>
+        <p:spPr/>
+        <p:txBody>
+          <a:bodyPr/>
+          <a:lstStyle/>
+          <a:p>
+            <a:r>
+              <a:rPr lang="zh-TW" altLang="en-US" dirty="0" smtClean="0"/>
+              <a:t>功能詳介：估狗</a:t>
+            </a:r>
+            <a:endParaRPr lang="zh-TW" altLang="en-US" dirty="0"/>
+          </a:p>
+        </p:txBody>
+      </p:sp>
+      <p:sp>
+        <p:nvSpPr>
+          <p:cNvPr id="3" name="內容版面配置區 2"/>
+          <p:cNvSpPr>
+            <a:spLocks noGrp="1"/>
+          </p:cNvSpPr>
+          <p:nvPr>
+            <p:ph idx="1"/>
+          </p:nvPr>
+        </p:nvSpPr>
+        <p:spPr/>
+        <p:txBody>
+          <a:bodyPr/>
+          <a:lstStyle/>
+          <a:p>
+            <a:r>
+              <a:rPr lang="zh-TW" altLang="en-US" dirty="0" smtClean="0"/>
+              <a:t>最難做的功能之一了吧，當初查的時候</a:t>
+            </a:r>
+            <a:r>
+              <a:rPr lang="zh-TW" altLang="en-US" dirty="0"/>
+              <a:t>，</a:t>
+            </a:r>
+            <a:r>
+              <a:rPr lang="zh-TW" altLang="en-US" dirty="0" smtClean="0"/>
+              <a:t>網路上完全沒有相關影片</a:t>
+            </a:r>
+            <a:r>
+              <a:rPr lang="zh-TW" altLang="en-US" dirty="0"/>
+              <a:t>，</a:t>
+            </a:r>
+            <a:r>
+              <a:rPr lang="zh-TW" altLang="en-US" dirty="0" smtClean="0"/>
+              <a:t>沒有相關教學</a:t>
+            </a:r>
+            <a:r>
+              <a:rPr lang="zh-TW" altLang="en-US" dirty="0"/>
+              <a:t>，</a:t>
+            </a:r>
+            <a:r>
+              <a:rPr lang="zh-TW" altLang="en-US" dirty="0" smtClean="0"/>
+              <a:t>還以為要自己寫爬蟲 最後去</a:t>
+            </a:r>
+            <a:r>
+              <a:rPr lang="en-US" altLang="zh-TW" dirty="0" err="1" smtClean="0"/>
+              <a:t>npm</a:t>
+            </a:r>
+            <a:r>
+              <a:rPr lang="zh-TW" altLang="en-US" dirty="0" smtClean="0"/>
+              <a:t>官網看</a:t>
+            </a:r>
+            <a:r>
+              <a:rPr lang="zh-TW" altLang="en-US" dirty="0"/>
+              <a:t>，</a:t>
+            </a:r>
+            <a:r>
+              <a:rPr lang="zh-TW" altLang="en-US" dirty="0" smtClean="0"/>
+              <a:t>找了兩天才找到可以用的</a:t>
+            </a:r>
+            <a:r>
+              <a:rPr lang="en-US" altLang="zh-TW" dirty="0" err="1" smtClean="0"/>
+              <a:t>api</a:t>
+            </a:r>
+            <a:r>
+              <a:rPr lang="zh-TW" altLang="en-US" dirty="0"/>
+              <a:t> ，</a:t>
+            </a:r>
+            <a:r>
+              <a:rPr lang="zh-TW" altLang="en-US" dirty="0" smtClean="0"/>
+              <a:t>出來的結果也不盡人意。</a:t>
+            </a:r>
+            <a:endParaRPr lang="en-US" altLang="zh-TW" dirty="0" smtClean="0"/>
+          </a:p>
+          <a:p>
+            <a:r>
+              <a:rPr lang="zh-TW" altLang="en-US" dirty="0"/>
+              <a:t>還好最後</a:t>
+            </a:r>
+            <a:r>
+              <a:rPr lang="zh-TW" altLang="en-US" dirty="0" smtClean="0"/>
+              <a:t>還是寫出來了，</a:t>
+            </a:r>
+            <a:endParaRPr lang="zh-TW" altLang="en-US" dirty="0"/>
+          </a:p>
+        </p:txBody>
+      </p:sp>
+      <p:pic>
+        <p:nvPicPr>
+          <p:cNvPr id="11267" name="Picture 3"/>
+          <p:cNvPicPr>
+            <a:picLocks noChangeAspect="1" noChangeArrowheads="1"/>
+          </p:cNvPicPr>
+          <p:nvPr/>
+        </p:nvPicPr>
+        <p:blipFill>
+          <a:blip r:embed="rId2">
+            <a:extLst>
+              <a:ext uri="{28A0092B-C50C-407E-A947-70E740481C1C}">
+                <a14:useLocalDpi xmlns:a14="http://schemas.microsoft.com/office/drawing/2010/main" val="0"/>
+              </a:ext>
+            </a:extLst>
+          </a:blip>
+          <a:srcRect/>
+          <a:stretch>
+            <a:fillRect/>
+          </a:stretch>
+        </p:blipFill>
+        <p:spPr bwMode="auto">
+          <a:xfrm>
+            <a:off x="4821715" y="4221088"/>
+            <a:ext cx="1509685" cy="1368152"/>
+          </a:xfrm>
+          <a:prstGeom prst="rect">
+            <a:avLst/>
+          </a:prstGeom>
+          <a:noFill/>
+          <a:ln>
+            <a:noFill/>
+          </a:ln>
+          <a:effectLst/>
+          <a:extLst>
+            <a:ext uri="{909E8E84-426E-40DD-AFC4-6F175D3DCCD1}">
+              <a14:hiddenFill xmlns:a14="http://schemas.microsoft.com/office/drawing/2010/main">
+                <a:solidFill>
+                  <a:schemeClr val="accent1"/>
+                </a:solidFill>
+              </a14:hiddenFill>
+            </a:ext>
+            <a:ext uri="{91240B29-F687-4F45-9708-019B960494DF}">
+              <a14:hiddenLine xmlns:a14="http://schemas.microsoft.com/office/drawing/2010/main" w="9525">
+                <a:solidFill>
+                  <a:schemeClr val="tx1"/>
+                </a:solidFill>
+                <a:miter lim="800000"/>
+                <a:headEnd/>
+                <a:tailEnd/>
+              </a14:hiddenLine>
+            </a:ext>
+            <a:ext uri="{AF507438-7753-43E0-B8FC-AC1667EBCBE1}">
+              <a14:hiddenEffects xmlns:a14="http://schemas.microsoft.com/office/drawing/2010/main">
+                <a:effectLst>
+                  <a:outerShdw dist="35921" dir="2700000" algn="ctr" rotWithShape="0">
+                    <a:schemeClr val="bg2"/>
+                  </a:outerShdw>
+                </a:effectLst>
+              </a14:hiddenEffects>
+            </a:ext>
+          </a:extLst>
+        </p:spPr>
+      </p:pic>
+    </p:spTree>
+    <p:extLst>
+      <p:ext uri="{BB962C8B-B14F-4D97-AF65-F5344CB8AC3E}">
+        <p14:creationId xmlns:p14="http://schemas.microsoft.com/office/powerpoint/2010/main" val="4110751108"/>
+      </p:ext>
+    </p:extLst>
+  </p:cSld>
+  <p:clrMapOvr>
+    <a:masterClrMapping/>
+  </p:clrMapOvr>
+  <mc:AlternateContent xmlns:mc="http://schemas.openxmlformats.org/markup-compatibility/2006">
+    <mc:Choice xmlns:p14="http://schemas.microsoft.com/office/powerpoint/2010/main" Requires="p14">
+      <p:transition spd="slow">
+        <p14:honeycomb/>
+      </p:transition>
+    </mc:Choice>
+    <mc:Fallback>
+      <p:transition spd="slow">
+        <p:fade/>
+      </p:transition>
+    </mc:Fallback>
+  </mc:AlternateContent>
+  <p:timing>
+    <p:tnLst>
+      <p:par>
+        <p:cTn id="1" dur="indefinite" restart="never" nodeType="tmRoot"/>
+      </p:par>
+    </p:tnLst>
+  </p:timing>
+</p:sld>
+</file>
+
+<file path=ppt/slides/slide14.xml><?xml version="1.0" encoding="utf-8"?>
+<p:sld xmlns:a="http://schemas.openxmlformats.org/drawingml/2006/main" xmlns:r="http://schemas.openxmlformats.org/officeDocument/2006/relationships" xmlns:p="http://schemas.openxmlformats.org/presentationml/2006/main">
+  <p:cSld>
+    <p:spTree>
+      <p:nvGrpSpPr>
+        <p:cNvPr id="1" name=""/>
+        <p:cNvGrpSpPr/>
+        <p:nvPr/>
+      </p:nvGrpSpPr>
+      <p:grpSpPr>
+        <a:xfrm>
+          <a:off x="0" y="0"/>
+          <a:ext cx="0" cy="0"/>
+          <a:chOff x="0" y="0"/>
+          <a:chExt cx="0" cy="0"/>
+        </a:xfrm>
+      </p:grpSpPr>
+      <p:pic>
+        <p:nvPicPr>
+          <p:cNvPr id="12292" name="Picture 4"/>
+          <p:cNvPicPr>
+            <a:picLocks noChangeAspect="1" noChangeArrowheads="1"/>
+          </p:cNvPicPr>
+          <p:nvPr/>
+        </p:nvPicPr>
+        <p:blipFill>
+          <a:blip r:embed="rId2">
+            <a:extLst>
+              <a:ext uri="{28A0092B-C50C-407E-A947-70E740481C1C}">
+                <a14:useLocalDpi xmlns:a14="http://schemas.microsoft.com/office/drawing/2010/main" val="0"/>
+              </a:ext>
+            </a:extLst>
+          </a:blip>
+          <a:srcRect/>
+          <a:stretch>
+            <a:fillRect/>
+          </a:stretch>
+        </p:blipFill>
+        <p:spPr bwMode="auto">
+          <a:xfrm>
+            <a:off x="-30660" y="3212976"/>
+            <a:ext cx="8872537" cy="1704975"/>
+          </a:xfrm>
+          <a:prstGeom prst="rect">
+            <a:avLst/>
+          </a:prstGeom>
+          <a:noFill/>
+          <a:ln>
+            <a:noFill/>
+          </a:ln>
+          <a:effectLst/>
+          <a:extLst>
+            <a:ext uri="{909E8E84-426E-40DD-AFC4-6F175D3DCCD1}">
+              <a14:hiddenFill xmlns:a14="http://schemas.microsoft.com/office/drawing/2010/main">
+                <a:solidFill>
+                  <a:schemeClr val="accent1"/>
+                </a:solidFill>
+              </a14:hiddenFill>
+            </a:ext>
+            <a:ext uri="{91240B29-F687-4F45-9708-019B960494DF}">
+              <a14:hiddenLine xmlns:a14="http://schemas.microsoft.com/office/drawing/2010/main" w="9525">
+                <a:solidFill>
+                  <a:schemeClr val="tx1"/>
+                </a:solidFill>
+                <a:miter lim="800000"/>
+                <a:headEnd/>
+                <a:tailEnd/>
+              </a14:hiddenLine>
+            </a:ext>
+            <a:ext uri="{AF507438-7753-43E0-B8FC-AC1667EBCBE1}">
+              <a14:hiddenEffects xmlns:a14="http://schemas.microsoft.com/office/drawing/2010/main">
+                <a:effectLst>
+                  <a:outerShdw dist="35921" dir="2700000" algn="ctr" rotWithShape="0">
+                    <a:schemeClr val="bg2"/>
+                  </a:outerShdw>
+                </a:effectLst>
+              </a14:hiddenEffects>
+            </a:ext>
+          </a:extLst>
+        </p:spPr>
+      </p:pic>
+      <p:sp>
+        <p:nvSpPr>
+          <p:cNvPr id="2" name="標題 1"/>
+          <p:cNvSpPr>
+            <a:spLocks noGrp="1"/>
+          </p:cNvSpPr>
+          <p:nvPr>
+            <p:ph type="title"/>
+          </p:nvPr>
+        </p:nvSpPr>
+        <p:spPr/>
+        <p:txBody>
+          <a:bodyPr/>
+          <a:lstStyle/>
+          <a:p>
+            <a:r>
+              <a:rPr lang="zh-TW" altLang="en-US" dirty="0" smtClean="0"/>
+              <a:t>功能詳介：</a:t>
+            </a:r>
+            <a:endParaRPr lang="zh-TW" altLang="en-US" dirty="0"/>
+          </a:p>
+        </p:txBody>
+      </p:sp>
+      <p:sp>
+        <p:nvSpPr>
+          <p:cNvPr id="3" name="內容版面配置區 2"/>
+          <p:cNvSpPr>
+            <a:spLocks noGrp="1"/>
+          </p:cNvSpPr>
+          <p:nvPr>
+            <p:ph idx="1"/>
+          </p:nvPr>
+        </p:nvSpPr>
+        <p:spPr/>
+        <p:txBody>
+          <a:bodyPr/>
+          <a:lstStyle/>
+          <a:p>
+            <a:endParaRPr lang="zh-TW" altLang="en-US" dirty="0"/>
+          </a:p>
+        </p:txBody>
+      </p:sp>
+      <p:pic>
+        <p:nvPicPr>
+          <p:cNvPr id="12291" name="Picture 3"/>
+          <p:cNvPicPr>
+            <a:picLocks noChangeAspect="1" noChangeArrowheads="1"/>
+          </p:cNvPicPr>
+          <p:nvPr/>
+        </p:nvPicPr>
+        <p:blipFill>
+          <a:blip r:embed="rId3">
+            <a:extLst>
+              <a:ext uri="{28A0092B-C50C-407E-A947-70E740481C1C}">
+                <a14:useLocalDpi xmlns:a14="http://schemas.microsoft.com/office/drawing/2010/main" val="0"/>
+              </a:ext>
+            </a:extLst>
+          </a:blip>
+          <a:srcRect/>
+          <a:stretch>
+            <a:fillRect/>
+          </a:stretch>
+        </p:blipFill>
+        <p:spPr bwMode="auto">
+          <a:xfrm>
+            <a:off x="4211960" y="0"/>
+            <a:ext cx="4932040" cy="6813628"/>
+          </a:xfrm>
+          <a:prstGeom prst="rect">
+            <a:avLst/>
+          </a:prstGeom>
+          <a:noFill/>
+          <a:ln>
+            <a:noFill/>
+          </a:ln>
+          <a:effectLst/>
+          <a:extLst>
+            <a:ext uri="{909E8E84-426E-40DD-AFC4-6F175D3DCCD1}">
+              <a14:hiddenFill xmlns:a14="http://schemas.microsoft.com/office/drawing/2010/main">
+                <a:solidFill>
+                  <a:schemeClr val="accent1"/>
+                </a:solidFill>
+              </a14:hiddenFill>
+            </a:ext>
+            <a:ext uri="{91240B29-F687-4F45-9708-019B960494DF}">
+              <a14:hiddenLine xmlns:a14="http://schemas.microsoft.com/office/drawing/2010/main" w="9525">
+                <a:solidFill>
+                  <a:schemeClr val="tx1"/>
+                </a:solidFill>
+                <a:miter lim="800000"/>
+                <a:headEnd/>
+                <a:tailEnd/>
+              </a14:hiddenLine>
+            </a:ext>
+            <a:ext uri="{AF507438-7753-43E0-B8FC-AC1667EBCBE1}">
+              <a14:hiddenEffects xmlns:a14="http://schemas.microsoft.com/office/drawing/2010/main">
+                <a:effectLst>
+                  <a:outerShdw dist="35921" dir="2700000" algn="ctr" rotWithShape="0">
+                    <a:schemeClr val="bg2"/>
+                  </a:outerShdw>
+                </a:effectLst>
+              </a14:hiddenEffects>
+            </a:ext>
+          </a:extLst>
+        </p:spPr>
+      </p:pic>
+    </p:spTree>
+    <p:extLst>
+      <p:ext uri="{BB962C8B-B14F-4D97-AF65-F5344CB8AC3E}">
+        <p14:creationId xmlns:p14="http://schemas.microsoft.com/office/powerpoint/2010/main" val="4110751108"/>
+      </p:ext>
+    </p:extLst>
+  </p:cSld>
+  <p:clrMapOvr>
+    <a:masterClrMapping/>
+  </p:clrMapOvr>
+  <mc:AlternateContent xmlns:mc="http://schemas.openxmlformats.org/markup-compatibility/2006">
+    <mc:Choice xmlns:p14="http://schemas.microsoft.com/office/powerpoint/2010/main" Requires="p14">
+      <p:transition spd="slow">
+        <p14:honeycomb/>
+      </p:transition>
+    </mc:Choice>
+    <mc:Fallback>
+      <p:transition spd="slow">
+        <p:fade/>
+      </p:transition>
+    </mc:Fallback>
+  </mc:AlternateContent>
+  <p:timing>
+    <p:tnLst>
+      <p:par>
+        <p:cTn id="1" dur="indefinite" restart="never" nodeType="tmRoot"/>
+      </p:par>
+    </p:tnLst>
+  </p:timing>
+</p:sld>
+</file>
+
+<file path=ppt/slides/slide15.xml><?xml version="1.0" encoding="utf-8"?>
+<p:sld xmlns:a="http://schemas.openxmlformats.org/drawingml/2006/main" xmlns:r="http://schemas.openxmlformats.org/officeDocument/2006/relationships" xmlns:p="http://schemas.openxmlformats.org/presentationml/2006/main">
+  <p:cSld>
+    <p:spTree>
+      <p:nvGrpSpPr>
+        <p:cNvPr id="1" name=""/>
+        <p:cNvGrpSpPr/>
+        <p:nvPr/>
+      </p:nvGrpSpPr>
+      <p:grpSpPr>
+        <a:xfrm>
+          <a:off x="0" y="0"/>
+          <a:ext cx="0" cy="0"/>
+          <a:chOff x="0" y="0"/>
+          <a:chExt cx="0" cy="0"/>
+        </a:xfrm>
+      </p:grpSpPr>
+      <p:pic>
+        <p:nvPicPr>
+          <p:cNvPr id="2050" name="Picture 2"/>
+          <p:cNvPicPr>
+            <a:picLocks noChangeAspect="1" noChangeArrowheads="1"/>
+          </p:cNvPicPr>
+          <p:nvPr/>
+        </p:nvPicPr>
+        <p:blipFill>
+          <a:blip r:embed="rId2">
+            <a:extLst>
+              <a:ext uri="{28A0092B-C50C-407E-A947-70E740481C1C}">
+                <a14:useLocalDpi xmlns:a14="http://schemas.microsoft.com/office/drawing/2010/main" val="0"/>
+              </a:ext>
+            </a:extLst>
+          </a:blip>
+          <a:srcRect/>
+          <a:stretch>
+            <a:fillRect/>
+          </a:stretch>
+        </p:blipFill>
+        <p:spPr bwMode="auto">
+          <a:xfrm>
+            <a:off x="5094440" y="30354"/>
+            <a:ext cx="4049560" cy="2966598"/>
+          </a:xfrm>
+          <a:prstGeom prst="rect">
+            <a:avLst/>
+          </a:prstGeom>
+          <a:noFill/>
+          <a:ln>
+            <a:noFill/>
+          </a:ln>
+          <a:effectLst/>
+          <a:extLst>
+            <a:ext uri="{909E8E84-426E-40DD-AFC4-6F175D3DCCD1}">
+              <a14:hiddenFill xmlns:a14="http://schemas.microsoft.com/office/drawing/2010/main">
+                <a:solidFill>
+                  <a:schemeClr val="accent1"/>
+                </a:solidFill>
+              </a14:hiddenFill>
+            </a:ext>
+            <a:ext uri="{91240B29-F687-4F45-9708-019B960494DF}">
+              <a14:hiddenLine xmlns:a14="http://schemas.microsoft.com/office/drawing/2010/main" w="9525">
+                <a:solidFill>
+                  <a:schemeClr val="tx1"/>
+                </a:solidFill>
+                <a:miter lim="800000"/>
+                <a:headEnd/>
+                <a:tailEnd/>
+              </a14:hiddenLine>
+            </a:ext>
+            <a:ext uri="{AF507438-7753-43E0-B8FC-AC1667EBCBE1}">
+              <a14:hiddenEffects xmlns:a14="http://schemas.microsoft.com/office/drawing/2010/main">
+                <a:effectLst>
+                  <a:outerShdw dist="35921" dir="2700000" algn="ctr" rotWithShape="0">
+                    <a:schemeClr val="bg2"/>
+                  </a:outerShdw>
+                </a:effectLst>
+              </a14:hiddenEffects>
+            </a:ext>
+          </a:extLst>
+        </p:spPr>
+      </p:pic>
+      <p:sp>
+        <p:nvSpPr>
+          <p:cNvPr id="2" name="標題 1"/>
+          <p:cNvSpPr>
+            <a:spLocks noGrp="1"/>
+          </p:cNvSpPr>
+          <p:nvPr>
+            <p:ph type="title"/>
+          </p:nvPr>
+        </p:nvSpPr>
+        <p:spPr/>
+        <p:txBody>
+          <a:bodyPr/>
+          <a:lstStyle/>
+          <a:p>
+            <a:r>
+              <a:rPr lang="zh-TW" altLang="en-US" dirty="0" smtClean="0"/>
+              <a:t>功能詳介：音樂</a:t>
+            </a:r>
+            <a:endParaRPr lang="zh-TW" altLang="en-US" dirty="0"/>
+          </a:p>
+        </p:txBody>
+      </p:sp>
+      <p:sp>
+        <p:nvSpPr>
+          <p:cNvPr id="3" name="內容版面配置區 2"/>
+          <p:cNvSpPr>
+            <a:spLocks noGrp="1"/>
+          </p:cNvSpPr>
+          <p:nvPr>
+            <p:ph idx="1"/>
+          </p:nvPr>
+        </p:nvSpPr>
+        <p:spPr>
+          <a:xfrm>
+            <a:off x="107504" y="1916832"/>
+            <a:ext cx="4762872" cy="4572000"/>
+          </a:xfrm>
+        </p:spPr>
+        <p:txBody>
+          <a:bodyPr/>
+          <a:lstStyle/>
+          <a:p>
+            <a:r>
+              <a:rPr lang="zh-TW" altLang="en-US" dirty="0" smtClean="0"/>
+              <a:t>昨天我把</a:t>
+            </a:r>
+            <a:r>
+              <a:rPr lang="en-US" altLang="zh-TW" dirty="0" err="1" smtClean="0"/>
+              <a:t>api</a:t>
+            </a:r>
+            <a:r>
+              <a:rPr lang="zh-TW" altLang="en-US" dirty="0" smtClean="0"/>
+              <a:t>的流量弄完了，所以我只能偷之前的圖片</a:t>
+            </a:r>
+            <a:endParaRPr lang="en-US" altLang="zh-TW" dirty="0" smtClean="0"/>
+          </a:p>
+          <a:p>
+            <a:r>
+              <a:rPr lang="zh-TW" altLang="en-US" dirty="0"/>
+              <a:t>相比上次多了很多</a:t>
+            </a:r>
+            <a:r>
+              <a:rPr lang="zh-TW" altLang="en-US" dirty="0" smtClean="0"/>
+              <a:t>功能</a:t>
+            </a:r>
+            <a:endParaRPr lang="en-US" altLang="zh-TW" dirty="0" smtClean="0"/>
+          </a:p>
+          <a:p>
+            <a:r>
+              <a:rPr lang="en-US" altLang="zh-TW" dirty="0" smtClean="0"/>
+              <a:t>QUEUE.STATS.PLAYSKIP.PLAYTOP.SHUFFLE</a:t>
+            </a:r>
+          </a:p>
+        </p:txBody>
+      </p:sp>
+      <p:pic>
+        <p:nvPicPr>
+          <p:cNvPr id="2051" name="Picture 3"/>
+          <p:cNvPicPr>
+            <a:picLocks noChangeAspect="1" noChangeArrowheads="1"/>
+          </p:cNvPicPr>
+          <p:nvPr/>
+        </p:nvPicPr>
+        <p:blipFill>
+          <a:blip r:embed="rId3">
+            <a:extLst>
+              <a:ext uri="{28A0092B-C50C-407E-A947-70E740481C1C}">
+                <a14:useLocalDpi xmlns:a14="http://schemas.microsoft.com/office/drawing/2010/main" val="0"/>
+              </a:ext>
+            </a:extLst>
+          </a:blip>
+          <a:srcRect/>
+          <a:stretch>
+            <a:fillRect/>
+          </a:stretch>
+        </p:blipFill>
+        <p:spPr bwMode="auto">
+          <a:xfrm>
+            <a:off x="4722355" y="3284985"/>
+            <a:ext cx="4287131" cy="3006056"/>
+          </a:xfrm>
+          <a:prstGeom prst="rect">
+            <a:avLst/>
+          </a:prstGeom>
+          <a:noFill/>
+          <a:ln>
+            <a:noFill/>
+          </a:ln>
+          <a:effectLst/>
+          <a:extLst>
+            <a:ext uri="{909E8E84-426E-40DD-AFC4-6F175D3DCCD1}">
+              <a14:hiddenFill xmlns:a14="http://schemas.microsoft.com/office/drawing/2010/main">
+                <a:solidFill>
+                  <a:schemeClr val="accent1"/>
+                </a:solidFill>
+              </a14:hiddenFill>
+            </a:ext>
+            <a:ext uri="{91240B29-F687-4F45-9708-019B960494DF}">
+              <a14:hiddenLine xmlns:a14="http://schemas.microsoft.com/office/drawing/2010/main" w="9525">
+                <a:solidFill>
+                  <a:schemeClr val="tx1"/>
+                </a:solidFill>
+                <a:miter lim="800000"/>
+                <a:headEnd/>
+                <a:tailEnd/>
+              </a14:hiddenLine>
+            </a:ext>
+            <a:ext uri="{AF507438-7753-43E0-B8FC-AC1667EBCBE1}">
+              <a14:hiddenEffects xmlns:a14="http://schemas.microsoft.com/office/drawing/2010/main">
+                <a:effectLst>
+                  <a:outerShdw dist="35921" dir="2700000" algn="ctr" rotWithShape="0">
+                    <a:schemeClr val="bg2"/>
+                  </a:outerShdw>
+                </a:effectLst>
+              </a14:hiddenEffects>
+            </a:ext>
+          </a:extLst>
+        </p:spPr>
+      </p:pic>
+      <p:pic>
+        <p:nvPicPr>
+          <p:cNvPr id="2052" name="Picture 4"/>
+          <p:cNvPicPr>
+            <a:picLocks noChangeAspect="1" noChangeArrowheads="1"/>
+          </p:cNvPicPr>
+          <p:nvPr/>
+        </p:nvPicPr>
+        <p:blipFill>
+          <a:blip r:embed="rId4">
+            <a:extLst>
+              <a:ext uri="{28A0092B-C50C-407E-A947-70E740481C1C}">
+                <a14:useLocalDpi xmlns:a14="http://schemas.microsoft.com/office/drawing/2010/main" val="0"/>
+              </a:ext>
+            </a:extLst>
+          </a:blip>
+          <a:srcRect/>
+          <a:stretch>
+            <a:fillRect/>
+          </a:stretch>
+        </p:blipFill>
+        <p:spPr bwMode="auto">
+          <a:xfrm>
+            <a:off x="693280" y="4869160"/>
+            <a:ext cx="4029075" cy="1136650"/>
+          </a:xfrm>
+          <a:prstGeom prst="rect">
+            <a:avLst/>
+          </a:prstGeom>
+          <a:noFill/>
+          <a:ln>
+            <a:noFill/>
+          </a:ln>
+          <a:effectLst/>
+          <a:extLst>
+            <a:ext uri="{909E8E84-426E-40DD-AFC4-6F175D3DCCD1}">
+              <a14:hiddenFill xmlns:a14="http://schemas.microsoft.com/office/drawing/2010/main">
+                <a:solidFill>
+                  <a:schemeClr val="accent1"/>
+                </a:solidFill>
+              </a14:hiddenFill>
+            </a:ext>
+            <a:ext uri="{91240B29-F687-4F45-9708-019B960494DF}">
+              <a14:hiddenLine xmlns:a14="http://schemas.microsoft.com/office/drawing/2010/main" w="9525">
+                <a:solidFill>
+                  <a:schemeClr val="tx1"/>
+                </a:solidFill>
+                <a:miter lim="800000"/>
+                <a:headEnd/>
+                <a:tailEnd/>
+              </a14:hiddenLine>
+            </a:ext>
+            <a:ext uri="{AF507438-7753-43E0-B8FC-AC1667EBCBE1}">
+              <a14:hiddenEffects xmlns:a14="http://schemas.microsoft.com/office/drawing/2010/main">
+                <a:effectLst>
+                  <a:outerShdw dist="35921" dir="2700000" algn="ctr" rotWithShape="0">
+                    <a:schemeClr val="bg2"/>
+                  </a:outerShdw>
+                </a:effectLst>
+              </a14:hiddenEffects>
+            </a:ext>
+          </a:extLst>
+        </p:spPr>
+      </p:pic>
+      <p:sp>
+        <p:nvSpPr>
+          <p:cNvPr id="4" name="矩形 3"/>
+          <p:cNvSpPr/>
+          <p:nvPr/>
+        </p:nvSpPr>
+        <p:spPr>
+          <a:xfrm>
+            <a:off x="2051720" y="6005810"/>
+            <a:ext cx="2311851" cy="369332"/>
+          </a:xfrm>
+          <a:prstGeom prst="rect">
+            <a:avLst/>
+          </a:prstGeom>
+        </p:spPr>
+        <p:style>
+          <a:lnRef idx="2">
+            <a:schemeClr val="accent1"/>
+          </a:lnRef>
+          <a:fillRef idx="1">
+            <a:schemeClr val="lt1"/>
+          </a:fillRef>
+          <a:effectRef idx="0">
+            <a:schemeClr val="accent1"/>
+          </a:effectRef>
+          <a:fontRef idx="minor">
+            <a:schemeClr val="dk1"/>
+          </a:fontRef>
+        </p:style>
+        <p:txBody>
+          <a:bodyPr wrap="none">
+            <a:spAutoFit/>
+          </a:bodyPr>
+          <a:lstStyle/>
+          <a:p>
+            <a:pPr latinLnBrk="1"/>
+            <a:r>
+              <a:rPr lang="en-US" altLang="zh-TW" b="1" dirty="0">
+                <a:solidFill>
+                  <a:srgbClr val="FF0000"/>
+                </a:solidFill>
+              </a:rPr>
+              <a:t>Fisher-Yates Shuffle</a:t>
+            </a:r>
+          </a:p>
+        </p:txBody>
+      </p:sp>
+    </p:spTree>
+    <p:extLst>
+      <p:ext uri="{BB962C8B-B14F-4D97-AF65-F5344CB8AC3E}">
+        <p14:creationId xmlns:p14="http://schemas.microsoft.com/office/powerpoint/2010/main" val="4110751108"/>
+      </p:ext>
+    </p:extLst>
+  </p:cSld>
+  <p:clrMapOvr>
+    <a:masterClrMapping/>
+  </p:clrMapOvr>
+  <mc:AlternateContent xmlns:mc="http://schemas.openxmlformats.org/markup-compatibility/2006">
+    <mc:Choice xmlns:p14="http://schemas.microsoft.com/office/powerpoint/2010/main" Requires="p14">
+      <p:transition spd="slow">
+        <p14:honeycomb/>
+      </p:transition>
+    </mc:Choice>
+    <mc:Fallback>
+      <p:transition spd="slow">
+        <p:fade/>
+      </p:transition>
+    </mc:Fallback>
+  </mc:AlternateContent>
+  <p:timing>
+    <p:tnLst>
+      <p:par>
+        <p:cTn id="1" dur="indefinite" restart="never" nodeType="tmRoot"/>
+      </p:par>
+    </p:tnLst>
+  </p:timing>
+</p:sld>
+</file>
+
+<file path=ppt/slides/slide16.xml><?xml version="1.0" encoding="utf-8"?>
+<p:sld xmlns:a="http://schemas.openxmlformats.org/drawingml/2006/main" xmlns:r="http://schemas.openxmlformats.org/officeDocument/2006/relationships" xmlns:p="http://schemas.openxmlformats.org/presentationml/2006/main">
+  <p:cSld>
+    <p:spTree>
+      <p:nvGrpSpPr>
+        <p:cNvPr id="1" name=""/>
+        <p:cNvGrpSpPr/>
+        <p:nvPr/>
+      </p:nvGrpSpPr>
+      <p:grpSpPr>
+        <a:xfrm>
+          <a:off x="0" y="0"/>
+          <a:ext cx="0" cy="0"/>
+          <a:chOff x="0" y="0"/>
+          <a:chExt cx="0" cy="0"/>
+        </a:xfrm>
+      </p:grpSpPr>
+      <p:sp>
+        <p:nvSpPr>
+          <p:cNvPr id="2" name="標題 1"/>
+          <p:cNvSpPr>
+            <a:spLocks noGrp="1"/>
+          </p:cNvSpPr>
+          <p:nvPr>
+            <p:ph type="title"/>
+          </p:nvPr>
+        </p:nvSpPr>
+        <p:spPr>
+          <a:xfrm>
+            <a:off x="-396552" y="260648"/>
+            <a:ext cx="8229600" cy="1399032"/>
+          </a:xfrm>
+        </p:spPr>
+        <p:txBody>
+          <a:bodyPr/>
+          <a:lstStyle/>
+          <a:p>
+            <a:r>
+              <a:rPr lang="zh-TW" altLang="en-US" dirty="0"/>
+              <a:t>功能詳介：音樂</a:t>
+            </a:r>
+          </a:p>
+        </p:txBody>
+      </p:sp>
+      <p:sp>
+        <p:nvSpPr>
+          <p:cNvPr id="3" name="內容版面配置區 2"/>
+          <p:cNvSpPr>
+            <a:spLocks noGrp="1"/>
+          </p:cNvSpPr>
+          <p:nvPr>
+            <p:ph idx="1"/>
+          </p:nvPr>
+        </p:nvSpPr>
+        <p:spPr>
+          <a:xfrm>
+            <a:off x="457200" y="1882808"/>
+            <a:ext cx="3610744" cy="4572000"/>
+          </a:xfrm>
+        </p:spPr>
+        <p:txBody>
+          <a:bodyPr/>
+          <a:lstStyle/>
+          <a:p>
+            <a:endParaRPr lang="zh-TW" altLang="en-US" dirty="0"/>
+          </a:p>
+        </p:txBody>
+      </p:sp>
+      <p:pic>
+        <p:nvPicPr>
+          <p:cNvPr id="3074" name="Picture 2"/>
+          <p:cNvPicPr>
+            <a:picLocks noChangeAspect="1" noChangeArrowheads="1"/>
+          </p:cNvPicPr>
+          <p:nvPr/>
+        </p:nvPicPr>
+        <p:blipFill>
+          <a:blip r:embed="rId2">
+            <a:extLst>
+              <a:ext uri="{28A0092B-C50C-407E-A947-70E740481C1C}">
+                <a14:useLocalDpi xmlns:a14="http://schemas.microsoft.com/office/drawing/2010/main" val="0"/>
+              </a:ext>
+            </a:extLst>
+          </a:blip>
+          <a:srcRect/>
+          <a:stretch>
+            <a:fillRect/>
+          </a:stretch>
+        </p:blipFill>
+        <p:spPr bwMode="auto">
+          <a:xfrm>
+            <a:off x="4144747" y="736600"/>
+            <a:ext cx="4992687" cy="6121400"/>
+          </a:xfrm>
+          <a:prstGeom prst="rect">
+            <a:avLst/>
+          </a:prstGeom>
+          <a:noFill/>
+          <a:ln>
+            <a:noFill/>
+          </a:ln>
+          <a:effectLst/>
+          <a:extLst>
+            <a:ext uri="{909E8E84-426E-40DD-AFC4-6F175D3DCCD1}">
+              <a14:hiddenFill xmlns:a14="http://schemas.microsoft.com/office/drawing/2010/main">
+                <a:solidFill>
+                  <a:schemeClr val="accent1"/>
+                </a:solidFill>
+              </a14:hiddenFill>
+            </a:ext>
+            <a:ext uri="{91240B29-F687-4F45-9708-019B960494DF}">
+              <a14:hiddenLine xmlns:a14="http://schemas.microsoft.com/office/drawing/2010/main" w="9525">
+                <a:solidFill>
+                  <a:schemeClr val="tx1"/>
+                </a:solidFill>
+                <a:miter lim="800000"/>
+                <a:headEnd/>
+                <a:tailEnd/>
+              </a14:hiddenLine>
+            </a:ext>
+            <a:ext uri="{AF507438-7753-43E0-B8FC-AC1667EBCBE1}">
+              <a14:hiddenEffects xmlns:a14="http://schemas.microsoft.com/office/drawing/2010/main">
+                <a:effectLst>
+                  <a:outerShdw dist="35921" dir="2700000" algn="ctr" rotWithShape="0">
+                    <a:schemeClr val="bg2"/>
+                  </a:outerShdw>
+                </a:effectLst>
+              </a14:hiddenEffects>
+            </a:ext>
+          </a:extLst>
+        </p:spPr>
+      </p:pic>
+    </p:spTree>
+    <p:extLst>
+      <p:ext uri="{BB962C8B-B14F-4D97-AF65-F5344CB8AC3E}">
+        <p14:creationId xmlns:p14="http://schemas.microsoft.com/office/powerpoint/2010/main" val="927469702"/>
+      </p:ext>
+    </p:extLst>
+  </p:cSld>
+  <p:clrMapOvr>
+    <a:masterClrMapping/>
+  </p:clrMapOvr>
+  <mc:AlternateContent xmlns:mc="http://schemas.openxmlformats.org/markup-compatibility/2006">
+    <mc:Choice xmlns:p14="http://schemas.microsoft.com/office/powerpoint/2010/main" Requires="p14">
+      <p:transition spd="slow">
+        <p14:honeycomb/>
+      </p:transition>
+    </mc:Choice>
+    <mc:Fallback>
+      <p:transition spd="slow">
+        <p:fade/>
+      </p:transition>
+    </mc:Fallback>
+  </mc:AlternateContent>
+  <p:timing>
+    <p:tnLst>
+      <p:par>
+        <p:cTn id="1" dur="indefinite" restart="never" nodeType="tmRoot"/>
+      </p:par>
+    </p:tnLst>
+  </p:timing>
+</p:sld>
+</file>
+
+<file path=ppt/slides/slide17.xml><?xml version="1.0" encoding="utf-8"?>
+<p:sld xmlns:a="http://schemas.openxmlformats.org/drawingml/2006/main" xmlns:r="http://schemas.openxmlformats.org/officeDocument/2006/relationships" xmlns:p="http://schemas.openxmlformats.org/presentationml/2006/main">
+  <p:cSld>
+    <p:spTree>
+      <p:nvGrpSpPr>
+        <p:cNvPr id="1" name=""/>
+        <p:cNvGrpSpPr/>
+        <p:nvPr/>
+      </p:nvGrpSpPr>
+      <p:grpSpPr>
+        <a:xfrm>
+          <a:off x="0" y="0"/>
+          <a:ext cx="0" cy="0"/>
+          <a:chOff x="0" y="0"/>
+          <a:chExt cx="0" cy="0"/>
+        </a:xfrm>
+      </p:grpSpPr>
+      <p:sp>
+        <p:nvSpPr>
+          <p:cNvPr id="2" name="標題 1"/>
+          <p:cNvSpPr>
+            <a:spLocks noGrp="1"/>
+          </p:cNvSpPr>
+          <p:nvPr>
+            <p:ph type="title"/>
+          </p:nvPr>
+        </p:nvSpPr>
+        <p:spPr/>
+        <p:txBody>
+          <a:bodyPr/>
+          <a:lstStyle/>
+          <a:p>
+            <a:r>
+              <a:rPr lang="zh-TW" altLang="en-US" dirty="0" smtClean="0"/>
+              <a:t>功能詳介：圖片</a:t>
+            </a:r>
+            <a:endParaRPr lang="zh-TW" altLang="en-US" dirty="0"/>
+          </a:p>
+        </p:txBody>
+      </p:sp>
+      <p:sp>
+        <p:nvSpPr>
+          <p:cNvPr id="3" name="內容版面配置區 2"/>
+          <p:cNvSpPr>
+            <a:spLocks noGrp="1"/>
+          </p:cNvSpPr>
+          <p:nvPr>
+            <p:ph idx="1"/>
+          </p:nvPr>
+        </p:nvSpPr>
+        <p:spPr>
+          <a:xfrm>
+            <a:off x="323529" y="1821814"/>
+            <a:ext cx="5544616" cy="4919554"/>
+          </a:xfrm>
+        </p:spPr>
+        <p:txBody>
+          <a:bodyPr/>
+          <a:lstStyle/>
+          <a:p>
+            <a:r>
+              <a:rPr lang="zh-TW" altLang="en-US" dirty="0" smtClean="0"/>
+              <a:t>可以查圖片 但</a:t>
+            </a:r>
+            <a:r>
+              <a:rPr lang="en-US" altLang="zh-TW" dirty="0" err="1" smtClean="0"/>
+              <a:t>api</a:t>
+            </a:r>
+            <a:r>
+              <a:rPr lang="zh-TW" altLang="en-US" dirty="0" smtClean="0"/>
+              <a:t>不支援中文</a:t>
+            </a:r>
+            <a:r>
+              <a:rPr lang="en-US" altLang="zh-TW" dirty="0" smtClean="0"/>
+              <a:t/>
+            </a:r>
+            <a:br>
+              <a:rPr lang="en-US" altLang="zh-TW" dirty="0" smtClean="0"/>
+            </a:br>
+            <a:r>
+              <a:rPr lang="zh-TW" altLang="en-US" dirty="0" smtClean="0"/>
+              <a:t>所以必須翻譯成英文去查詢</a:t>
+            </a:r>
+            <a:endParaRPr lang="zh-TW" altLang="en-US" dirty="0"/>
+          </a:p>
+        </p:txBody>
+      </p:sp>
+      <p:pic>
+        <p:nvPicPr>
+          <p:cNvPr id="1029" name="Picture 5"/>
+          <p:cNvPicPr>
+            <a:picLocks noChangeAspect="1" noChangeArrowheads="1"/>
+          </p:cNvPicPr>
+          <p:nvPr/>
+        </p:nvPicPr>
+        <p:blipFill>
+          <a:blip r:embed="rId2">
+            <a:extLst>
+              <a:ext uri="{28A0092B-C50C-407E-A947-70E740481C1C}">
+                <a14:useLocalDpi xmlns:a14="http://schemas.microsoft.com/office/drawing/2010/main" val="0"/>
+              </a:ext>
+            </a:extLst>
+          </a:blip>
+          <a:srcRect/>
+          <a:stretch>
+            <a:fillRect/>
+          </a:stretch>
+        </p:blipFill>
+        <p:spPr bwMode="auto">
+          <a:xfrm>
+            <a:off x="4932041" y="3536506"/>
+            <a:ext cx="2952508" cy="3326844"/>
+          </a:xfrm>
+          <a:prstGeom prst="rect">
+            <a:avLst/>
+          </a:prstGeom>
+          <a:noFill/>
+          <a:ln>
+            <a:noFill/>
+          </a:ln>
+          <a:effectLst/>
+          <a:extLst>
+            <a:ext uri="{909E8E84-426E-40DD-AFC4-6F175D3DCCD1}">
+              <a14:hiddenFill xmlns:a14="http://schemas.microsoft.com/office/drawing/2010/main">
+                <a:solidFill>
+                  <a:schemeClr val="accent1"/>
+                </a:solidFill>
+              </a14:hiddenFill>
+            </a:ext>
+            <a:ext uri="{91240B29-F687-4F45-9708-019B960494DF}">
+              <a14:hiddenLine xmlns:a14="http://schemas.microsoft.com/office/drawing/2010/main" w="9525">
+                <a:solidFill>
+                  <a:schemeClr val="tx1"/>
+                </a:solidFill>
+                <a:miter lim="800000"/>
+                <a:headEnd/>
+                <a:tailEnd/>
+              </a14:hiddenLine>
+            </a:ext>
+            <a:ext uri="{AF507438-7753-43E0-B8FC-AC1667EBCBE1}">
+              <a14:hiddenEffects xmlns:a14="http://schemas.microsoft.com/office/drawing/2010/main">
+                <a:effectLst>
+                  <a:outerShdw dist="35921" dir="2700000" algn="ctr" rotWithShape="0">
+                    <a:schemeClr val="bg2"/>
+                  </a:outerShdw>
+                </a:effectLst>
+              </a14:hiddenEffects>
+            </a:ext>
+          </a:extLst>
+        </p:spPr>
+      </p:pic>
+      <p:pic>
+        <p:nvPicPr>
+          <p:cNvPr id="1027" name="Picture 3"/>
+          <p:cNvPicPr>
+            <a:picLocks noChangeAspect="1" noChangeArrowheads="1"/>
+          </p:cNvPicPr>
+          <p:nvPr/>
+        </p:nvPicPr>
+        <p:blipFill>
+          <a:blip r:embed="rId3">
+            <a:extLst>
+              <a:ext uri="{28A0092B-C50C-407E-A947-70E740481C1C}">
+                <a14:useLocalDpi xmlns:a14="http://schemas.microsoft.com/office/drawing/2010/main" val="0"/>
+              </a:ext>
+            </a:extLst>
+          </a:blip>
+          <a:srcRect/>
+          <a:stretch>
+            <a:fillRect/>
+          </a:stretch>
+        </p:blipFill>
+        <p:spPr bwMode="auto">
+          <a:xfrm>
+            <a:off x="6012161" y="122624"/>
+            <a:ext cx="3019407" cy="3954447"/>
+          </a:xfrm>
+          <a:prstGeom prst="rect">
+            <a:avLst/>
+          </a:prstGeom>
+          <a:noFill/>
+          <a:ln>
+            <a:noFill/>
+          </a:ln>
+          <a:effectLst/>
+          <a:extLst>
+            <a:ext uri="{909E8E84-426E-40DD-AFC4-6F175D3DCCD1}">
+              <a14:hiddenFill xmlns:a14="http://schemas.microsoft.com/office/drawing/2010/main">
+                <a:solidFill>
+                  <a:schemeClr val="accent1"/>
+                </a:solidFill>
+              </a14:hiddenFill>
+            </a:ext>
+            <a:ext uri="{91240B29-F687-4F45-9708-019B960494DF}">
+              <a14:hiddenLine xmlns:a14="http://schemas.microsoft.com/office/drawing/2010/main" w="9525">
+                <a:solidFill>
+                  <a:schemeClr val="tx1"/>
+                </a:solidFill>
+                <a:miter lim="800000"/>
+                <a:headEnd/>
+                <a:tailEnd/>
+              </a14:hiddenLine>
+            </a:ext>
+            <a:ext uri="{AF507438-7753-43E0-B8FC-AC1667EBCBE1}">
+              <a14:hiddenEffects xmlns:a14="http://schemas.microsoft.com/office/drawing/2010/main">
+                <a:effectLst>
+                  <a:outerShdw dist="35921" dir="2700000" algn="ctr" rotWithShape="0">
+                    <a:schemeClr val="bg2"/>
+                  </a:outerShdw>
+                </a:effectLst>
+              </a14:hiddenEffects>
+            </a:ext>
+          </a:extLst>
+        </p:spPr>
+      </p:pic>
+    </p:spTree>
+    <p:extLst>
+      <p:ext uri="{BB962C8B-B14F-4D97-AF65-F5344CB8AC3E}">
+        <p14:creationId xmlns:p14="http://schemas.microsoft.com/office/powerpoint/2010/main" val="4110751108"/>
+      </p:ext>
+    </p:extLst>
+  </p:cSld>
+  <p:clrMapOvr>
+    <a:masterClrMapping/>
+  </p:clrMapOvr>
+  <mc:AlternateContent xmlns:mc="http://schemas.openxmlformats.org/markup-compatibility/2006">
+    <mc:Choice xmlns:p14="http://schemas.microsoft.com/office/powerpoint/2010/main" Requires="p14">
+      <p:transition spd="slow">
+        <p14:honeycomb/>
+      </p:transition>
+    </mc:Choice>
+    <mc:Fallback>
+      <p:transition spd="slow">
+        <p:fade/>
+      </p:transition>
+    </mc:Fallback>
+  </mc:AlternateContent>
+  <p:timing>
+    <p:tnLst>
+      <p:par>
+        <p:cTn id="1" dur="indefinite" restart="never" nodeType="tmRoot"/>
+      </p:par>
+    </p:tnLst>
+  </p:timing>
+</p:sld>
+</file>
+
+<file path=ppt/slides/slide18.xml><?xml version="1.0" encoding="utf-8"?>
+<p:sld xmlns:a="http://schemas.openxmlformats.org/drawingml/2006/main" xmlns:r="http://schemas.openxmlformats.org/officeDocument/2006/relationships" xmlns:p="http://schemas.openxmlformats.org/presentationml/2006/main">
+  <p:cSld>
+    <p:spTree>
+      <p:nvGrpSpPr>
+        <p:cNvPr id="1" name=""/>
+        <p:cNvGrpSpPr/>
+        <p:nvPr/>
+      </p:nvGrpSpPr>
+      <p:grpSpPr>
+        <a:xfrm>
+          <a:off x="0" y="0"/>
+          <a:ext cx="0" cy="0"/>
+          <a:chOff x="0" y="0"/>
+          <a:chExt cx="0" cy="0"/>
+        </a:xfrm>
+      </p:grpSpPr>
+      <p:sp>
+        <p:nvSpPr>
+          <p:cNvPr id="2" name="標題 1"/>
+          <p:cNvSpPr>
+            <a:spLocks noGrp="1"/>
+          </p:cNvSpPr>
+          <p:nvPr>
+            <p:ph type="title"/>
+          </p:nvPr>
+        </p:nvSpPr>
+        <p:spPr>
+          <a:xfrm>
+            <a:off x="-396552" y="281212"/>
+            <a:ext cx="8229600" cy="1399032"/>
+          </a:xfrm>
+        </p:spPr>
+        <p:txBody>
+          <a:bodyPr>
+            <a:normAutofit/>
+          </a:bodyPr>
+          <a:lstStyle/>
+          <a:p>
+            <a:r>
+              <a:rPr lang="zh-TW" altLang="en-US" dirty="0"/>
+              <a:t>目前</a:t>
+            </a:r>
+            <a:r>
+              <a:rPr lang="zh-TW" altLang="en-US" dirty="0" smtClean="0"/>
+              <a:t>進度</a:t>
+            </a:r>
+            <a:endParaRPr lang="zh-TW" altLang="en-US" dirty="0"/>
+          </a:p>
+        </p:txBody>
+      </p:sp>
+      <p:sp>
+        <p:nvSpPr>
+          <p:cNvPr id="3" name="內容版面配置區 2"/>
+          <p:cNvSpPr>
+            <a:spLocks noGrp="1"/>
+          </p:cNvSpPr>
+          <p:nvPr>
+            <p:ph idx="1"/>
+          </p:nvPr>
+        </p:nvSpPr>
+        <p:spPr>
+          <a:xfrm>
+            <a:off x="105879" y="1438255"/>
+            <a:ext cx="5080608" cy="4800600"/>
+          </a:xfrm>
+        </p:spPr>
+        <p:txBody>
+          <a:bodyPr/>
+          <a:lstStyle/>
+          <a:p>
+            <a:r>
+              <a:rPr lang="zh-TW" altLang="en-US" dirty="0" smtClean="0"/>
+              <a:t>想做的都做好了</a:t>
+            </a:r>
+            <a:endParaRPr lang="en-US" altLang="zh-TW" dirty="0" smtClean="0"/>
+          </a:p>
+          <a:p>
+            <a:r>
+              <a:rPr lang="zh-TW" altLang="en-US" dirty="0"/>
+              <a:t>原本要</a:t>
+            </a:r>
+            <a:r>
+              <a:rPr lang="zh-TW" altLang="en-US" dirty="0" smtClean="0"/>
+              <a:t>架到樹莓派 可是沒時間做ㄌ 嗚嗚</a:t>
+            </a:r>
+            <a:r>
+              <a:rPr lang="zh-TW" altLang="en-US" dirty="0" smtClean="0"/>
+              <a:t>嗚</a:t>
+            </a:r>
+            <a:endParaRPr lang="en-US" altLang="zh-TW" dirty="0" smtClean="0"/>
+          </a:p>
+          <a:p>
+            <a:r>
+              <a:rPr lang="zh-TW" altLang="en-US" dirty="0" smtClean="0"/>
+              <a:t>之後如果有其他好玩的功能，也想試著寫進</a:t>
+            </a:r>
+            <a:r>
+              <a:rPr lang="en-US" altLang="zh-TW" dirty="0" smtClean="0"/>
+              <a:t>BOT</a:t>
+            </a:r>
+            <a:r>
+              <a:rPr lang="zh-TW" altLang="en-US" dirty="0" smtClean="0"/>
+              <a:t>裡</a:t>
+            </a:r>
+            <a:endParaRPr lang="zh-TW" altLang="en-US" dirty="0"/>
+          </a:p>
+        </p:txBody>
+      </p:sp>
+      <p:pic>
+        <p:nvPicPr>
+          <p:cNvPr id="2050" name="Picture 2" descr="「我就爛」的圖片搜尋結果"/>
+          <p:cNvPicPr>
+            <a:picLocks noChangeAspect="1" noChangeArrowheads="1"/>
+          </p:cNvPicPr>
+          <p:nvPr/>
+        </p:nvPicPr>
+        <p:blipFill>
+          <a:blip r:embed="rId2" cstate="print">
+            <a:extLst>
+              <a:ext uri="{28A0092B-C50C-407E-A947-70E740481C1C}">
+                <a14:useLocalDpi xmlns:a14="http://schemas.microsoft.com/office/drawing/2010/main" val="0"/>
+              </a:ext>
+            </a:extLst>
+          </a:blip>
+          <a:srcRect/>
+          <a:stretch>
+            <a:fillRect/>
+          </a:stretch>
+        </p:blipFill>
+        <p:spPr bwMode="auto">
+          <a:xfrm>
+            <a:off x="3377934" y="1052736"/>
+            <a:ext cx="902519" cy="915054"/>
+          </a:xfrm>
+          <a:prstGeom prst="rect">
+            <a:avLst/>
+          </a:prstGeom>
+          <a:noFill/>
+          <a:extLst>
+            <a:ext uri="{909E8E84-426E-40DD-AFC4-6F175D3DCCD1}">
+              <a14:hiddenFill xmlns:a14="http://schemas.microsoft.com/office/drawing/2010/main">
+                <a:solidFill>
+                  <a:srgbClr val="FFFFFF"/>
+                </a:solidFill>
+              </a14:hiddenFill>
+            </a:ext>
+          </a:extLst>
+        </p:spPr>
+      </p:pic>
+      <p:pic>
+        <p:nvPicPr>
+          <p:cNvPr id="13314" name="Picture 2" descr="https://static-cdn.jtvnw.net/emoticons/v1/300065830/3.0"/>
+          <p:cNvPicPr>
+            <a:picLocks noChangeAspect="1" noChangeArrowheads="1"/>
+          </p:cNvPicPr>
+          <p:nvPr/>
+        </p:nvPicPr>
+        <p:blipFill>
+          <a:blip r:embed="rId3">
+            <a:extLst>
+              <a:ext uri="{28A0092B-C50C-407E-A947-70E740481C1C}">
+                <a14:useLocalDpi xmlns:a14="http://schemas.microsoft.com/office/drawing/2010/main" val="0"/>
+              </a:ext>
+            </a:extLst>
+          </a:blip>
+          <a:srcRect/>
+          <a:stretch>
+            <a:fillRect/>
+          </a:stretch>
+        </p:blipFill>
+        <p:spPr bwMode="auto">
+          <a:xfrm>
+            <a:off x="7020272" y="2420888"/>
+            <a:ext cx="1279525" cy="1279525"/>
+          </a:xfrm>
+          <a:prstGeom prst="rect">
+            <a:avLst/>
+          </a:prstGeom>
+          <a:noFill/>
+          <a:extLst>
+            <a:ext uri="{909E8E84-426E-40DD-AFC4-6F175D3DCCD1}">
+              <a14:hiddenFill xmlns:a14="http://schemas.microsoft.com/office/drawing/2010/main">
+                <a:solidFill>
+                  <a:srgbClr val="FFFFFF"/>
+                </a:solidFill>
+              </a14:hiddenFill>
+            </a:ext>
+          </a:extLst>
+        </p:spPr>
+      </p:pic>
+      <p:pic>
+        <p:nvPicPr>
+          <p:cNvPr id="13316" name="Picture 4" descr="https://static-cdn.jtvnw.net/emoticons/v1/300065840/3.0"/>
+          <p:cNvPicPr>
+            <a:picLocks noChangeAspect="1" noChangeArrowheads="1"/>
+          </p:cNvPicPr>
+          <p:nvPr/>
+        </p:nvPicPr>
+        <p:blipFill>
+          <a:blip r:embed="rId4">
+            <a:extLst>
+              <a:ext uri="{28A0092B-C50C-407E-A947-70E740481C1C}">
+                <a14:useLocalDpi xmlns:a14="http://schemas.microsoft.com/office/drawing/2010/main" val="0"/>
+              </a:ext>
+            </a:extLst>
+          </a:blip>
+          <a:srcRect/>
+          <a:stretch>
+            <a:fillRect/>
+          </a:stretch>
+        </p:blipFill>
+        <p:spPr bwMode="auto">
+          <a:xfrm>
+            <a:off x="6732240" y="5445224"/>
+            <a:ext cx="1279525" cy="1279525"/>
+          </a:xfrm>
+          <a:prstGeom prst="rect">
+            <a:avLst/>
+          </a:prstGeom>
+          <a:noFill/>
+          <a:extLst>
+            <a:ext uri="{909E8E84-426E-40DD-AFC4-6F175D3DCCD1}">
+              <a14:hiddenFill xmlns:a14="http://schemas.microsoft.com/office/drawing/2010/main">
+                <a:solidFill>
+                  <a:srgbClr val="FFFFFF"/>
+                </a:solidFill>
+              </a14:hiddenFill>
+            </a:ext>
+          </a:extLst>
+        </p:spPr>
+      </p:pic>
+      <p:pic>
+        <p:nvPicPr>
+          <p:cNvPr id="13318" name="Picture 6" descr="https://static-cdn.jtvnw.net/emoticons/v1/300065819/3.0"/>
+          <p:cNvPicPr>
+            <a:picLocks noChangeAspect="1" noChangeArrowheads="1"/>
+          </p:cNvPicPr>
+          <p:nvPr/>
+        </p:nvPicPr>
+        <p:blipFill>
+          <a:blip r:embed="rId5">
+            <a:extLst>
+              <a:ext uri="{28A0092B-C50C-407E-A947-70E740481C1C}">
+                <a14:useLocalDpi xmlns:a14="http://schemas.microsoft.com/office/drawing/2010/main" val="0"/>
+              </a:ext>
+            </a:extLst>
+          </a:blip>
+          <a:srcRect/>
+          <a:stretch>
+            <a:fillRect/>
+          </a:stretch>
+        </p:blipFill>
+        <p:spPr bwMode="auto">
+          <a:xfrm>
+            <a:off x="5292080" y="3520028"/>
+            <a:ext cx="1279525" cy="1279525"/>
+          </a:xfrm>
+          <a:prstGeom prst="rect">
+            <a:avLst/>
+          </a:prstGeom>
+          <a:noFill/>
+          <a:extLst>
+            <a:ext uri="{909E8E84-426E-40DD-AFC4-6F175D3DCCD1}">
+              <a14:hiddenFill xmlns:a14="http://schemas.microsoft.com/office/drawing/2010/main">
+                <a:solidFill>
+                  <a:srgbClr val="FFFFFF"/>
+                </a:solidFill>
+              </a14:hiddenFill>
+            </a:ext>
+          </a:extLst>
+        </p:spPr>
+      </p:pic>
     </p:spTree>
     <p:extLst>
       <p:ext uri="{BB962C8B-B14F-4D97-AF65-F5344CB8AC3E}">
@@ -4707,6 +6281,2300 @@
   <p:clrMapOvr>
     <a:masterClrMapping/>
   </p:clrMapOvr>
+  <mc:AlternateContent xmlns:mc="http://schemas.openxmlformats.org/markup-compatibility/2006">
+    <mc:Choice xmlns:p14="http://schemas.microsoft.com/office/powerpoint/2010/main" Requires="p14">
+      <p:transition spd="slow">
+        <p14:honeycomb/>
+      </p:transition>
+    </mc:Choice>
+    <mc:Fallback>
+      <p:transition spd="slow">
+        <p:fade/>
+      </p:transition>
+    </mc:Fallback>
+  </mc:AlternateContent>
+  <p:timing>
+    <p:tnLst>
+      <p:par>
+        <p:cTn id="1" dur="indefinite" restart="never" nodeType="tmRoot"/>
+      </p:par>
+    </p:tnLst>
+  </p:timing>
+</p:sld>
+</file>
+
+<file path=ppt/slides/slide19.xml><?xml version="1.0" encoding="utf-8"?>
+<p:sld xmlns:a="http://schemas.openxmlformats.org/drawingml/2006/main" xmlns:r="http://schemas.openxmlformats.org/officeDocument/2006/relationships" xmlns:p="http://schemas.openxmlformats.org/presentationml/2006/main">
+  <p:cSld>
+    <p:spTree>
+      <p:nvGrpSpPr>
+        <p:cNvPr id="1" name=""/>
+        <p:cNvGrpSpPr/>
+        <p:nvPr/>
+      </p:nvGrpSpPr>
+      <p:grpSpPr>
+        <a:xfrm>
+          <a:off x="0" y="0"/>
+          <a:ext cx="0" cy="0"/>
+          <a:chOff x="0" y="0"/>
+          <a:chExt cx="0" cy="0"/>
+        </a:xfrm>
+      </p:grpSpPr>
+      <p:pic>
+        <p:nvPicPr>
+          <p:cNvPr id="4" name="圖片 3"/>
+          <p:cNvPicPr>
+            <a:picLocks noChangeAspect="1"/>
+          </p:cNvPicPr>
+          <p:nvPr/>
+        </p:nvPicPr>
+        <p:blipFill>
+          <a:blip r:embed="rId2">
+            <a:extLst>
+              <a:ext uri="{28A0092B-C50C-407E-A947-70E740481C1C}">
+                <a14:useLocalDpi xmlns:a14="http://schemas.microsoft.com/office/drawing/2010/main" val="0"/>
+              </a:ext>
+            </a:extLst>
+          </a:blip>
+          <a:stretch>
+            <a:fillRect/>
+          </a:stretch>
+        </p:blipFill>
+        <p:spPr>
+          <a:xfrm>
+            <a:off x="-540569" y="75643"/>
+            <a:ext cx="8278689" cy="6858000"/>
+          </a:xfrm>
+          <a:prstGeom prst="rect">
+            <a:avLst/>
+          </a:prstGeom>
+        </p:spPr>
+      </p:pic>
+      <p:sp>
+        <p:nvSpPr>
+          <p:cNvPr id="2" name="標題 1"/>
+          <p:cNvSpPr>
+            <a:spLocks noGrp="1"/>
+          </p:cNvSpPr>
+          <p:nvPr>
+            <p:ph type="title"/>
+          </p:nvPr>
+        </p:nvSpPr>
+        <p:spPr>
+          <a:xfrm>
+            <a:off x="460590" y="82402"/>
+            <a:ext cx="8229600" cy="1399032"/>
+          </a:xfrm>
+        </p:spPr>
+        <p:txBody>
+          <a:bodyPr>
+            <a:normAutofit/>
+          </a:bodyPr>
+          <a:lstStyle/>
+          <a:p>
+            <a:pPr algn="ctr"/>
+            <a:r>
+              <a:rPr lang="zh-TW" altLang="en-US" sz="4800" b="1" dirty="0" smtClean="0"/>
+              <a:t>特別感謝</a:t>
+            </a:r>
+            <a:endParaRPr lang="zh-TW" altLang="en-US" sz="4800" b="1" dirty="0"/>
+          </a:p>
+        </p:txBody>
+      </p:sp>
+      <p:sp>
+        <p:nvSpPr>
+          <p:cNvPr id="3" name="內容版面配置區 2"/>
+          <p:cNvSpPr>
+            <a:spLocks noGrp="1"/>
+          </p:cNvSpPr>
+          <p:nvPr>
+            <p:ph idx="1"/>
+          </p:nvPr>
+        </p:nvSpPr>
+        <p:spPr>
+          <a:xfrm>
+            <a:off x="251520" y="1556792"/>
+            <a:ext cx="8712968" cy="2304256"/>
+          </a:xfrm>
+        </p:spPr>
+        <p:style>
+          <a:lnRef idx="2">
+            <a:schemeClr val="accent2"/>
+          </a:lnRef>
+          <a:fillRef idx="1">
+            <a:schemeClr val="lt1"/>
+          </a:fillRef>
+          <a:effectRef idx="0">
+            <a:schemeClr val="accent2"/>
+          </a:effectRef>
+          <a:fontRef idx="minor">
+            <a:schemeClr val="dk1"/>
+          </a:fontRef>
+        </p:style>
+        <p:txBody>
+          <a:bodyPr>
+            <a:noAutofit/>
+          </a:bodyPr>
+          <a:lstStyle/>
+          <a:p>
+            <a:r>
+              <a:rPr lang="zh-TW" altLang="en-US" sz="3200" dirty="0">
+                <a:solidFill>
+                  <a:schemeClr val="bg1"/>
+                </a:solidFill>
+              </a:rPr>
+              <a:t>彥宇跟加鈞在過程中幫了我很多忙，幫我測試很多，給很多想法跟建議。</a:t>
+            </a:r>
+            <a:endParaRPr lang="en-US" altLang="zh-TW" sz="3200" dirty="0">
+              <a:solidFill>
+                <a:schemeClr val="bg1"/>
+              </a:solidFill>
+            </a:endParaRPr>
+          </a:p>
+          <a:p>
+            <a:r>
+              <a:rPr lang="zh-TW" altLang="en-US" sz="3200" dirty="0">
+                <a:solidFill>
+                  <a:schemeClr val="bg1"/>
+                </a:solidFill>
+              </a:rPr>
+              <a:t>左下那隻熊貓是林宇亨用小畫家畫的酷</a:t>
+            </a:r>
+            <a:endParaRPr lang="en-US" altLang="zh-TW" sz="3200" dirty="0">
+              <a:solidFill>
+                <a:schemeClr val="bg1"/>
+              </a:solidFill>
+            </a:endParaRPr>
+          </a:p>
+          <a:p>
+            <a:r>
+              <a:rPr lang="zh-TW" altLang="en-US" sz="3200" dirty="0">
+                <a:solidFill>
+                  <a:schemeClr val="bg1"/>
+                </a:solidFill>
+              </a:rPr>
+              <a:t>也</a:t>
+            </a:r>
+            <a:r>
+              <a:rPr lang="en-US" altLang="zh-TW" sz="3200" dirty="0">
+                <a:solidFill>
+                  <a:schemeClr val="bg1"/>
+                </a:solidFill>
+              </a:rPr>
+              <a:t>”</a:t>
+            </a:r>
+            <a:r>
+              <a:rPr lang="zh-TW" altLang="en-US" sz="3200" dirty="0">
+                <a:solidFill>
+                  <a:schemeClr val="bg1"/>
+                </a:solidFill>
+              </a:rPr>
+              <a:t>感謝</a:t>
+            </a:r>
+            <a:r>
+              <a:rPr lang="en-US" altLang="zh-TW" sz="3200" dirty="0">
+                <a:solidFill>
+                  <a:schemeClr val="bg1"/>
+                </a:solidFill>
+              </a:rPr>
+              <a:t>”</a:t>
+            </a:r>
+            <a:r>
+              <a:rPr lang="zh-TW" altLang="en-US" sz="3200" dirty="0">
+                <a:solidFill>
+                  <a:schemeClr val="bg1"/>
+                </a:solidFill>
+              </a:rPr>
+              <a:t>傑翔</a:t>
+            </a:r>
+            <a:r>
+              <a:rPr lang="zh-TW" altLang="en-US" sz="3200" dirty="0" smtClean="0">
+                <a:solidFill>
+                  <a:schemeClr val="bg1"/>
+                </a:solidFill>
+              </a:rPr>
+              <a:t>的</a:t>
+            </a:r>
+            <a:r>
+              <a:rPr lang="en-US" altLang="zh-TW" sz="3200" dirty="0" smtClean="0">
+                <a:solidFill>
+                  <a:schemeClr val="bg1"/>
+                </a:solidFill>
+              </a:rPr>
+              <a:t>”</a:t>
+            </a:r>
+            <a:r>
+              <a:rPr lang="zh-TW" altLang="en-US" sz="3200" dirty="0" smtClean="0">
+                <a:solidFill>
+                  <a:schemeClr val="bg1"/>
+                </a:solidFill>
+              </a:rPr>
+              <a:t>測試</a:t>
+            </a:r>
+            <a:r>
+              <a:rPr lang="en-US" altLang="zh-TW" sz="3200" dirty="0" smtClean="0">
+                <a:solidFill>
+                  <a:schemeClr val="bg1"/>
+                </a:solidFill>
+              </a:rPr>
+              <a:t>”</a:t>
+            </a:r>
+            <a:r>
+              <a:rPr lang="zh-TW" altLang="en-US" sz="3200" dirty="0" smtClean="0">
+                <a:solidFill>
+                  <a:schemeClr val="bg1"/>
+                </a:solidFill>
+              </a:rPr>
+              <a:t> </a:t>
+            </a:r>
+            <a:r>
+              <a:rPr lang="zh-TW" altLang="en-US" sz="3200" dirty="0">
+                <a:solidFill>
+                  <a:schemeClr val="bg1"/>
+                </a:solidFill>
+              </a:rPr>
+              <a:t>跟右下角那隻咚咚鏘</a:t>
+            </a:r>
+            <a:r>
+              <a:rPr lang="en-US" altLang="zh-TW" sz="3200" dirty="0">
+                <a:solidFill>
+                  <a:schemeClr val="bg1"/>
+                </a:solidFill>
+              </a:rPr>
+              <a:t/>
+            </a:r>
+            <a:br>
+              <a:rPr lang="en-US" altLang="zh-TW" sz="3200" dirty="0">
+                <a:solidFill>
+                  <a:schemeClr val="bg1"/>
+                </a:solidFill>
+              </a:rPr>
+            </a:br>
+            <a:endParaRPr lang="zh-TW" altLang="en-US" sz="3200" dirty="0">
+              <a:solidFill>
+                <a:schemeClr val="bg1"/>
+              </a:solidFill>
+            </a:endParaRPr>
+          </a:p>
+        </p:txBody>
+      </p:sp>
+      <p:pic>
+        <p:nvPicPr>
+          <p:cNvPr id="10242" name="Picture 2"/>
+          <p:cNvPicPr>
+            <a:picLocks noChangeAspect="1" noChangeArrowheads="1"/>
+          </p:cNvPicPr>
+          <p:nvPr/>
+        </p:nvPicPr>
+        <p:blipFill>
+          <a:blip r:embed="rId3">
+            <a:extLst>
+              <a:ext uri="{28A0092B-C50C-407E-A947-70E740481C1C}">
+                <a14:useLocalDpi xmlns:a14="http://schemas.microsoft.com/office/drawing/2010/main" val="0"/>
+              </a:ext>
+            </a:extLst>
+          </a:blip>
+          <a:srcRect/>
+          <a:stretch>
+            <a:fillRect/>
+          </a:stretch>
+        </p:blipFill>
+        <p:spPr bwMode="auto">
+          <a:xfrm>
+            <a:off x="6196824" y="3743758"/>
+            <a:ext cx="2355850" cy="815975"/>
+          </a:xfrm>
+          <a:prstGeom prst="rect">
+            <a:avLst/>
+          </a:prstGeom>
+          <a:noFill/>
+          <a:ln>
+            <a:noFill/>
+          </a:ln>
+          <a:effectLst/>
+          <a:extLst>
+            <a:ext uri="{909E8E84-426E-40DD-AFC4-6F175D3DCCD1}">
+              <a14:hiddenFill xmlns:a14="http://schemas.microsoft.com/office/drawing/2010/main">
+                <a:solidFill>
+                  <a:schemeClr val="accent1"/>
+                </a:solidFill>
+              </a14:hiddenFill>
+            </a:ext>
+            <a:ext uri="{91240B29-F687-4F45-9708-019B960494DF}">
+              <a14:hiddenLine xmlns:a14="http://schemas.microsoft.com/office/drawing/2010/main" w="9525">
+                <a:solidFill>
+                  <a:schemeClr val="tx1"/>
+                </a:solidFill>
+                <a:miter lim="800000"/>
+                <a:headEnd/>
+                <a:tailEnd/>
+              </a14:hiddenLine>
+            </a:ext>
+            <a:ext uri="{AF507438-7753-43E0-B8FC-AC1667EBCBE1}">
+              <a14:hiddenEffects xmlns:a14="http://schemas.microsoft.com/office/drawing/2010/main">
+                <a:effectLst>
+                  <a:outerShdw dist="35921" dir="2700000" algn="ctr" rotWithShape="0">
+                    <a:schemeClr val="bg2"/>
+                  </a:outerShdw>
+                </a:effectLst>
+              </a14:hiddenEffects>
+            </a:ext>
+          </a:extLst>
+        </p:spPr>
+      </p:pic>
+      <p:pic>
+        <p:nvPicPr>
+          <p:cNvPr id="10244" name="Picture 4"/>
+          <p:cNvPicPr>
+            <a:picLocks noChangeAspect="1" noChangeArrowheads="1"/>
+          </p:cNvPicPr>
+          <p:nvPr/>
+        </p:nvPicPr>
+        <p:blipFill>
+          <a:blip r:embed="rId4">
+            <a:extLst>
+              <a:ext uri="{28A0092B-C50C-407E-A947-70E740481C1C}">
+                <a14:useLocalDpi xmlns:a14="http://schemas.microsoft.com/office/drawing/2010/main" val="0"/>
+              </a:ext>
+            </a:extLst>
+          </a:blip>
+          <a:srcRect/>
+          <a:stretch>
+            <a:fillRect/>
+          </a:stretch>
+        </p:blipFill>
+        <p:spPr bwMode="auto">
+          <a:xfrm>
+            <a:off x="670595" y="3726788"/>
+            <a:ext cx="5773613" cy="3144653"/>
+          </a:xfrm>
+          <a:prstGeom prst="rect">
+            <a:avLst/>
+          </a:prstGeom>
+          <a:noFill/>
+          <a:ln>
+            <a:noFill/>
+          </a:ln>
+          <a:effectLst/>
+          <a:extLst>
+            <a:ext uri="{909E8E84-426E-40DD-AFC4-6F175D3DCCD1}">
+              <a14:hiddenFill xmlns:a14="http://schemas.microsoft.com/office/drawing/2010/main">
+                <a:solidFill>
+                  <a:schemeClr val="accent1"/>
+                </a:solidFill>
+              </a14:hiddenFill>
+            </a:ext>
+            <a:ext uri="{91240B29-F687-4F45-9708-019B960494DF}">
+              <a14:hiddenLine xmlns:a14="http://schemas.microsoft.com/office/drawing/2010/main" w="9525">
+                <a:solidFill>
+                  <a:schemeClr val="tx1"/>
+                </a:solidFill>
+                <a:miter lim="800000"/>
+                <a:headEnd/>
+                <a:tailEnd/>
+              </a14:hiddenLine>
+            </a:ext>
+            <a:ext uri="{AF507438-7753-43E0-B8FC-AC1667EBCBE1}">
+              <a14:hiddenEffects xmlns:a14="http://schemas.microsoft.com/office/drawing/2010/main">
+                <a:effectLst>
+                  <a:outerShdw dist="35921" dir="2700000" algn="ctr" rotWithShape="0">
+                    <a:schemeClr val="bg2"/>
+                  </a:outerShdw>
+                </a:effectLst>
+              </a14:hiddenEffects>
+            </a:ext>
+          </a:extLst>
+        </p:spPr>
+      </p:pic>
+      <p:pic>
+        <p:nvPicPr>
+          <p:cNvPr id="10245" name="Picture 5"/>
+          <p:cNvPicPr>
+            <a:picLocks noChangeAspect="1" noChangeArrowheads="1"/>
+          </p:cNvPicPr>
+          <p:nvPr/>
+        </p:nvPicPr>
+        <p:blipFill>
+          <a:blip r:embed="rId5">
+            <a:extLst>
+              <a:ext uri="{28A0092B-C50C-407E-A947-70E740481C1C}">
+                <a14:useLocalDpi xmlns:a14="http://schemas.microsoft.com/office/drawing/2010/main" val="0"/>
+              </a:ext>
+            </a:extLst>
+          </a:blip>
+          <a:srcRect/>
+          <a:stretch>
+            <a:fillRect/>
+          </a:stretch>
+        </p:blipFill>
+        <p:spPr bwMode="auto">
+          <a:xfrm>
+            <a:off x="6188720" y="4559733"/>
+            <a:ext cx="1549400" cy="2100263"/>
+          </a:xfrm>
+          <a:prstGeom prst="rect">
+            <a:avLst/>
+          </a:prstGeom>
+          <a:noFill/>
+          <a:ln>
+            <a:noFill/>
+          </a:ln>
+          <a:effectLst/>
+          <a:extLst>
+            <a:ext uri="{909E8E84-426E-40DD-AFC4-6F175D3DCCD1}">
+              <a14:hiddenFill xmlns:a14="http://schemas.microsoft.com/office/drawing/2010/main">
+                <a:solidFill>
+                  <a:schemeClr val="accent1"/>
+                </a:solidFill>
+              </a14:hiddenFill>
+            </a:ext>
+            <a:ext uri="{91240B29-F687-4F45-9708-019B960494DF}">
+              <a14:hiddenLine xmlns:a14="http://schemas.microsoft.com/office/drawing/2010/main" w="9525">
+                <a:solidFill>
+                  <a:schemeClr val="tx1"/>
+                </a:solidFill>
+                <a:miter lim="800000"/>
+                <a:headEnd/>
+                <a:tailEnd/>
+              </a14:hiddenLine>
+            </a:ext>
+            <a:ext uri="{AF507438-7753-43E0-B8FC-AC1667EBCBE1}">
+              <a14:hiddenEffects xmlns:a14="http://schemas.microsoft.com/office/drawing/2010/main">
+                <a:effectLst>
+                  <a:outerShdw dist="35921" dir="2700000" algn="ctr" rotWithShape="0">
+                    <a:schemeClr val="bg2"/>
+                  </a:outerShdw>
+                </a:effectLst>
+              </a14:hiddenEffects>
+            </a:ext>
+          </a:extLst>
+        </p:spPr>
+      </p:pic>
+    </p:spTree>
+    <p:extLst>
+      <p:ext uri="{BB962C8B-B14F-4D97-AF65-F5344CB8AC3E}">
+        <p14:creationId xmlns:p14="http://schemas.microsoft.com/office/powerpoint/2010/main" val="2732685268"/>
+      </p:ext>
+    </p:extLst>
+  </p:cSld>
+  <p:clrMapOvr>
+    <a:masterClrMapping/>
+  </p:clrMapOvr>
+  <mc:AlternateContent xmlns:mc="http://schemas.openxmlformats.org/markup-compatibility/2006">
+    <mc:Choice xmlns:p14="http://schemas.microsoft.com/office/powerpoint/2010/main" Requires="p14">
+      <p:transition spd="slow">
+        <p14:honeycomb/>
+      </p:transition>
+    </mc:Choice>
+    <mc:Fallback>
+      <p:transition spd="slow">
+        <p:fade/>
+      </p:transition>
+    </mc:Fallback>
+  </mc:AlternateContent>
+  <p:timing>
+    <p:tnLst>
+      <p:par>
+        <p:cTn id="1" dur="indefinite" restart="never" nodeType="tmRoot"/>
+      </p:par>
+    </p:tnLst>
+  </p:timing>
+</p:sld>
+</file>
+
+<file path=ppt/slides/slide2.xml><?xml version="1.0" encoding="utf-8"?>
+<p:sld xmlns:a="http://schemas.openxmlformats.org/drawingml/2006/main" xmlns:r="http://schemas.openxmlformats.org/officeDocument/2006/relationships" xmlns:p="http://schemas.openxmlformats.org/presentationml/2006/main">
+  <p:cSld>
+    <p:spTree>
+      <p:nvGrpSpPr>
+        <p:cNvPr id="1" name=""/>
+        <p:cNvGrpSpPr/>
+        <p:nvPr/>
+      </p:nvGrpSpPr>
+      <p:grpSpPr>
+        <a:xfrm>
+          <a:off x="0" y="0"/>
+          <a:ext cx="0" cy="0"/>
+          <a:chOff x="0" y="0"/>
+          <a:chExt cx="0" cy="0"/>
+        </a:xfrm>
+      </p:grpSpPr>
+      <p:sp>
+        <p:nvSpPr>
+          <p:cNvPr id="2" name="標題 1"/>
+          <p:cNvSpPr>
+            <a:spLocks noGrp="1"/>
+          </p:cNvSpPr>
+          <p:nvPr>
+            <p:ph type="title"/>
+          </p:nvPr>
+        </p:nvSpPr>
+        <p:spPr/>
+        <p:txBody>
+          <a:bodyPr/>
+          <a:lstStyle/>
+          <a:p>
+            <a:r>
+              <a:rPr lang="zh-TW" altLang="en-US" dirty="0" smtClean="0"/>
+              <a:t>目錄</a:t>
+            </a:r>
+            <a:endParaRPr lang="zh-TW" altLang="en-US" dirty="0"/>
+          </a:p>
+        </p:txBody>
+      </p:sp>
+      <p:sp>
+        <p:nvSpPr>
+          <p:cNvPr id="3" name="內容版面配置區 2"/>
+          <p:cNvSpPr>
+            <a:spLocks noGrp="1"/>
+          </p:cNvSpPr>
+          <p:nvPr>
+            <p:ph idx="1"/>
+          </p:nvPr>
+        </p:nvSpPr>
+        <p:spPr/>
+        <p:txBody>
+          <a:bodyPr/>
+          <a:lstStyle/>
+          <a:p>
+            <a:r>
+              <a:rPr lang="zh-TW" altLang="en-US" dirty="0" smtClean="0"/>
+              <a:t>研究動機</a:t>
+            </a:r>
+            <a:endParaRPr lang="en-US" altLang="zh-TW" dirty="0" smtClean="0"/>
+          </a:p>
+          <a:p>
+            <a:r>
+              <a:rPr lang="zh-TW" altLang="en-US" dirty="0"/>
+              <a:t>研究方法</a:t>
+            </a:r>
+            <a:endParaRPr lang="en-US" altLang="zh-TW" dirty="0" smtClean="0"/>
+          </a:p>
+          <a:p>
+            <a:r>
+              <a:rPr lang="zh-TW" altLang="en-US" dirty="0" smtClean="0"/>
+              <a:t>材料與設備</a:t>
+            </a:r>
+            <a:endParaRPr lang="en-US" altLang="zh-TW" dirty="0" smtClean="0"/>
+          </a:p>
+          <a:p>
+            <a:r>
+              <a:rPr lang="zh-TW" altLang="en-US" dirty="0" smtClean="0"/>
+              <a:t>甘特</a:t>
+            </a:r>
+            <a:r>
+              <a:rPr lang="zh-TW" altLang="en-US" dirty="0" smtClean="0"/>
+              <a:t>圖</a:t>
+            </a:r>
+            <a:endParaRPr lang="en-US" altLang="zh-TW" dirty="0" smtClean="0"/>
+          </a:p>
+          <a:p>
+            <a:r>
+              <a:rPr lang="zh-TW" altLang="en-US" dirty="0"/>
+              <a:t>各項功能介紹</a:t>
+            </a:r>
+            <a:endParaRPr lang="en-US" altLang="zh-TW" dirty="0" smtClean="0"/>
+          </a:p>
+          <a:p>
+            <a:r>
+              <a:rPr lang="zh-TW" altLang="en-US" dirty="0" smtClean="0"/>
+              <a:t>目前進度</a:t>
+            </a:r>
+            <a:endParaRPr lang="en-US" altLang="zh-TW" dirty="0" smtClean="0"/>
+          </a:p>
+          <a:p>
+            <a:endParaRPr lang="zh-TW" altLang="en-US" dirty="0"/>
+          </a:p>
+        </p:txBody>
+      </p:sp>
+    </p:spTree>
+    <p:extLst>
+      <p:ext uri="{BB962C8B-B14F-4D97-AF65-F5344CB8AC3E}">
+        <p14:creationId xmlns:p14="http://schemas.microsoft.com/office/powerpoint/2010/main" val="3200622321"/>
+      </p:ext>
+    </p:extLst>
+  </p:cSld>
+  <p:clrMapOvr>
+    <a:masterClrMapping/>
+  </p:clrMapOvr>
+  <mc:AlternateContent xmlns:mc="http://schemas.openxmlformats.org/markup-compatibility/2006">
+    <mc:Choice xmlns:p14="http://schemas.microsoft.com/office/powerpoint/2010/main" Requires="p14">
+      <p:transition spd="slow">
+        <p14:honeycomb/>
+      </p:transition>
+    </mc:Choice>
+    <mc:Fallback>
+      <p:transition spd="slow">
+        <p:fade/>
+      </p:transition>
+    </mc:Fallback>
+  </mc:AlternateContent>
+  <p:timing>
+    <p:tnLst>
+      <p:par>
+        <p:cTn id="1" dur="indefinite" restart="never" nodeType="tmRoot"/>
+      </p:par>
+    </p:tnLst>
+  </p:timing>
+</p:sld>
+</file>
+
+<file path=ppt/slides/slide3.xml><?xml version="1.0" encoding="utf-8"?>
+<p:sld xmlns:a="http://schemas.openxmlformats.org/drawingml/2006/main" xmlns:r="http://schemas.openxmlformats.org/officeDocument/2006/relationships" xmlns:p="http://schemas.openxmlformats.org/presentationml/2006/main">
+  <p:cSld>
+    <p:spTree>
+      <p:nvGrpSpPr>
+        <p:cNvPr id="1" name=""/>
+        <p:cNvGrpSpPr/>
+        <p:nvPr/>
+      </p:nvGrpSpPr>
+      <p:grpSpPr>
+        <a:xfrm>
+          <a:off x="0" y="0"/>
+          <a:ext cx="0" cy="0"/>
+          <a:chOff x="0" y="0"/>
+          <a:chExt cx="0" cy="0"/>
+        </a:xfrm>
+      </p:grpSpPr>
+      <p:sp>
+        <p:nvSpPr>
+          <p:cNvPr id="2" name="標題 1"/>
+          <p:cNvSpPr>
+            <a:spLocks noGrp="1"/>
+          </p:cNvSpPr>
+          <p:nvPr>
+            <p:ph type="title"/>
+          </p:nvPr>
+        </p:nvSpPr>
+        <p:spPr/>
+        <p:txBody>
+          <a:bodyPr>
+            <a:normAutofit/>
+          </a:bodyPr>
+          <a:lstStyle/>
+          <a:p>
+            <a:r>
+              <a:rPr lang="zh-TW" altLang="en-US" dirty="0"/>
+              <a:t>研究</a:t>
+            </a:r>
+            <a:r>
+              <a:rPr lang="zh-TW" altLang="en-US" dirty="0" smtClean="0"/>
+              <a:t>動機</a:t>
+            </a:r>
+            <a:endParaRPr lang="zh-TW" altLang="en-US" dirty="0"/>
+          </a:p>
+        </p:txBody>
+      </p:sp>
+      <p:sp>
+        <p:nvSpPr>
+          <p:cNvPr id="3" name="內容版面配置區 2"/>
+          <p:cNvSpPr>
+            <a:spLocks noGrp="1"/>
+          </p:cNvSpPr>
+          <p:nvPr>
+            <p:ph idx="1"/>
+          </p:nvPr>
+        </p:nvSpPr>
+        <p:spPr>
+          <a:xfrm>
+            <a:off x="467544" y="1628800"/>
+            <a:ext cx="8229600" cy="4572000"/>
+          </a:xfrm>
+        </p:spPr>
+        <p:txBody>
+          <a:bodyPr/>
+          <a:lstStyle/>
+          <a:p>
+            <a:r>
+              <a:rPr lang="zh-TW" altLang="en-US" dirty="0"/>
+              <a:t>因為跟朋友玩遊戲的</a:t>
+            </a:r>
+            <a:r>
+              <a:rPr lang="zh-TW" altLang="en-US" dirty="0" smtClean="0"/>
+              <a:t>時候</a:t>
+            </a:r>
+            <a:r>
+              <a:rPr lang="zh-TW" altLang="en-US" dirty="0"/>
+              <a:t>常常</a:t>
+            </a:r>
+            <a:r>
+              <a:rPr lang="zh-TW" altLang="en-US" dirty="0" smtClean="0"/>
+              <a:t>用通訊</a:t>
+            </a:r>
+            <a:r>
+              <a:rPr lang="zh-TW" altLang="en-US" dirty="0"/>
+              <a:t>軟體</a:t>
+            </a:r>
+            <a:r>
+              <a:rPr lang="zh-TW" altLang="en-US" dirty="0" smtClean="0"/>
+              <a:t>溝通但有時也會</a:t>
+            </a:r>
+            <a:r>
+              <a:rPr lang="zh-TW" altLang="en-US" dirty="0"/>
+              <a:t>想聽音樂  </a:t>
+            </a:r>
+          </a:p>
+          <a:p>
+            <a:r>
+              <a:rPr lang="zh-TW" altLang="en-US" dirty="0"/>
+              <a:t>雖然開著瀏覽器</a:t>
+            </a:r>
+            <a:r>
+              <a:rPr lang="zh-TW" altLang="en-US" dirty="0" smtClean="0"/>
+              <a:t>用</a:t>
+            </a:r>
+            <a:r>
+              <a:rPr lang="en-US" altLang="zh-TW" dirty="0" err="1" smtClean="0"/>
+              <a:t>yt</a:t>
+            </a:r>
+            <a:r>
+              <a:rPr lang="zh-TW" altLang="en-US" dirty="0" smtClean="0"/>
+              <a:t>或</a:t>
+            </a:r>
+            <a:r>
+              <a:rPr lang="en-US" altLang="zh-TW" dirty="0" err="1" smtClean="0"/>
+              <a:t>spotify</a:t>
+            </a:r>
+            <a:r>
+              <a:rPr lang="zh-TW" altLang="en-US" dirty="0" smtClean="0"/>
+              <a:t>播</a:t>
+            </a:r>
+            <a:r>
+              <a:rPr lang="zh-TW" altLang="en-US" dirty="0"/>
+              <a:t>是最常見的方法 但是又要開啟額外的程式 消耗額外的</a:t>
+            </a:r>
+            <a:r>
+              <a:rPr lang="zh-TW" altLang="en-US" dirty="0" smtClean="0"/>
+              <a:t>記憶體 就算</a:t>
+            </a:r>
+            <a:r>
+              <a:rPr lang="zh-TW" altLang="en-US" dirty="0"/>
+              <a:t>不是太大的負擔 但也稍嫌麻煩</a:t>
+            </a:r>
+          </a:p>
+          <a:p>
+            <a:r>
+              <a:rPr lang="zh-TW" altLang="en-US" dirty="0"/>
+              <a:t>因此要是有個能夠自動播放音樂清單的機器人 就不需要做任何事情 也可以在任何時候聽音樂了</a:t>
+            </a:r>
+          </a:p>
+        </p:txBody>
+      </p:sp>
+    </p:spTree>
+    <p:extLst>
+      <p:ext uri="{BB962C8B-B14F-4D97-AF65-F5344CB8AC3E}">
+        <p14:creationId xmlns:p14="http://schemas.microsoft.com/office/powerpoint/2010/main" val="2833592683"/>
+      </p:ext>
+    </p:extLst>
+  </p:cSld>
+  <p:clrMapOvr>
+    <a:masterClrMapping/>
+  </p:clrMapOvr>
+  <mc:AlternateContent xmlns:mc="http://schemas.openxmlformats.org/markup-compatibility/2006">
+    <mc:Choice xmlns:p14="http://schemas.microsoft.com/office/powerpoint/2010/main" Requires="p14">
+      <p:transition spd="slow" p14:dur="800">
+        <p14:honeycomb/>
+      </p:transition>
+    </mc:Choice>
+    <mc:Fallback>
+      <p:transition spd="slow">
+        <p:fade/>
+      </p:transition>
+    </mc:Fallback>
+  </mc:AlternateContent>
+  <p:timing>
+    <p:tnLst>
+      <p:par>
+        <p:cTn id="1" dur="indefinite" restart="never" nodeType="tmRoot"/>
+      </p:par>
+    </p:tnLst>
+  </p:timing>
+</p:sld>
+</file>
+
+<file path=ppt/slides/slide4.xml><?xml version="1.0" encoding="utf-8"?>
+<p:sld xmlns:a="http://schemas.openxmlformats.org/drawingml/2006/main" xmlns:r="http://schemas.openxmlformats.org/officeDocument/2006/relationships" xmlns:p="http://schemas.openxmlformats.org/presentationml/2006/main">
+  <p:cSld>
+    <p:spTree>
+      <p:nvGrpSpPr>
+        <p:cNvPr id="1" name=""/>
+        <p:cNvGrpSpPr/>
+        <p:nvPr/>
+      </p:nvGrpSpPr>
+      <p:grpSpPr>
+        <a:xfrm>
+          <a:off x="0" y="0"/>
+          <a:ext cx="0" cy="0"/>
+          <a:chOff x="0" y="0"/>
+          <a:chExt cx="0" cy="0"/>
+        </a:xfrm>
+      </p:grpSpPr>
+      <p:sp>
+        <p:nvSpPr>
+          <p:cNvPr id="2" name="標題 1"/>
+          <p:cNvSpPr>
+            <a:spLocks noGrp="1"/>
+          </p:cNvSpPr>
+          <p:nvPr>
+            <p:ph type="title"/>
+          </p:nvPr>
+        </p:nvSpPr>
+        <p:spPr/>
+        <p:txBody>
+          <a:bodyPr>
+            <a:normAutofit/>
+          </a:bodyPr>
+          <a:lstStyle/>
+          <a:p>
+            <a:r>
+              <a:rPr lang="zh-TW" altLang="en-US" dirty="0"/>
+              <a:t>研究</a:t>
+            </a:r>
+            <a:r>
+              <a:rPr lang="zh-TW" altLang="en-US" dirty="0" smtClean="0"/>
+              <a:t>方法</a:t>
+            </a:r>
+            <a:endParaRPr lang="zh-TW" altLang="en-US" dirty="0"/>
+          </a:p>
+        </p:txBody>
+      </p:sp>
+      <p:sp>
+        <p:nvSpPr>
+          <p:cNvPr id="3" name="內容版面配置區 2"/>
+          <p:cNvSpPr>
+            <a:spLocks noGrp="1"/>
+          </p:cNvSpPr>
+          <p:nvPr>
+            <p:ph idx="1"/>
+          </p:nvPr>
+        </p:nvSpPr>
+        <p:spPr/>
+        <p:txBody>
+          <a:bodyPr/>
+          <a:lstStyle/>
+          <a:p>
+            <a:r>
+              <a:rPr lang="zh-TW" altLang="en-US" dirty="0"/>
+              <a:t>文獻探討法</a:t>
+            </a:r>
+            <a:endParaRPr lang="en-US" altLang="zh-TW" dirty="0"/>
+          </a:p>
+          <a:p>
+            <a:r>
+              <a:rPr lang="zh-TW" altLang="en-US" dirty="0" smtClean="0"/>
+              <a:t>實作法</a:t>
+            </a:r>
+            <a:endParaRPr lang="en-US" altLang="zh-TW" dirty="0" smtClean="0"/>
+          </a:p>
+          <a:p>
+            <a:endParaRPr lang="zh-TW" altLang="en-US" dirty="0"/>
+          </a:p>
+        </p:txBody>
+      </p:sp>
+    </p:spTree>
+    <p:extLst>
+      <p:ext uri="{BB962C8B-B14F-4D97-AF65-F5344CB8AC3E}">
+        <p14:creationId xmlns:p14="http://schemas.microsoft.com/office/powerpoint/2010/main" val="1673461335"/>
+      </p:ext>
+    </p:extLst>
+  </p:cSld>
+  <p:clrMapOvr>
+    <a:masterClrMapping/>
+  </p:clrMapOvr>
+  <mc:AlternateContent xmlns:mc="http://schemas.openxmlformats.org/markup-compatibility/2006">
+    <mc:Choice xmlns:p14="http://schemas.microsoft.com/office/powerpoint/2010/main" Requires="p14">
+      <p:transition spd="slow">
+        <p14:honeycomb/>
+      </p:transition>
+    </mc:Choice>
+    <mc:Fallback>
+      <p:transition spd="slow">
+        <p:fade/>
+      </p:transition>
+    </mc:Fallback>
+  </mc:AlternateContent>
+  <p:timing>
+    <p:tnLst>
+      <p:par>
+        <p:cTn id="1" dur="indefinite" restart="never" nodeType="tmRoot"/>
+      </p:par>
+    </p:tnLst>
+  </p:timing>
+</p:sld>
+</file>
+
+<file path=ppt/slides/slide5.xml><?xml version="1.0" encoding="utf-8"?>
+<p:sld xmlns:a="http://schemas.openxmlformats.org/drawingml/2006/main" xmlns:r="http://schemas.openxmlformats.org/officeDocument/2006/relationships" xmlns:p="http://schemas.openxmlformats.org/presentationml/2006/main">
+  <p:cSld>
+    <p:spTree>
+      <p:nvGrpSpPr>
+        <p:cNvPr id="1" name=""/>
+        <p:cNvGrpSpPr/>
+        <p:nvPr/>
+      </p:nvGrpSpPr>
+      <p:grpSpPr>
+        <a:xfrm>
+          <a:off x="0" y="0"/>
+          <a:ext cx="0" cy="0"/>
+          <a:chOff x="0" y="0"/>
+          <a:chExt cx="0" cy="0"/>
+        </a:xfrm>
+      </p:grpSpPr>
+      <p:sp>
+        <p:nvSpPr>
+          <p:cNvPr id="2" name="標題 1"/>
+          <p:cNvSpPr>
+            <a:spLocks noGrp="1"/>
+          </p:cNvSpPr>
+          <p:nvPr>
+            <p:ph type="title"/>
+          </p:nvPr>
+        </p:nvSpPr>
+        <p:spPr/>
+        <p:txBody>
+          <a:bodyPr>
+            <a:normAutofit/>
+          </a:bodyPr>
+          <a:lstStyle/>
+          <a:p>
+            <a:r>
+              <a:rPr lang="zh-TW" altLang="en-US" dirty="0"/>
+              <a:t>材料與設備</a:t>
+            </a:r>
+            <a:endParaRPr lang="en-US" altLang="zh-TW" dirty="0"/>
+          </a:p>
+        </p:txBody>
+      </p:sp>
+      <p:graphicFrame>
+        <p:nvGraphicFramePr>
+          <p:cNvPr id="5" name="表格 4"/>
+          <p:cNvGraphicFramePr>
+            <a:graphicFrameLocks noGrp="1"/>
+          </p:cNvGraphicFramePr>
+          <p:nvPr>
+            <p:extLst>
+              <p:ext uri="{D42A27DB-BD31-4B8C-83A1-F6EECF244321}">
+                <p14:modId xmlns:p14="http://schemas.microsoft.com/office/powerpoint/2010/main" val="449675689"/>
+              </p:ext>
+            </p:extLst>
+          </p:nvPr>
+        </p:nvGraphicFramePr>
+        <p:xfrm>
+          <a:off x="1043608" y="1412776"/>
+          <a:ext cx="7416825" cy="1656080"/>
+        </p:xfrm>
+        <a:graphic>
+          <a:graphicData uri="http://schemas.openxmlformats.org/drawingml/2006/table">
+            <a:tbl>
+              <a:tblPr firstRow="1" bandRow="1">
+                <a:tableStyleId>{5C22544A-7EE6-4342-B048-85BDC9FD1C3A}</a:tableStyleId>
+              </a:tblPr>
+              <a:tblGrid>
+                <a:gridCol w="2472275"/>
+                <a:gridCol w="2472275"/>
+                <a:gridCol w="2472275"/>
+              </a:tblGrid>
+              <a:tr h="370840">
+                <a:tc>
+                  <a:txBody>
+                    <a:bodyPr/>
+                    <a:lstStyle/>
+                    <a:p>
+                      <a:r>
+                        <a:rPr lang="zh-TW" altLang="en-US" sz="1800" dirty="0" smtClean="0"/>
+                        <a:t>軟體</a:t>
+                      </a:r>
+                      <a:endParaRPr lang="zh-TW" altLang="en-US" sz="1800" dirty="0"/>
+                    </a:p>
+                  </a:txBody>
+                  <a:tcPr/>
+                </a:tc>
+                <a:tc>
+                  <a:txBody>
+                    <a:bodyPr/>
+                    <a:lstStyle/>
+                    <a:p>
+                      <a:r>
+                        <a:rPr lang="zh-TW" altLang="en-US" sz="1800" dirty="0" smtClean="0"/>
+                        <a:t>數量</a:t>
+                      </a:r>
+                      <a:endParaRPr lang="zh-TW" altLang="en-US" sz="1800" dirty="0"/>
+                    </a:p>
+                  </a:txBody>
+                  <a:tcPr/>
+                </a:tc>
+                <a:tc>
+                  <a:txBody>
+                    <a:bodyPr/>
+                    <a:lstStyle/>
+                    <a:p>
+                      <a:r>
+                        <a:rPr lang="zh-TW" altLang="en-US" sz="1800" dirty="0" smtClean="0"/>
+                        <a:t>備註</a:t>
+                      </a:r>
+                      <a:endParaRPr lang="zh-TW" altLang="en-US" sz="1800" dirty="0"/>
+                    </a:p>
+                  </a:txBody>
+                  <a:tcPr/>
+                </a:tc>
+              </a:tr>
+              <a:tr h="370840">
+                <a:tc>
+                  <a:txBody>
+                    <a:bodyPr/>
+                    <a:lstStyle/>
+                    <a:p>
+                      <a:r>
+                        <a:rPr lang="en-US" altLang="zh-TW" sz="1800" dirty="0" smtClean="0"/>
+                        <a:t>Discord</a:t>
+                      </a:r>
+                      <a:endParaRPr lang="zh-TW" altLang="en-US" sz="1800" dirty="0"/>
+                    </a:p>
+                  </a:txBody>
+                  <a:tcPr/>
+                </a:tc>
+                <a:tc>
+                  <a:txBody>
+                    <a:bodyPr/>
+                    <a:lstStyle/>
+                    <a:p>
+                      <a:endParaRPr lang="zh-TW" altLang="en-US" sz="1800" dirty="0"/>
+                    </a:p>
+                  </a:txBody>
+                  <a:tcPr/>
+                </a:tc>
+                <a:tc>
+                  <a:txBody>
+                    <a:bodyPr/>
+                    <a:lstStyle/>
+                    <a:p>
+                      <a:endParaRPr lang="zh-TW" altLang="en-US" sz="1800" dirty="0"/>
+                    </a:p>
+                  </a:txBody>
+                  <a:tcPr/>
+                </a:tc>
+              </a:tr>
+              <a:tr h="914400">
+                <a:tc>
+                  <a:txBody>
+                    <a:bodyPr/>
+                    <a:lstStyle/>
+                    <a:p>
+                      <a:r>
+                        <a:rPr lang="en-US" altLang="zh-TW" sz="1800" dirty="0" smtClean="0"/>
+                        <a:t>Visual Studio Code</a:t>
+                      </a:r>
+                      <a:endParaRPr lang="zh-TW" altLang="en-US" sz="1800" dirty="0"/>
+                    </a:p>
+                  </a:txBody>
+                  <a:tcPr/>
+                </a:tc>
+                <a:tc>
+                  <a:txBody>
+                    <a:bodyPr/>
+                    <a:lstStyle/>
+                    <a:p>
+                      <a:endParaRPr lang="zh-TW" altLang="en-US" sz="1800" dirty="0"/>
+                    </a:p>
+                  </a:txBody>
+                  <a:tcPr/>
+                </a:tc>
+                <a:tc>
+                  <a:txBody>
+                    <a:bodyPr/>
+                    <a:lstStyle/>
+                    <a:p>
+                      <a:r>
+                        <a:rPr kumimoji="0" lang="en-US" altLang="zh-TW" sz="1800" b="0" i="0" kern="1200" dirty="0" smtClean="0">
+                          <a:solidFill>
+                            <a:schemeClr val="dk1"/>
+                          </a:solidFill>
+                          <a:effectLst/>
+                          <a:latin typeface="+mn-lt"/>
+                          <a:ea typeface="+mn-ea"/>
+                          <a:cs typeface="+mn-cs"/>
+                        </a:rPr>
+                        <a:t>version 1.39</a:t>
+                      </a:r>
+                      <a:endParaRPr kumimoji="0" lang="en-US" altLang="zh-TW" sz="1800" b="0" i="0" kern="1200" dirty="0">
+                        <a:solidFill>
+                          <a:schemeClr val="dk1"/>
+                        </a:solidFill>
+                        <a:effectLst/>
+                        <a:latin typeface="+mn-lt"/>
+                        <a:ea typeface="+mn-ea"/>
+                        <a:cs typeface="+mn-cs"/>
+                      </a:endParaRPr>
+                    </a:p>
+                  </a:txBody>
+                  <a:tcPr/>
+                </a:tc>
+              </a:tr>
+            </a:tbl>
+          </a:graphicData>
+        </a:graphic>
+      </p:graphicFrame>
+      <p:graphicFrame>
+        <p:nvGraphicFramePr>
+          <p:cNvPr id="6" name="表格 5"/>
+          <p:cNvGraphicFramePr>
+            <a:graphicFrameLocks noGrp="1"/>
+          </p:cNvGraphicFramePr>
+          <p:nvPr>
+            <p:extLst>
+              <p:ext uri="{D42A27DB-BD31-4B8C-83A1-F6EECF244321}">
+                <p14:modId xmlns:p14="http://schemas.microsoft.com/office/powerpoint/2010/main" val="3558143917"/>
+              </p:ext>
+            </p:extLst>
+          </p:nvPr>
+        </p:nvGraphicFramePr>
+        <p:xfrm>
+          <a:off x="1043608" y="2780929"/>
+          <a:ext cx="7416825" cy="1112520"/>
+        </p:xfrm>
+        <a:graphic>
+          <a:graphicData uri="http://schemas.openxmlformats.org/drawingml/2006/table">
+            <a:tbl>
+              <a:tblPr firstRow="1" bandRow="1">
+                <a:tableStyleId>{5C22544A-7EE6-4342-B048-85BDC9FD1C3A}</a:tableStyleId>
+              </a:tblPr>
+              <a:tblGrid>
+                <a:gridCol w="2472275"/>
+                <a:gridCol w="2472275"/>
+                <a:gridCol w="2472275"/>
+              </a:tblGrid>
+              <a:tr h="370840">
+                <a:tc>
+                  <a:txBody>
+                    <a:bodyPr/>
+                    <a:lstStyle/>
+                    <a:p>
+                      <a:r>
+                        <a:rPr lang="zh-TW" altLang="en-US" sz="1800" dirty="0" smtClean="0"/>
+                        <a:t>設備</a:t>
+                      </a:r>
+                      <a:endParaRPr lang="zh-TW" altLang="en-US" sz="1800" dirty="0"/>
+                    </a:p>
+                  </a:txBody>
+                  <a:tcPr/>
+                </a:tc>
+                <a:tc>
+                  <a:txBody>
+                    <a:bodyPr/>
+                    <a:lstStyle/>
+                    <a:p>
+                      <a:r>
+                        <a:rPr lang="zh-TW" altLang="en-US" sz="1800" dirty="0" smtClean="0"/>
+                        <a:t>數量</a:t>
+                      </a:r>
+                      <a:endParaRPr lang="zh-TW" altLang="en-US" sz="1800" dirty="0"/>
+                    </a:p>
+                  </a:txBody>
+                  <a:tcPr/>
+                </a:tc>
+                <a:tc>
+                  <a:txBody>
+                    <a:bodyPr/>
+                    <a:lstStyle/>
+                    <a:p>
+                      <a:r>
+                        <a:rPr lang="zh-TW" altLang="en-US" sz="1800" dirty="0" smtClean="0"/>
+                        <a:t>備註</a:t>
+                      </a:r>
+                      <a:endParaRPr lang="zh-TW" altLang="en-US" sz="1800" dirty="0"/>
+                    </a:p>
+                  </a:txBody>
+                  <a:tcPr/>
+                </a:tc>
+              </a:tr>
+              <a:tr h="370840">
+                <a:tc>
+                  <a:txBody>
+                    <a:bodyPr/>
+                    <a:lstStyle/>
+                    <a:p>
+                      <a:r>
+                        <a:rPr lang="zh-TW" altLang="en-US" sz="1800" dirty="0" smtClean="0"/>
+                        <a:t>電腦</a:t>
+                      </a:r>
+                      <a:endParaRPr lang="zh-TW" altLang="en-US" sz="1800" dirty="0"/>
+                    </a:p>
+                  </a:txBody>
+                  <a:tcPr/>
+                </a:tc>
+                <a:tc>
+                  <a:txBody>
+                    <a:bodyPr/>
+                    <a:lstStyle/>
+                    <a:p>
+                      <a:r>
+                        <a:rPr lang="en-US" altLang="zh-TW" sz="1800" dirty="0" smtClean="0"/>
+                        <a:t>1</a:t>
+                      </a:r>
+                      <a:endParaRPr lang="zh-TW" altLang="en-US" sz="1800" dirty="0"/>
+                    </a:p>
+                  </a:txBody>
+                  <a:tcPr/>
+                </a:tc>
+                <a:tc>
+                  <a:txBody>
+                    <a:bodyPr/>
+                    <a:lstStyle/>
+                    <a:p>
+                      <a:endParaRPr lang="zh-TW" altLang="en-US" sz="1800"/>
+                    </a:p>
+                  </a:txBody>
+                  <a:tcPr/>
+                </a:tc>
+              </a:tr>
+              <a:tr h="370840">
+                <a:tc>
+                  <a:txBody>
+                    <a:bodyPr/>
+                    <a:lstStyle/>
+                    <a:p>
+                      <a:endParaRPr lang="zh-TW" altLang="en-US" sz="1800" dirty="0"/>
+                    </a:p>
+                  </a:txBody>
+                  <a:tcPr/>
+                </a:tc>
+                <a:tc>
+                  <a:txBody>
+                    <a:bodyPr/>
+                    <a:lstStyle/>
+                    <a:p>
+                      <a:endParaRPr lang="zh-TW" altLang="en-US" sz="1800"/>
+                    </a:p>
+                  </a:txBody>
+                  <a:tcPr/>
+                </a:tc>
+                <a:tc>
+                  <a:txBody>
+                    <a:bodyPr/>
+                    <a:lstStyle/>
+                    <a:p>
+                      <a:endParaRPr lang="zh-TW" altLang="en-US" sz="1800" dirty="0"/>
+                    </a:p>
+                  </a:txBody>
+                  <a:tcPr/>
+                </a:tc>
+              </a:tr>
+            </a:tbl>
+          </a:graphicData>
+        </a:graphic>
+      </p:graphicFrame>
+    </p:spTree>
+    <p:extLst>
+      <p:ext uri="{BB962C8B-B14F-4D97-AF65-F5344CB8AC3E}">
+        <p14:creationId xmlns:p14="http://schemas.microsoft.com/office/powerpoint/2010/main" val="1341538469"/>
+      </p:ext>
+    </p:extLst>
+  </p:cSld>
+  <p:clrMapOvr>
+    <a:masterClrMapping/>
+  </p:clrMapOvr>
+  <mc:AlternateContent xmlns:mc="http://schemas.openxmlformats.org/markup-compatibility/2006">
+    <mc:Choice xmlns:p14="http://schemas.microsoft.com/office/powerpoint/2010/main" Requires="p14">
+      <p:transition spd="slow">
+        <p14:honeycomb/>
+      </p:transition>
+    </mc:Choice>
+    <mc:Fallback>
+      <p:transition spd="slow">
+        <p:fade/>
+      </p:transition>
+    </mc:Fallback>
+  </mc:AlternateContent>
+  <p:timing>
+    <p:tnLst>
+      <p:par>
+        <p:cTn id="1" dur="indefinite" restart="never" nodeType="tmRoot"/>
+      </p:par>
+    </p:tnLst>
+  </p:timing>
+</p:sld>
+</file>
+
+<file path=ppt/slides/slide6.xml><?xml version="1.0" encoding="utf-8"?>
+<p:sld xmlns:a="http://schemas.openxmlformats.org/drawingml/2006/main" xmlns:r="http://schemas.openxmlformats.org/officeDocument/2006/relationships" xmlns:p="http://schemas.openxmlformats.org/presentationml/2006/main">
+  <p:cSld>
+    <p:spTree>
+      <p:nvGrpSpPr>
+        <p:cNvPr id="1" name=""/>
+        <p:cNvGrpSpPr/>
+        <p:nvPr/>
+      </p:nvGrpSpPr>
+      <p:grpSpPr>
+        <a:xfrm>
+          <a:off x="0" y="0"/>
+          <a:ext cx="0" cy="0"/>
+          <a:chOff x="0" y="0"/>
+          <a:chExt cx="0" cy="0"/>
+        </a:xfrm>
+      </p:grpSpPr>
+      <p:sp>
+        <p:nvSpPr>
+          <p:cNvPr id="2" name="標題 1"/>
+          <p:cNvSpPr>
+            <a:spLocks noGrp="1"/>
+          </p:cNvSpPr>
+          <p:nvPr>
+            <p:ph type="title"/>
+          </p:nvPr>
+        </p:nvSpPr>
+        <p:spPr/>
+        <p:txBody>
+          <a:bodyPr>
+            <a:normAutofit/>
+          </a:bodyPr>
+          <a:lstStyle/>
+          <a:p>
+            <a:r>
+              <a:rPr lang="zh-TW" altLang="en-US" dirty="0"/>
+              <a:t>甘特</a:t>
+            </a:r>
+            <a:r>
+              <a:rPr lang="zh-TW" altLang="en-US" dirty="0" smtClean="0"/>
+              <a:t>圖</a:t>
+            </a:r>
+            <a:endParaRPr lang="zh-TW" altLang="en-US" dirty="0"/>
+          </a:p>
+        </p:txBody>
+      </p:sp>
+      <p:pic>
+        <p:nvPicPr>
+          <p:cNvPr id="1026" name="Picture 2"/>
+          <p:cNvPicPr>
+            <a:picLocks noChangeAspect="1" noChangeArrowheads="1"/>
+          </p:cNvPicPr>
+          <p:nvPr/>
+        </p:nvPicPr>
+        <p:blipFill>
+          <a:blip r:embed="rId2">
+            <a:extLst>
+              <a:ext uri="{28A0092B-C50C-407E-A947-70E740481C1C}">
+                <a14:useLocalDpi xmlns:a14="http://schemas.microsoft.com/office/drawing/2010/main" val="0"/>
+              </a:ext>
+            </a:extLst>
+          </a:blip>
+          <a:srcRect/>
+          <a:stretch>
+            <a:fillRect/>
+          </a:stretch>
+        </p:blipFill>
+        <p:spPr bwMode="auto">
+          <a:xfrm>
+            <a:off x="34115" y="1340769"/>
+            <a:ext cx="9017000" cy="5357813"/>
+          </a:xfrm>
+          <a:prstGeom prst="rect">
+            <a:avLst/>
+          </a:prstGeom>
+          <a:noFill/>
+          <a:ln>
+            <a:noFill/>
+          </a:ln>
+          <a:effectLst/>
+          <a:extLst>
+            <a:ext uri="{909E8E84-426E-40DD-AFC4-6F175D3DCCD1}">
+              <a14:hiddenFill xmlns:a14="http://schemas.microsoft.com/office/drawing/2010/main">
+                <a:solidFill>
+                  <a:schemeClr val="accent1"/>
+                </a:solidFill>
+              </a14:hiddenFill>
+            </a:ext>
+            <a:ext uri="{91240B29-F687-4F45-9708-019B960494DF}">
+              <a14:hiddenLine xmlns:a14="http://schemas.microsoft.com/office/drawing/2010/main" w="9525">
+                <a:solidFill>
+                  <a:schemeClr val="tx1"/>
+                </a:solidFill>
+                <a:miter lim="800000"/>
+                <a:headEnd/>
+                <a:tailEnd/>
+              </a14:hiddenLine>
+            </a:ext>
+            <a:ext uri="{AF507438-7753-43E0-B8FC-AC1667EBCBE1}">
+              <a14:hiddenEffects xmlns:a14="http://schemas.microsoft.com/office/drawing/2010/main">
+                <a:effectLst>
+                  <a:outerShdw dist="35921" dir="2700000" algn="ctr" rotWithShape="0">
+                    <a:schemeClr val="bg2"/>
+                  </a:outerShdw>
+                </a:effectLst>
+              </a14:hiddenEffects>
+            </a:ext>
+          </a:extLst>
+        </p:spPr>
+      </p:pic>
+    </p:spTree>
+    <p:extLst>
+      <p:ext uri="{BB962C8B-B14F-4D97-AF65-F5344CB8AC3E}">
+        <p14:creationId xmlns:p14="http://schemas.microsoft.com/office/powerpoint/2010/main" val="197208643"/>
+      </p:ext>
+    </p:extLst>
+  </p:cSld>
+  <p:clrMapOvr>
+    <a:masterClrMapping/>
+  </p:clrMapOvr>
+  <mc:AlternateContent xmlns:mc="http://schemas.openxmlformats.org/markup-compatibility/2006">
+    <mc:Choice xmlns:p14="http://schemas.microsoft.com/office/powerpoint/2010/main" Requires="p14">
+      <p:transition spd="slow">
+        <p14:honeycomb/>
+      </p:transition>
+    </mc:Choice>
+    <mc:Fallback>
+      <p:transition spd="slow">
+        <p:fade/>
+      </p:transition>
+    </mc:Fallback>
+  </mc:AlternateContent>
+  <p:timing>
+    <p:tnLst>
+      <p:par>
+        <p:cTn id="1" dur="indefinite" restart="never" nodeType="tmRoot"/>
+      </p:par>
+    </p:tnLst>
+  </p:timing>
+</p:sld>
+</file>
+
+<file path=ppt/slides/slide7.xml><?xml version="1.0" encoding="utf-8"?>
+<p:sld xmlns:a="http://schemas.openxmlformats.org/drawingml/2006/main" xmlns:r="http://schemas.openxmlformats.org/officeDocument/2006/relationships" xmlns:p="http://schemas.openxmlformats.org/presentationml/2006/main">
+  <p:cSld>
+    <p:spTree>
+      <p:nvGrpSpPr>
+        <p:cNvPr id="1" name=""/>
+        <p:cNvGrpSpPr/>
+        <p:nvPr/>
+      </p:nvGrpSpPr>
+      <p:grpSpPr>
+        <a:xfrm>
+          <a:off x="0" y="0"/>
+          <a:ext cx="0" cy="0"/>
+          <a:chOff x="0" y="0"/>
+          <a:chExt cx="0" cy="0"/>
+        </a:xfrm>
+      </p:grpSpPr>
+      <p:sp>
+        <p:nvSpPr>
+          <p:cNvPr id="2" name="標題 1"/>
+          <p:cNvSpPr>
+            <a:spLocks noGrp="1"/>
+          </p:cNvSpPr>
+          <p:nvPr>
+            <p:ph type="title"/>
+          </p:nvPr>
+        </p:nvSpPr>
+        <p:spPr/>
+        <p:txBody>
+          <a:bodyPr/>
+          <a:lstStyle/>
+          <a:p>
+            <a:r>
+              <a:rPr lang="en-US" altLang="zh-TW" dirty="0" smtClean="0"/>
+              <a:t>DISCORD</a:t>
+            </a:r>
+            <a:r>
+              <a:rPr lang="zh-TW" altLang="en-US" dirty="0"/>
+              <a:t>介紹</a:t>
+            </a:r>
+          </a:p>
+        </p:txBody>
+      </p:sp>
+      <p:sp>
+        <p:nvSpPr>
+          <p:cNvPr id="3" name="內容版面配置區 2"/>
+          <p:cNvSpPr>
+            <a:spLocks noGrp="1"/>
+          </p:cNvSpPr>
+          <p:nvPr>
+            <p:ph idx="1"/>
+          </p:nvPr>
+        </p:nvSpPr>
+        <p:spPr>
+          <a:xfrm>
+            <a:off x="460375" y="1340768"/>
+            <a:ext cx="8229600" cy="4572000"/>
+          </a:xfrm>
+        </p:spPr>
+        <p:txBody>
+          <a:bodyPr>
+            <a:normAutofit lnSpcReduction="10000"/>
+          </a:bodyPr>
+          <a:lstStyle/>
+          <a:p>
+            <a:r>
+              <a:rPr lang="en-US" altLang="zh-TW" b="1" dirty="0"/>
+              <a:t>Discord</a:t>
+            </a:r>
+            <a:r>
+              <a:rPr lang="zh-TW" altLang="en-US" dirty="0"/>
+              <a:t>是一款專為電子遊戲社區設計的免費網路即時通話軟體與數位發行平台，主要用戶為遊戲玩家，玩家之間可以在軟體的聊天頻道通過資訊、圖片、視訊和音訊進行互動。這款軟體可以在</a:t>
+            </a:r>
+            <a:r>
+              <a:rPr lang="en-US" altLang="zh-TW" b="1" dirty="0"/>
+              <a:t>Microsoft Windows</a:t>
+            </a:r>
+            <a:r>
+              <a:rPr lang="zh-TW" altLang="en-US" b="1" dirty="0"/>
+              <a:t>、</a:t>
+            </a:r>
+            <a:r>
+              <a:rPr lang="en-US" altLang="zh-TW" b="1" dirty="0" err="1"/>
+              <a:t>macOS</a:t>
+            </a:r>
+            <a:r>
+              <a:rPr lang="zh-TW" altLang="en-US" b="1" dirty="0"/>
+              <a:t>、</a:t>
+            </a:r>
+            <a:r>
+              <a:rPr lang="en-US" altLang="zh-TW" b="1" dirty="0"/>
+              <a:t>Android</a:t>
+            </a:r>
+            <a:r>
+              <a:rPr lang="zh-TW" altLang="en-US" b="1" dirty="0"/>
+              <a:t>、</a:t>
+            </a:r>
+            <a:r>
+              <a:rPr lang="en-US" altLang="zh-TW" b="1" dirty="0" err="1"/>
+              <a:t>iOS</a:t>
+            </a:r>
+            <a:r>
+              <a:rPr lang="zh-TW" altLang="en-US" b="1" dirty="0"/>
+              <a:t>、</a:t>
+            </a:r>
+            <a:r>
+              <a:rPr lang="en-US" altLang="zh-TW" b="1" dirty="0"/>
+              <a:t>Linux</a:t>
+            </a:r>
+            <a:r>
+              <a:rPr lang="zh-TW" altLang="en-US" dirty="0"/>
+              <a:t>和網頁上執行</a:t>
+            </a:r>
+            <a:r>
+              <a:rPr lang="zh-TW" altLang="en-US" dirty="0" smtClean="0"/>
+              <a:t>。</a:t>
+            </a:r>
+            <a:endParaRPr lang="en-US" altLang="zh-TW" dirty="0" smtClean="0"/>
+          </a:p>
+          <a:p>
+            <a:r>
+              <a:rPr lang="en-US" altLang="zh-TW" dirty="0"/>
+              <a:t>2019</a:t>
+            </a:r>
+            <a:r>
+              <a:rPr lang="zh-TW" altLang="en-US" dirty="0"/>
+              <a:t>年</a:t>
+            </a:r>
+            <a:r>
+              <a:rPr lang="en-US" altLang="zh-TW" dirty="0"/>
+              <a:t>5</a:t>
+            </a:r>
+            <a:r>
+              <a:rPr lang="zh-TW" altLang="en-US" dirty="0"/>
+              <a:t>月，在慶祝</a:t>
+            </a:r>
+            <a:r>
+              <a:rPr lang="en-US" altLang="zh-TW" dirty="0"/>
+              <a:t>discord</a:t>
+            </a:r>
+            <a:r>
+              <a:rPr lang="zh-TW" altLang="en-US" dirty="0"/>
+              <a:t>發行四周年之際，其團隊宣布在網路和行動平台上擁有超過</a:t>
+            </a:r>
+            <a:r>
+              <a:rPr lang="en-US" altLang="zh-TW" dirty="0"/>
+              <a:t>2.5</a:t>
+            </a:r>
+            <a:r>
+              <a:rPr lang="zh-TW" altLang="en-US" dirty="0"/>
+              <a:t>億註冊用戶。</a:t>
+            </a:r>
+          </a:p>
+        </p:txBody>
+      </p:sp>
+      <p:sp>
+        <p:nvSpPr>
+          <p:cNvPr id="4" name="AutoShape 2" descr="「discord」的圖片搜尋結果"/>
+          <p:cNvSpPr>
+            <a:spLocks noChangeAspect="1" noChangeArrowheads="1"/>
+          </p:cNvSpPr>
+          <p:nvPr/>
+        </p:nvSpPr>
+        <p:spPr bwMode="auto">
+          <a:xfrm>
+            <a:off x="155575" y="-144463"/>
+            <a:ext cx="304800" cy="304801"/>
+          </a:xfrm>
+          <a:prstGeom prst="rect">
+            <a:avLst/>
+          </a:prstGeom>
+          <a:noFill/>
+          <a:extLst>
+            <a:ext uri="{909E8E84-426E-40DD-AFC4-6F175D3DCCD1}">
+              <a14:hiddenFill xmlns:a14="http://schemas.microsoft.com/office/drawing/2010/main">
+                <a:solidFill>
+                  <a:srgbClr val="FFFFFF"/>
+                </a:solidFill>
+              </a14:hiddenFill>
+            </a:ext>
+          </a:extLst>
+        </p:spPr>
+        <p:txBody>
+          <a:bodyPr vert="horz" wrap="square" lIns="91440" tIns="45720" rIns="91440" bIns="45720" numCol="1" anchor="t" anchorCtr="0" compatLnSpc="1">
+            <a:prstTxWarp prst="textNoShape">
+              <a:avLst/>
+            </a:prstTxWarp>
+          </a:bodyPr>
+          <a:lstStyle/>
+          <a:p>
+            <a:endParaRPr lang="zh-TW" altLang="en-US"/>
+          </a:p>
+        </p:txBody>
+      </p:sp>
+      <p:sp>
+        <p:nvSpPr>
+          <p:cNvPr id="5" name="AutoShape 4" descr="「discord」的圖片搜尋結果"/>
+          <p:cNvSpPr>
+            <a:spLocks noChangeAspect="1" noChangeArrowheads="1"/>
+          </p:cNvSpPr>
+          <p:nvPr/>
+        </p:nvSpPr>
+        <p:spPr bwMode="auto">
+          <a:xfrm>
+            <a:off x="307975" y="7938"/>
+            <a:ext cx="304800" cy="304801"/>
+          </a:xfrm>
+          <a:prstGeom prst="rect">
+            <a:avLst/>
+          </a:prstGeom>
+          <a:noFill/>
+          <a:extLst>
+            <a:ext uri="{909E8E84-426E-40DD-AFC4-6F175D3DCCD1}">
+              <a14:hiddenFill xmlns:a14="http://schemas.microsoft.com/office/drawing/2010/main">
+                <a:solidFill>
+                  <a:srgbClr val="FFFFFF"/>
+                </a:solidFill>
+              </a14:hiddenFill>
+            </a:ext>
+          </a:extLst>
+        </p:spPr>
+        <p:txBody>
+          <a:bodyPr vert="horz" wrap="square" lIns="91440" tIns="45720" rIns="91440" bIns="45720" numCol="1" anchor="t" anchorCtr="0" compatLnSpc="1">
+            <a:prstTxWarp prst="textNoShape">
+              <a:avLst/>
+            </a:prstTxWarp>
+          </a:bodyPr>
+          <a:lstStyle/>
+          <a:p>
+            <a:endParaRPr lang="zh-TW" altLang="en-US"/>
+          </a:p>
+        </p:txBody>
+      </p:sp>
+      <p:sp>
+        <p:nvSpPr>
+          <p:cNvPr id="6" name="AutoShape 6" descr="data:image/png;base64,iVBORw0KGgoAAAANSUhEUgAAAL0AAAC6CAMAAADMDLy6AAAAYFBMVEX///9yidpthdnp7PmLneBlf9jFzu98kdzY3vRwh9pqg9hjfddogdj8/P7y9Ptdedbh5faVpeKFmN7O1fGhr+W5w+uwvOnT2fK/yO3u8PqntOadq+R3jdtVc9SQoeFQb9N9ht6TAAAHXklEQVR4nO2d2YKrKBCGFUUEBXFfj/P+bzkak05MwNgKepzhv2w1fGKxVRW0ZRkZGRkZGRkZGRkZbRBPvaOUcpXg1PHcKArgUQqiyPUcqgbeKToI7GMFYFc4Ctipl8CD0SfBJN0PX+Cj6/0hYOd7rSeH+CR428Yw3wkfncY+Kqr2wPNz4Qf8HU2XumfZ/EPE3U7vkZPhB9vf3PHQ/uyqHzqeeCu9353X3zyEkb+RPj/fcIbK39jt0OZvoCfNtiGrjv8K+oxto/8LGu3YbOtN9M7pvf0o4G4bsAz9fhn682Toz5OhP0+G/jwZ+vNk6M+ToT9Phv48HUuPgfQpADb4h46iH7hDGCZZLLlsxxmCEP7yHQ6hH2octfkYLqNM7IvAkzOe5zGy5d/nDHoC+iYd/S6UV/E92DJ8CkBGATxVdtKkE0jtNS5Y6yvSTh+CbOJyvKwLCCAhDAKMXLeP27aN3aQjQRCSwa7copw8Y47XknX8mukBzPybu4tnCQ6DCCRtUaU+d+pBjLG6djj30zxDYRDArq8mflbGwZoGoJc+SPwbjhMDGAVuxRmlQs8jpcwvkigIu7tflfp4RTRSJz3ovBsI7/9gVKyIcdMy6yDM777JvPtahD56bGc3JyNvwr5Y7WdnQ+tA6cTP229laKx7b7QRlrtZ+TtHL/f6uLy/SngSPcnG2/y24r93sbO0KaanvvjZtdFHY4VX1Tb/+tBWmtuTznJUVRc9acab9gTjp2+WLVa+LvpgW1jgQ/4Z9GGmKIOGtUv4uui3hiI/tBjU1kNP4o2t9ZcF6aEPPVXwllUsVL4WepwoTH3j3cH0oFEHb1mufLapx3L2J429qJKbjg56jJS12VE0OJQeZCrhLauXVr4O+lBpuqplldLK12L3auEtdmTdE6U9ziAqnS1ooI8UG45lpTLTUU+PiaIJ2lNclkWmnn5rvtKCmGyJpZ4eKh2qJuWS9a1yeoylZs+9ypNdHK/50o+WHmU5oJcMtDxGNrZRL5r519M1V/bZeCLGV04fFuIa9MKbvxUD8pm7XRIwXQslna2sz1ROT8RT+/TP8453/BL/1GxUiIsrxKWpppekp9YvdQe6ufHXr/MYyZLSE1eVanrQC50Js9xTODeu2cpVklrM0SH0pBWZPZu1Opy8viGbuWwwEvZKVNxslde90HB9NCs8fC2znl+zxe1GXJxyuxcWns7XptGrcTtzeEGXNKoQjleq6Tthq3ujD2b08x+Q0KdH0GMkbLT+G/2rbTtzy8HipHRHOM1UTZ8I767nrdZ+LZPFs1/qSuEvUGEcSDE9kGxkmRG+5Z1Xr9WKE8lEwxZ1OqrpJUM9f+kVMZhXr5O8/JR0N4OwPMX0RFZ48fzy5H0m5D3D+1C6D0boyFdMH4qtdiz9sasv+Nyv8LPjD7pST5Bwiq+YHkon97TqgpCQgAiCQbRE0e1aIY9ZeKJmq5p+IWTCyizOUvENrGzizKsX1pS+KIKlmD5QvqZ9SLirUbXdK2Z+ih1AD95uU/cpqH56/O4E5Ns3kabzNz+Dvs42xoBY/9Z7MdFERzP9MJAmGwpgBXwfOCgRTBV001t1/M89wWitaF1B8jHqUayd3iaf03vWRLCVeqE+b/cL9Efg9CkPGK3mS9ZJ1EMRTJp0zQeoq7gLIsGQ6xwxxxxW5QJIp4AhsVGbLnegzIsTDKNE4BGsk0PWtXYowrdYC8mYD5g0pfgNKM9ROKY4ItENjnuQL82GYo9OXbjD8hCEQdTFhec7zi0tsK4dh6d53EVRiO0OxcJlMU+O8iGPZ3yImyhtJ9PFY0omDAfWJEHIvqVj3q7gTDyFS9GBkR+bdMKUqDfHAr7r5S/C164XDivRk6eA30dKa3Tmfc0PBYLFSSoxeX30o3X0b79bJyuSc0n7VoyPREOsbvrhhyPXZ8/ug8arDtqJXnxRrE5RtPy9NOZjggA1qX/PrCtWHplyj3oxxx+Trr/ZmtY8ZBzCrs+KvEoX8jzeHkGeV+VFm9jBikd0Z7DjMc0e/OLUjuHO8ZF1D5hdM+fJ0J8nQ3+eDP15MvTnydCfJ0N/ngz9eTL05+n/SX/ISXsr3Ffb6Jf3oClR1yy50XbRS1KtVIoUX/1vm+k97UeTgr6mX/A308tSg1XKl+eu76S3vm763i3ojdmaSxa6nd7XTn/LTKVL+NvprVh3u8X2LZaSyb3PO+itLWfG/ErRFHNupF7NPfSlrdl4HnufClGcfC+95WnGfyQO0Eoy7O6ip6Wtd8SN7kFEKtmfvYt+mO64q85a2Sr4kyBZCmNAO+kH60k6QLAmAfRTDhfFPXfTDx1/EbtIk7pnCNQXpCoooL/FyHTpJYDLP/GV0B8k52POdiV6i3bhhek/NmlfjJ424ML0FsvBhemHYTe6ML1lpc9h94L0Fv85iuyK9BZ/uEouSW8592yfa9JbdRxcmH7MD74w/fjPbvCF6Yd1KcbXpbdKO7wwvVV2W7Ym/DXyW+Unrhwppm1/l5GRkZGRkZGRkdF/Tf8CUFiJ4ORxCagAAAAASUVORK5CYII="/>
+          <p:cNvSpPr>
+            <a:spLocks noChangeAspect="1" noChangeArrowheads="1"/>
+          </p:cNvSpPr>
+          <p:nvPr/>
+        </p:nvSpPr>
+        <p:spPr bwMode="auto">
+          <a:xfrm>
+            <a:off x="460375" y="160338"/>
+            <a:ext cx="304800" cy="304801"/>
+          </a:xfrm>
+          <a:prstGeom prst="rect">
+            <a:avLst/>
+          </a:prstGeom>
+          <a:noFill/>
+          <a:extLst>
+            <a:ext uri="{909E8E84-426E-40DD-AFC4-6F175D3DCCD1}">
+              <a14:hiddenFill xmlns:a14="http://schemas.microsoft.com/office/drawing/2010/main">
+                <a:solidFill>
+                  <a:srgbClr val="FFFFFF"/>
+                </a:solidFill>
+              </a14:hiddenFill>
+            </a:ext>
+          </a:extLst>
+        </p:spPr>
+        <p:txBody>
+          <a:bodyPr vert="horz" wrap="square" lIns="91440" tIns="45720" rIns="91440" bIns="45720" numCol="1" anchor="t" anchorCtr="0" compatLnSpc="1">
+            <a:prstTxWarp prst="textNoShape">
+              <a:avLst/>
+            </a:prstTxWarp>
+          </a:bodyPr>
+          <a:lstStyle/>
+          <a:p>
+            <a:endParaRPr lang="zh-TW" altLang="en-US"/>
+          </a:p>
+        </p:txBody>
+      </p:sp>
+      <p:sp>
+        <p:nvSpPr>
+          <p:cNvPr id="7" name="AutoShape 8" descr="data:image/png;base64,iVBORw0KGgoAAAANSUhEUgAAAL0AAAC6CAMAAADMDLy6AAAAYFBMVEX///9yidpthdnp7PmLneBlf9jFzu98kdzY3vRwh9pqg9hjfddogdj8/P7y9Ptdedbh5faVpeKFmN7O1fGhr+W5w+uwvOnT2fK/yO3u8PqntOadq+R3jdtVc9SQoeFQb9N9ht6TAAAHXklEQVR4nO2d2YKrKBCGFUUEBXFfj/P+bzkak05MwNgKepzhv2w1fGKxVRW0ZRkZGRkZGRkZGRkZbRBPvaOUcpXg1PHcKArgUQqiyPUcqgbeKToI7GMFYFc4Ctipl8CD0SfBJN0PX+Cj6/0hYOd7rSeH+CR428Yw3wkfncY+Kqr2wPNz4Qf8HU2XumfZ/EPE3U7vkZPhB9vf3PHQ/uyqHzqeeCu9353X3zyEkb+RPj/fcIbK39jt0OZvoCfNtiGrjv8K+oxto/8LGu3YbOtN9M7pvf0o4G4bsAz9fhn682Toz5OhP0+G/jwZ+vNk6M+ToT9Phv48HUuPgfQpADb4h46iH7hDGCZZLLlsxxmCEP7yHQ6hH2octfkYLqNM7IvAkzOe5zGy5d/nDHoC+iYd/S6UV/E92DJ8CkBGATxVdtKkE0jtNS5Y6yvSTh+CbOJyvKwLCCAhDAKMXLeP27aN3aQjQRCSwa7copw8Y47XknX8mukBzPybu4tnCQ6DCCRtUaU+d+pBjLG6djj30zxDYRDArq8mflbGwZoGoJc+SPwbjhMDGAVuxRmlQs8jpcwvkigIu7tflfp4RTRSJz3ovBsI7/9gVKyIcdMy6yDM777JvPtahD56bGc3JyNvwr5Y7WdnQ+tA6cTP229laKx7b7QRlrtZ+TtHL/f6uLy/SngSPcnG2/y24r93sbO0KaanvvjZtdFHY4VX1Tb/+tBWmtuTznJUVRc9acab9gTjp2+WLVa+LvpgW1jgQ/4Z9GGmKIOGtUv4uui3hiI/tBjU1kNP4o2t9ZcF6aEPPVXwllUsVL4WepwoTH3j3cH0oFEHb1mufLapx3L2J429qJKbjg56jJS12VE0OJQeZCrhLauXVr4O+lBpuqplldLK12L3auEtdmTdE6U9ziAqnS1ooI8UG45lpTLTUU+PiaIJ2lNclkWmnn5rvtKCmGyJpZ4eKh2qJuWS9a1yeoylZs+9ypNdHK/50o+WHmU5oJcMtDxGNrZRL5r519M1V/bZeCLGV04fFuIa9MKbvxUD8pm7XRIwXQslna2sz1ROT8RT+/TP8453/BL/1GxUiIsrxKWpppekp9YvdQe6ufHXr/MYyZLSE1eVanrQC50Js9xTODeu2cpVklrM0SH0pBWZPZu1Opy8viGbuWwwEvZKVNxslde90HB9NCs8fC2znl+zxe1GXJxyuxcWns7XptGrcTtzeEGXNKoQjleq6Tthq3ujD2b08x+Q0KdH0GMkbLT+G/2rbTtzy8HipHRHOM1UTZ8I767nrdZ+LZPFs1/qSuEvUGEcSDE9kGxkmRG+5Z1Xr9WKE8lEwxZ1OqrpJUM9f+kVMZhXr5O8/JR0N4OwPMX0RFZ48fzy5H0m5D3D+1C6D0boyFdMH4qtdiz9sasv+Nyv8LPjD7pST5Bwiq+YHkon97TqgpCQgAiCQbRE0e1aIY9ZeKJmq5p+IWTCyizOUvENrGzizKsX1pS+KIKlmD5QvqZ9SLirUbXdK2Z+ih1AD95uU/cpqH56/O4E5Ns3kabzNz+Dvs42xoBY/9Z7MdFERzP9MJAmGwpgBXwfOCgRTBV001t1/M89wWitaF1B8jHqUayd3iaf03vWRLCVeqE+b/cL9Efg9CkPGK3mS9ZJ1EMRTJp0zQeoq7gLIsGQ6xwxxxxW5QJIp4AhsVGbLnegzIsTDKNE4BGsk0PWtXYowrdYC8mYD5g0pfgNKM9ROKY4ItENjnuQL82GYo9OXbjD8hCEQdTFhec7zi0tsK4dh6d53EVRiO0OxcJlMU+O8iGPZ3yImyhtJ9PFY0omDAfWJEHIvqVj3q7gTDyFS9GBkR+bdMKUqDfHAr7r5S/C164XDivRk6eA30dKa3Tmfc0PBYLFSSoxeX30o3X0b79bJyuSc0n7VoyPREOsbvrhhyPXZ8/ug8arDtqJXnxRrE5RtPy9NOZjggA1qX/PrCtWHplyj3oxxx+Trr/ZmtY8ZBzCrs+KvEoX8jzeHkGeV+VFm9jBikd0Z7DjMc0e/OLUjuHO8ZF1D5hdM+fJ0J8nQ3+eDP15MvTnydCfJ0N/ngz9eTL05+n/SX/ISXsr3Ffb6Jf3oClR1yy50XbRS1KtVIoUX/1vm+k97UeTgr6mX/A308tSg1XKl+eu76S3vm763i3ojdmaSxa6nd7XTn/LTKVL+NvprVh3u8X2LZaSyb3PO+itLWfG/ErRFHNupF7NPfSlrdl4HnufClGcfC+95WnGfyQO0Eoy7O6ip6Wtd8SN7kFEKtmfvYt+mO64q85a2Sr4kyBZCmNAO+kH60k6QLAmAfRTDhfFPXfTDx1/EbtIk7pnCNQXpCoooL/FyHTpJYDLP/GV0B8k52POdiV6i3bhhek/NmlfjJ424ML0FsvBhemHYTe6ML1lpc9h94L0Fv85iuyK9BZ/uEouSW8592yfa9JbdRxcmH7MD74w/fjPbvCF6Yd1KcbXpbdKO7wwvVV2W7Ym/DXyW+Unrhwppm1/l5GRkZGRkZGRkdF/Tf8CUFiJ4ORxCagAAAAASUVORK5CYII="/>
+          <p:cNvSpPr>
+            <a:spLocks noChangeAspect="1" noChangeArrowheads="1"/>
+          </p:cNvSpPr>
+          <p:nvPr/>
+        </p:nvSpPr>
+        <p:spPr bwMode="auto">
+          <a:xfrm>
+            <a:off x="612775" y="312738"/>
+            <a:ext cx="304800" cy="304801"/>
+          </a:xfrm>
+          <a:prstGeom prst="rect">
+            <a:avLst/>
+          </a:prstGeom>
+          <a:noFill/>
+          <a:extLst>
+            <a:ext uri="{909E8E84-426E-40DD-AFC4-6F175D3DCCD1}">
+              <a14:hiddenFill xmlns:a14="http://schemas.microsoft.com/office/drawing/2010/main">
+                <a:solidFill>
+                  <a:srgbClr val="FFFFFF"/>
+                </a:solidFill>
+              </a14:hiddenFill>
+            </a:ext>
+          </a:extLst>
+        </p:spPr>
+        <p:txBody>
+          <a:bodyPr vert="horz" wrap="square" lIns="91440" tIns="45720" rIns="91440" bIns="45720" numCol="1" anchor="t" anchorCtr="0" compatLnSpc="1">
+            <a:prstTxWarp prst="textNoShape">
+              <a:avLst/>
+            </a:prstTxWarp>
+          </a:bodyPr>
+          <a:lstStyle/>
+          <a:p>
+            <a:endParaRPr lang="zh-TW" altLang="en-US"/>
+          </a:p>
+        </p:txBody>
+      </p:sp>
+      <p:pic>
+        <p:nvPicPr>
+          <p:cNvPr id="6154" name="Picture 10" descr="「discord」的圖片搜尋結果"/>
+          <p:cNvPicPr>
+            <a:picLocks noChangeAspect="1" noChangeArrowheads="1"/>
+          </p:cNvPicPr>
+          <p:nvPr/>
+        </p:nvPicPr>
+        <p:blipFill>
+          <a:blip r:embed="rId2" cstate="print">
+            <a:extLst>
+              <a:ext uri="{28A0092B-C50C-407E-A947-70E740481C1C}">
+                <a14:useLocalDpi xmlns:a14="http://schemas.microsoft.com/office/drawing/2010/main" val="0"/>
+              </a:ext>
+            </a:extLst>
+          </a:blip>
+          <a:srcRect/>
+          <a:stretch>
+            <a:fillRect/>
+          </a:stretch>
+        </p:blipFill>
+        <p:spPr bwMode="auto">
+          <a:xfrm>
+            <a:off x="8243218" y="1"/>
+            <a:ext cx="900783" cy="900783"/>
+          </a:xfrm>
+          <a:prstGeom prst="rect">
+            <a:avLst/>
+          </a:prstGeom>
+          <a:noFill/>
+          <a:extLst>
+            <a:ext uri="{909E8E84-426E-40DD-AFC4-6F175D3DCCD1}">
+              <a14:hiddenFill xmlns:a14="http://schemas.microsoft.com/office/drawing/2010/main">
+                <a:solidFill>
+                  <a:srgbClr val="FFFFFF"/>
+                </a:solidFill>
+              </a14:hiddenFill>
+            </a:ext>
+          </a:extLst>
+        </p:spPr>
+      </p:pic>
+    </p:spTree>
+    <p:extLst>
+      <p:ext uri="{BB962C8B-B14F-4D97-AF65-F5344CB8AC3E}">
+        <p14:creationId xmlns:p14="http://schemas.microsoft.com/office/powerpoint/2010/main" val="3959665665"/>
+      </p:ext>
+    </p:extLst>
+  </p:cSld>
+  <p:clrMapOvr>
+    <a:masterClrMapping/>
+  </p:clrMapOvr>
+  <mc:AlternateContent xmlns:mc="http://schemas.openxmlformats.org/markup-compatibility/2006">
+    <mc:Choice xmlns:p14="http://schemas.microsoft.com/office/powerpoint/2010/main" Requires="p14">
+      <p:transition spd="slow">
+        <p14:honeycomb/>
+      </p:transition>
+    </mc:Choice>
+    <mc:Fallback>
+      <p:transition spd="slow">
+        <p:fade/>
+      </p:transition>
+    </mc:Fallback>
+  </mc:AlternateContent>
+  <p:timing>
+    <p:tnLst>
+      <p:par>
+        <p:cTn id="1" dur="indefinite" restart="never" nodeType="tmRoot"/>
+      </p:par>
+    </p:tnLst>
+  </p:timing>
+</p:sld>
+</file>
+
+<file path=ppt/slides/slide8.xml><?xml version="1.0" encoding="utf-8"?>
+<p:sld xmlns:a="http://schemas.openxmlformats.org/drawingml/2006/main" xmlns:r="http://schemas.openxmlformats.org/officeDocument/2006/relationships" xmlns:p="http://schemas.openxmlformats.org/presentationml/2006/main">
+  <p:cSld>
+    <p:spTree>
+      <p:nvGrpSpPr>
+        <p:cNvPr id="1" name=""/>
+        <p:cNvGrpSpPr/>
+        <p:nvPr/>
+      </p:nvGrpSpPr>
+      <p:grpSpPr>
+        <a:xfrm>
+          <a:off x="0" y="0"/>
+          <a:ext cx="0" cy="0"/>
+          <a:chOff x="0" y="0"/>
+          <a:chExt cx="0" cy="0"/>
+        </a:xfrm>
+      </p:grpSpPr>
+      <p:sp>
+        <p:nvSpPr>
+          <p:cNvPr id="2" name="標題 1"/>
+          <p:cNvSpPr>
+            <a:spLocks noGrp="1"/>
+          </p:cNvSpPr>
+          <p:nvPr>
+            <p:ph type="title"/>
+          </p:nvPr>
+        </p:nvSpPr>
+        <p:spPr/>
+        <p:txBody>
+          <a:bodyPr/>
+          <a:lstStyle/>
+          <a:p>
+            <a:r>
+              <a:rPr lang="en-US" altLang="zh-TW" dirty="0" smtClean="0"/>
+              <a:t>DISCORD</a:t>
+            </a:r>
+            <a:r>
+              <a:rPr lang="zh-TW" altLang="en-US" dirty="0" smtClean="0"/>
+              <a:t>使用介面</a:t>
+            </a:r>
+            <a:endParaRPr lang="zh-TW" altLang="en-US" dirty="0"/>
+          </a:p>
+        </p:txBody>
+      </p:sp>
+      <p:pic>
+        <p:nvPicPr>
+          <p:cNvPr id="7171" name="Picture 3"/>
+          <p:cNvPicPr>
+            <a:picLocks noChangeAspect="1" noChangeArrowheads="1"/>
+          </p:cNvPicPr>
+          <p:nvPr/>
+        </p:nvPicPr>
+        <p:blipFill>
+          <a:blip r:embed="rId2">
+            <a:extLst>
+              <a:ext uri="{28A0092B-C50C-407E-A947-70E740481C1C}">
+                <a14:useLocalDpi xmlns:a14="http://schemas.microsoft.com/office/drawing/2010/main" val="0"/>
+              </a:ext>
+            </a:extLst>
+          </a:blip>
+          <a:srcRect/>
+          <a:stretch>
+            <a:fillRect/>
+          </a:stretch>
+        </p:blipFill>
+        <p:spPr bwMode="auto">
+          <a:xfrm>
+            <a:off x="26347" y="1340768"/>
+            <a:ext cx="9148160" cy="4931431"/>
+          </a:xfrm>
+          <a:prstGeom prst="rect">
+            <a:avLst/>
+          </a:prstGeom>
+          <a:noFill/>
+          <a:ln>
+            <a:noFill/>
+          </a:ln>
+          <a:effectLst/>
+          <a:extLst>
+            <a:ext uri="{909E8E84-426E-40DD-AFC4-6F175D3DCCD1}">
+              <a14:hiddenFill xmlns:a14="http://schemas.microsoft.com/office/drawing/2010/main">
+                <a:solidFill>
+                  <a:schemeClr val="accent1"/>
+                </a:solidFill>
+              </a14:hiddenFill>
+            </a:ext>
+            <a:ext uri="{91240B29-F687-4F45-9708-019B960494DF}">
+              <a14:hiddenLine xmlns:a14="http://schemas.microsoft.com/office/drawing/2010/main" w="9525">
+                <a:solidFill>
+                  <a:schemeClr val="tx1"/>
+                </a:solidFill>
+                <a:miter lim="800000"/>
+                <a:headEnd/>
+                <a:tailEnd/>
+              </a14:hiddenLine>
+            </a:ext>
+            <a:ext uri="{AF507438-7753-43E0-B8FC-AC1667EBCBE1}">
+              <a14:hiddenEffects xmlns:a14="http://schemas.microsoft.com/office/drawing/2010/main">
+                <a:effectLst>
+                  <a:outerShdw dist="35921" dir="2700000" algn="ctr" rotWithShape="0">
+                    <a:schemeClr val="bg2"/>
+                  </a:outerShdw>
+                </a:effectLst>
+              </a14:hiddenEffects>
+            </a:ext>
+          </a:extLst>
+        </p:spPr>
+      </p:pic>
+    </p:spTree>
+    <p:extLst>
+      <p:ext uri="{BB962C8B-B14F-4D97-AF65-F5344CB8AC3E}">
+        <p14:creationId xmlns:p14="http://schemas.microsoft.com/office/powerpoint/2010/main" val="2713314005"/>
+      </p:ext>
+    </p:extLst>
+  </p:cSld>
+  <p:clrMapOvr>
+    <a:masterClrMapping/>
+  </p:clrMapOvr>
+  <mc:AlternateContent xmlns:mc="http://schemas.openxmlformats.org/markup-compatibility/2006">
+    <mc:Choice xmlns:p14="http://schemas.microsoft.com/office/powerpoint/2010/main" Requires="p14">
+      <p:transition spd="slow">
+        <p14:honeycomb/>
+      </p:transition>
+    </mc:Choice>
+    <mc:Fallback>
+      <p:transition spd="slow">
+        <p:fade/>
+      </p:transition>
+    </mc:Fallback>
+  </mc:AlternateContent>
+  <p:timing>
+    <p:tnLst>
+      <p:par>
+        <p:cTn id="1" dur="indefinite" restart="never" nodeType="tmRoot"/>
+      </p:par>
+    </p:tnLst>
+  </p:timing>
+</p:sld>
+</file>
+
+<file path=ppt/slides/slide9.xml><?xml version="1.0" encoding="utf-8"?>
+<p:sld xmlns:a="http://schemas.openxmlformats.org/drawingml/2006/main" xmlns:r="http://schemas.openxmlformats.org/officeDocument/2006/relationships" xmlns:p="http://schemas.openxmlformats.org/presentationml/2006/main">
+  <p:cSld>
+    <p:spTree>
+      <p:nvGrpSpPr>
+        <p:cNvPr id="1" name=""/>
+        <p:cNvGrpSpPr/>
+        <p:nvPr/>
+      </p:nvGrpSpPr>
+      <p:grpSpPr>
+        <a:xfrm>
+          <a:off x="0" y="0"/>
+          <a:ext cx="0" cy="0"/>
+          <a:chOff x="0" y="0"/>
+          <a:chExt cx="0" cy="0"/>
+        </a:xfrm>
+      </p:grpSpPr>
+      <p:pic>
+        <p:nvPicPr>
+          <p:cNvPr id="4099" name="Picture 3"/>
+          <p:cNvPicPr>
+            <a:picLocks noChangeAspect="1" noChangeArrowheads="1"/>
+          </p:cNvPicPr>
+          <p:nvPr/>
+        </p:nvPicPr>
+        <p:blipFill>
+          <a:blip r:embed="rId2">
+            <a:extLst>
+              <a:ext uri="{28A0092B-C50C-407E-A947-70E740481C1C}">
+                <a14:useLocalDpi xmlns:a14="http://schemas.microsoft.com/office/drawing/2010/main" val="0"/>
+              </a:ext>
+            </a:extLst>
+          </a:blip>
+          <a:srcRect/>
+          <a:stretch>
+            <a:fillRect/>
+          </a:stretch>
+        </p:blipFill>
+        <p:spPr bwMode="auto">
+          <a:xfrm>
+            <a:off x="5475789" y="35630"/>
+            <a:ext cx="3668211" cy="3825419"/>
+          </a:xfrm>
+          <a:prstGeom prst="rect">
+            <a:avLst/>
+          </a:prstGeom>
+          <a:noFill/>
+          <a:ln>
+            <a:noFill/>
+          </a:ln>
+          <a:effectLst/>
+          <a:extLst>
+            <a:ext uri="{909E8E84-426E-40DD-AFC4-6F175D3DCCD1}">
+              <a14:hiddenFill xmlns:a14="http://schemas.microsoft.com/office/drawing/2010/main">
+                <a:solidFill>
+                  <a:schemeClr val="accent1"/>
+                </a:solidFill>
+              </a14:hiddenFill>
+            </a:ext>
+            <a:ext uri="{91240B29-F687-4F45-9708-019B960494DF}">
+              <a14:hiddenLine xmlns:a14="http://schemas.microsoft.com/office/drawing/2010/main" w="9525">
+                <a:solidFill>
+                  <a:schemeClr val="tx1"/>
+                </a:solidFill>
+                <a:miter lim="800000"/>
+                <a:headEnd/>
+                <a:tailEnd/>
+              </a14:hiddenLine>
+            </a:ext>
+            <a:ext uri="{AF507438-7753-43E0-B8FC-AC1667EBCBE1}">
+              <a14:hiddenEffects xmlns:a14="http://schemas.microsoft.com/office/drawing/2010/main">
+                <a:effectLst>
+                  <a:outerShdw dist="35921" dir="2700000" algn="ctr" rotWithShape="0">
+                    <a:schemeClr val="bg2"/>
+                  </a:outerShdw>
+                </a:effectLst>
+              </a14:hiddenEffects>
+            </a:ext>
+          </a:extLst>
+        </p:spPr>
+      </p:pic>
+      <p:sp>
+        <p:nvSpPr>
+          <p:cNvPr id="2" name="標題 1"/>
+          <p:cNvSpPr>
+            <a:spLocks noGrp="1"/>
+          </p:cNvSpPr>
+          <p:nvPr>
+            <p:ph type="title"/>
+          </p:nvPr>
+        </p:nvSpPr>
+        <p:spPr>
+          <a:xfrm>
+            <a:off x="-324544" y="260648"/>
+            <a:ext cx="8229600" cy="1399032"/>
+          </a:xfrm>
+        </p:spPr>
+        <p:txBody>
+          <a:bodyPr/>
+          <a:lstStyle/>
+          <a:p>
+            <a:r>
+              <a:rPr lang="zh-TW" altLang="en-US" dirty="0" smtClean="0"/>
+              <a:t>功能詳介：</a:t>
+            </a:r>
+            <a:r>
+              <a:rPr lang="zh-TW" altLang="en-US" dirty="0">
+                <a:effectLst/>
+              </a:rPr>
+              <a:t>文字回應</a:t>
+            </a:r>
+          </a:p>
+        </p:txBody>
+      </p:sp>
+      <p:sp>
+        <p:nvSpPr>
+          <p:cNvPr id="3" name="內容版面配置區 2"/>
+          <p:cNvSpPr>
+            <a:spLocks noGrp="1"/>
+          </p:cNvSpPr>
+          <p:nvPr>
+            <p:ph idx="1"/>
+          </p:nvPr>
+        </p:nvSpPr>
+        <p:spPr>
+          <a:xfrm>
+            <a:off x="457200" y="1882808"/>
+            <a:ext cx="4618856" cy="4572000"/>
+          </a:xfrm>
+        </p:spPr>
+        <p:txBody>
+          <a:bodyPr>
+            <a:normAutofit/>
+          </a:bodyPr>
+          <a:lstStyle/>
+          <a:p>
+            <a:r>
+              <a:rPr lang="zh-TW" altLang="en-US" dirty="0" smtClean="0"/>
+              <a:t>簡單來說就是很促咪的功能 可以讓對話更生動 更好玩 吧 </a:t>
+            </a:r>
+            <a:endParaRPr lang="en-US" altLang="zh-TW" dirty="0" smtClean="0"/>
+          </a:p>
+          <a:p>
+            <a:r>
+              <a:rPr lang="zh-TW" altLang="en-US" dirty="0" smtClean="0"/>
+              <a:t>讓機器人傳送我想讓他傳送文字的功能</a:t>
+            </a:r>
+            <a:endParaRPr lang="en-US" altLang="zh-TW" dirty="0" smtClean="0"/>
+          </a:p>
+          <a:p>
+            <a:pPr marL="64008" indent="0">
+              <a:buNone/>
+            </a:pPr>
+            <a:endParaRPr lang="en-US" altLang="zh-TW" dirty="0"/>
+          </a:p>
+          <a:p>
+            <a:r>
+              <a:rPr lang="zh-TW" altLang="en-US" dirty="0" smtClean="0"/>
+              <a:t>真的很有趣</a:t>
+            </a:r>
+            <a:endParaRPr lang="zh-TW" altLang="en-US" dirty="0"/>
+          </a:p>
+        </p:txBody>
+      </p:sp>
+      <p:pic>
+        <p:nvPicPr>
+          <p:cNvPr id="4100" name="Picture 4"/>
+          <p:cNvPicPr>
+            <a:picLocks noChangeAspect="1" noChangeArrowheads="1"/>
+          </p:cNvPicPr>
+          <p:nvPr/>
+        </p:nvPicPr>
+        <p:blipFill>
+          <a:blip r:embed="rId3">
+            <a:extLst>
+              <a:ext uri="{28A0092B-C50C-407E-A947-70E740481C1C}">
+                <a14:useLocalDpi xmlns:a14="http://schemas.microsoft.com/office/drawing/2010/main" val="0"/>
+              </a:ext>
+            </a:extLst>
+          </a:blip>
+          <a:srcRect/>
+          <a:stretch>
+            <a:fillRect/>
+          </a:stretch>
+        </p:blipFill>
+        <p:spPr bwMode="auto">
+          <a:xfrm>
+            <a:off x="5724130" y="3988366"/>
+            <a:ext cx="3419871" cy="2869634"/>
+          </a:xfrm>
+          <a:prstGeom prst="rect">
+            <a:avLst/>
+          </a:prstGeom>
+          <a:noFill/>
+          <a:ln>
+            <a:noFill/>
+          </a:ln>
+          <a:effectLst/>
+          <a:extLst>
+            <a:ext uri="{909E8E84-426E-40DD-AFC4-6F175D3DCCD1}">
+              <a14:hiddenFill xmlns:a14="http://schemas.microsoft.com/office/drawing/2010/main">
+                <a:solidFill>
+                  <a:schemeClr val="accent1"/>
+                </a:solidFill>
+              </a14:hiddenFill>
+            </a:ext>
+            <a:ext uri="{91240B29-F687-4F45-9708-019B960494DF}">
+              <a14:hiddenLine xmlns:a14="http://schemas.microsoft.com/office/drawing/2010/main" w="9525">
+                <a:solidFill>
+                  <a:schemeClr val="tx1"/>
+                </a:solidFill>
+                <a:miter lim="800000"/>
+                <a:headEnd/>
+                <a:tailEnd/>
+              </a14:hiddenLine>
+            </a:ext>
+            <a:ext uri="{AF507438-7753-43E0-B8FC-AC1667EBCBE1}">
+              <a14:hiddenEffects xmlns:a14="http://schemas.microsoft.com/office/drawing/2010/main">
+                <a:effectLst>
+                  <a:outerShdw dist="35921" dir="2700000" algn="ctr" rotWithShape="0">
+                    <a:schemeClr val="bg2"/>
+                  </a:outerShdw>
+                </a:effectLst>
+              </a14:hiddenEffects>
+            </a:ext>
+          </a:extLst>
+        </p:spPr>
+      </p:pic>
+      <p:pic>
+        <p:nvPicPr>
+          <p:cNvPr id="4103" name="Picture 7"/>
+          <p:cNvPicPr>
+            <a:picLocks noChangeAspect="1" noChangeArrowheads="1"/>
+          </p:cNvPicPr>
+          <p:nvPr/>
+        </p:nvPicPr>
+        <p:blipFill>
+          <a:blip r:embed="rId4">
+            <a:extLst>
+              <a:ext uri="{28A0092B-C50C-407E-A947-70E740481C1C}">
+                <a14:useLocalDpi xmlns:a14="http://schemas.microsoft.com/office/drawing/2010/main" val="0"/>
+              </a:ext>
+            </a:extLst>
+          </a:blip>
+          <a:srcRect/>
+          <a:stretch>
+            <a:fillRect/>
+          </a:stretch>
+        </p:blipFill>
+        <p:spPr bwMode="auto">
+          <a:xfrm>
+            <a:off x="2987824" y="4293096"/>
+            <a:ext cx="2636837" cy="1020763"/>
+          </a:xfrm>
+          <a:prstGeom prst="rect">
+            <a:avLst/>
+          </a:prstGeom>
+          <a:noFill/>
+          <a:ln>
+            <a:noFill/>
+          </a:ln>
+          <a:effectLst/>
+          <a:extLst>
+            <a:ext uri="{909E8E84-426E-40DD-AFC4-6F175D3DCCD1}">
+              <a14:hiddenFill xmlns:a14="http://schemas.microsoft.com/office/drawing/2010/main">
+                <a:solidFill>
+                  <a:schemeClr val="accent1"/>
+                </a:solidFill>
+              </a14:hiddenFill>
+            </a:ext>
+            <a:ext uri="{91240B29-F687-4F45-9708-019B960494DF}">
+              <a14:hiddenLine xmlns:a14="http://schemas.microsoft.com/office/drawing/2010/main" w="9525">
+                <a:solidFill>
+                  <a:schemeClr val="tx1"/>
+                </a:solidFill>
+                <a:miter lim="800000"/>
+                <a:headEnd/>
+                <a:tailEnd/>
+              </a14:hiddenLine>
+            </a:ext>
+            <a:ext uri="{AF507438-7753-43E0-B8FC-AC1667EBCBE1}">
+              <a14:hiddenEffects xmlns:a14="http://schemas.microsoft.com/office/drawing/2010/main">
+                <a:effectLst>
+                  <a:outerShdw dist="35921" dir="2700000" algn="ctr" rotWithShape="0">
+                    <a:schemeClr val="bg2"/>
+                  </a:outerShdw>
+                </a:effectLst>
+              </a14:hiddenEffects>
+            </a:ext>
+          </a:extLst>
+        </p:spPr>
+      </p:pic>
+    </p:spTree>
+    <p:extLst>
+      <p:ext uri="{BB962C8B-B14F-4D97-AF65-F5344CB8AC3E}">
+        <p14:creationId xmlns:p14="http://schemas.microsoft.com/office/powerpoint/2010/main" val="2498721501"/>
+      </p:ext>
+    </p:extLst>
+  </p:cSld>
+  <p:clrMapOvr>
+    <a:masterClrMapping/>
+  </p:clrMapOvr>
+  <mc:AlternateContent xmlns:mc="http://schemas.openxmlformats.org/markup-compatibility/2006">
+    <mc:Choice xmlns:p14="http://schemas.microsoft.com/office/powerpoint/2010/main" Requires="p14">
+      <p:transition spd="slow">
+        <p14:honeycomb/>
+      </p:transition>
+    </mc:Choice>
+    <mc:Fallback>
+      <p:transition spd="slow">
+        <p:fade/>
+      </p:transition>
+    </mc:Fallback>
+  </mc:AlternateContent>
   <p:timing>
     <p:tnLst>
       <p:par>
